--- a/Protocolo de Tesis Presentación.pptx
+++ b/Protocolo de Tesis Presentación.pptx
@@ -5,10 +5,10 @@
     <p:sldMasterId id="2147483939" r:id="rId1"/>
   </p:sldMasterIdLst>
   <p:notesMasterIdLst>
-    <p:notesMasterId r:id="rId27"/>
+    <p:notesMasterId r:id="rId31"/>
   </p:notesMasterIdLst>
   <p:handoutMasterIdLst>
-    <p:handoutMasterId r:id="rId28"/>
+    <p:handoutMasterId r:id="rId32"/>
   </p:handoutMasterIdLst>
   <p:sldIdLst>
     <p:sldId id="256" r:id="rId2"/>
@@ -32,10 +32,14 @@
     <p:sldId id="296" r:id="rId20"/>
     <p:sldId id="295" r:id="rId21"/>
     <p:sldId id="299" r:id="rId22"/>
-    <p:sldId id="272" r:id="rId23"/>
-    <p:sldId id="274" r:id="rId24"/>
-    <p:sldId id="285" r:id="rId25"/>
-    <p:sldId id="279" r:id="rId26"/>
+    <p:sldId id="300" r:id="rId23"/>
+    <p:sldId id="301" r:id="rId24"/>
+    <p:sldId id="302" r:id="rId25"/>
+    <p:sldId id="303" r:id="rId26"/>
+    <p:sldId id="272" r:id="rId27"/>
+    <p:sldId id="274" r:id="rId28"/>
+    <p:sldId id="285" r:id="rId29"/>
+    <p:sldId id="279" r:id="rId30"/>
   </p:sldIdLst>
   <p:sldSz cx="12192000" cy="6858000"/>
   <p:notesSz cx="6858000" cy="9144000"/>
@@ -35080,6 +35084,1494 @@
       </p:grpSpPr>
       <p:sp>
         <p:nvSpPr>
+          <p:cNvPr id="2" name="Title 1"/>
+          <p:cNvSpPr>
+            <a:spLocks noGrp="1"/>
+          </p:cNvSpPr>
+          <p:nvPr>
+            <p:ph type="title"/>
+          </p:nvPr>
+        </p:nvSpPr>
+        <p:spPr>
+          <a:xfrm>
+            <a:off x="1584338" y="712184"/>
+            <a:ext cx="8877474" cy="1047028"/>
+          </a:xfrm>
+        </p:spPr>
+        <p:txBody>
+          <a:bodyPr>
+            <a:normAutofit/>
+          </a:bodyPr>
+          <a:lstStyle/>
+          <a:p>
+            <a:r>
+              <a:rPr lang="es-MX" sz="2800" dirty="0"/>
+              <a:t>Resultados: </a:t>
+            </a:r>
+            <a:r>
+              <a:rPr lang="es-MX" sz="2800" dirty="0" smtClean="0"/>
+              <a:t>Análisis Estructural</a:t>
+            </a:r>
+            <a:endParaRPr lang="en-US" sz="2800" dirty="0"/>
+          </a:p>
+        </p:txBody>
+      </p:sp>
+      <p:sp>
+        <p:nvSpPr>
+          <p:cNvPr id="8" name="Content Placeholder 2"/>
+          <p:cNvSpPr txBox="1">
+            <a:spLocks/>
+          </p:cNvSpPr>
+          <p:nvPr/>
+        </p:nvSpPr>
+        <p:spPr>
+          <a:xfrm>
+            <a:off x="1584338" y="1382695"/>
+            <a:ext cx="4367729" cy="513838"/>
+          </a:xfrm>
+          <a:prstGeom prst="rect">
+            <a:avLst/>
+          </a:prstGeom>
+        </p:spPr>
+        <p:txBody>
+          <a:bodyPr vert="horz" lIns="91440" tIns="45720" rIns="91440" bIns="45720" rtlCol="0">
+            <a:normAutofit fontScale="92500"/>
+          </a:bodyPr>
+          <a:lstStyle>
+            <a:lvl1pPr marL="342900" indent="-342900" algn="l" defTabSz="457200" rtl="0" eaLnBrk="1" latinLnBrk="0" hangingPunct="1">
+              <a:spcBef>
+                <a:spcPts val="1000"/>
+              </a:spcBef>
+              <a:spcAft>
+                <a:spcPts val="0"/>
+              </a:spcAft>
+              <a:buClr>
+                <a:schemeClr val="accent1"/>
+              </a:buClr>
+              <a:buFont typeface="Wingdings 3" charset="2"/>
+              <a:buChar char=""/>
+              <a:defRPr sz="1800" kern="1200">
+                <a:solidFill>
+                  <a:schemeClr val="tx1">
+                    <a:lumMod val="75000"/>
+                    <a:lumOff val="25000"/>
+                  </a:schemeClr>
+                </a:solidFill>
+                <a:latin typeface="+mn-lt"/>
+                <a:ea typeface="+mn-ea"/>
+                <a:cs typeface="+mn-cs"/>
+              </a:defRPr>
+            </a:lvl1pPr>
+            <a:lvl2pPr marL="742950" indent="-285750" algn="l" defTabSz="457200" rtl="0" eaLnBrk="1" latinLnBrk="0" hangingPunct="1">
+              <a:spcBef>
+                <a:spcPts val="1000"/>
+              </a:spcBef>
+              <a:spcAft>
+                <a:spcPts val="0"/>
+              </a:spcAft>
+              <a:buClr>
+                <a:schemeClr val="accent1"/>
+              </a:buClr>
+              <a:buFont typeface="Wingdings 3" charset="2"/>
+              <a:buChar char=""/>
+              <a:defRPr sz="1600" kern="1200">
+                <a:solidFill>
+                  <a:schemeClr val="tx1">
+                    <a:lumMod val="75000"/>
+                    <a:lumOff val="25000"/>
+                  </a:schemeClr>
+                </a:solidFill>
+                <a:latin typeface="+mn-lt"/>
+                <a:ea typeface="+mn-ea"/>
+                <a:cs typeface="+mn-cs"/>
+              </a:defRPr>
+            </a:lvl2pPr>
+            <a:lvl3pPr marL="1143000" indent="-228600" algn="l" defTabSz="457200" rtl="0" eaLnBrk="1" latinLnBrk="0" hangingPunct="1">
+              <a:spcBef>
+                <a:spcPts val="1000"/>
+              </a:spcBef>
+              <a:spcAft>
+                <a:spcPts val="0"/>
+              </a:spcAft>
+              <a:buClr>
+                <a:schemeClr val="accent1"/>
+              </a:buClr>
+              <a:buFont typeface="Wingdings 3" charset="2"/>
+              <a:buChar char=""/>
+              <a:defRPr sz="1400" kern="1200">
+                <a:solidFill>
+                  <a:schemeClr val="tx1">
+                    <a:lumMod val="75000"/>
+                    <a:lumOff val="25000"/>
+                  </a:schemeClr>
+                </a:solidFill>
+                <a:latin typeface="+mn-lt"/>
+                <a:ea typeface="+mn-ea"/>
+                <a:cs typeface="+mn-cs"/>
+              </a:defRPr>
+            </a:lvl3pPr>
+            <a:lvl4pPr marL="1600200" indent="-228600" algn="l" defTabSz="457200" rtl="0" eaLnBrk="1" latinLnBrk="0" hangingPunct="1">
+              <a:spcBef>
+                <a:spcPts val="1000"/>
+              </a:spcBef>
+              <a:spcAft>
+                <a:spcPts val="0"/>
+              </a:spcAft>
+              <a:buClr>
+                <a:schemeClr val="accent1"/>
+              </a:buClr>
+              <a:buFont typeface="Wingdings 3" charset="2"/>
+              <a:buChar char=""/>
+              <a:defRPr sz="1200" kern="1200">
+                <a:solidFill>
+                  <a:schemeClr val="tx1">
+                    <a:lumMod val="75000"/>
+                    <a:lumOff val="25000"/>
+                  </a:schemeClr>
+                </a:solidFill>
+                <a:latin typeface="+mn-lt"/>
+                <a:ea typeface="+mn-ea"/>
+                <a:cs typeface="+mn-cs"/>
+              </a:defRPr>
+            </a:lvl4pPr>
+            <a:lvl5pPr marL="2057400" indent="-228600" algn="l" defTabSz="457200" rtl="0" eaLnBrk="1" latinLnBrk="0" hangingPunct="1">
+              <a:spcBef>
+                <a:spcPts val="1000"/>
+              </a:spcBef>
+              <a:spcAft>
+                <a:spcPts val="0"/>
+              </a:spcAft>
+              <a:buClr>
+                <a:schemeClr val="accent1"/>
+              </a:buClr>
+              <a:buFont typeface="Wingdings 3" charset="2"/>
+              <a:buChar char=""/>
+              <a:defRPr sz="1200" kern="1200">
+                <a:solidFill>
+                  <a:schemeClr val="tx1">
+                    <a:lumMod val="75000"/>
+                    <a:lumOff val="25000"/>
+                  </a:schemeClr>
+                </a:solidFill>
+                <a:latin typeface="+mn-lt"/>
+                <a:ea typeface="+mn-ea"/>
+                <a:cs typeface="+mn-cs"/>
+              </a:defRPr>
+            </a:lvl5pPr>
+            <a:lvl6pPr marL="2514600" indent="-228600" algn="l" defTabSz="457200" rtl="0" eaLnBrk="1" latinLnBrk="0" hangingPunct="1">
+              <a:spcBef>
+                <a:spcPts val="1000"/>
+              </a:spcBef>
+              <a:spcAft>
+                <a:spcPts val="0"/>
+              </a:spcAft>
+              <a:buClr>
+                <a:schemeClr val="accent1"/>
+              </a:buClr>
+              <a:buFont typeface="Wingdings 3" charset="2"/>
+              <a:buChar char=""/>
+              <a:defRPr sz="1200" kern="1200">
+                <a:solidFill>
+                  <a:schemeClr val="tx1">
+                    <a:lumMod val="75000"/>
+                    <a:lumOff val="25000"/>
+                  </a:schemeClr>
+                </a:solidFill>
+                <a:latin typeface="+mn-lt"/>
+                <a:ea typeface="+mn-ea"/>
+                <a:cs typeface="+mn-cs"/>
+              </a:defRPr>
+            </a:lvl6pPr>
+            <a:lvl7pPr marL="2971800" indent="-228600" algn="l" defTabSz="457200" rtl="0" eaLnBrk="1" latinLnBrk="0" hangingPunct="1">
+              <a:spcBef>
+                <a:spcPts val="1000"/>
+              </a:spcBef>
+              <a:spcAft>
+                <a:spcPts val="0"/>
+              </a:spcAft>
+              <a:buClr>
+                <a:schemeClr val="accent1"/>
+              </a:buClr>
+              <a:buFont typeface="Wingdings 3" charset="2"/>
+              <a:buChar char=""/>
+              <a:defRPr sz="1200" kern="1200">
+                <a:solidFill>
+                  <a:schemeClr val="tx1">
+                    <a:lumMod val="75000"/>
+                    <a:lumOff val="25000"/>
+                  </a:schemeClr>
+                </a:solidFill>
+                <a:latin typeface="+mn-lt"/>
+                <a:ea typeface="+mn-ea"/>
+                <a:cs typeface="+mn-cs"/>
+              </a:defRPr>
+            </a:lvl7pPr>
+            <a:lvl8pPr marL="3429000" indent="-228600" algn="l" defTabSz="457200" rtl="0" eaLnBrk="1" latinLnBrk="0" hangingPunct="1">
+              <a:spcBef>
+                <a:spcPts val="1000"/>
+              </a:spcBef>
+              <a:spcAft>
+                <a:spcPts val="0"/>
+              </a:spcAft>
+              <a:buClr>
+                <a:schemeClr val="accent1"/>
+              </a:buClr>
+              <a:buFont typeface="Wingdings 3" charset="2"/>
+              <a:buChar char=""/>
+              <a:defRPr sz="1200" kern="1200">
+                <a:solidFill>
+                  <a:schemeClr val="tx1">
+                    <a:lumMod val="75000"/>
+                    <a:lumOff val="25000"/>
+                  </a:schemeClr>
+                </a:solidFill>
+                <a:latin typeface="+mn-lt"/>
+                <a:ea typeface="+mn-ea"/>
+                <a:cs typeface="+mn-cs"/>
+              </a:defRPr>
+            </a:lvl8pPr>
+            <a:lvl9pPr marL="3886200" indent="-228600" algn="l" defTabSz="457200" rtl="0" eaLnBrk="1" latinLnBrk="0" hangingPunct="1">
+              <a:spcBef>
+                <a:spcPts val="1000"/>
+              </a:spcBef>
+              <a:spcAft>
+                <a:spcPts val="0"/>
+              </a:spcAft>
+              <a:buClr>
+                <a:schemeClr val="accent1"/>
+              </a:buClr>
+              <a:buFont typeface="Wingdings 3" charset="2"/>
+              <a:buChar char=""/>
+              <a:defRPr sz="1200" kern="1200">
+                <a:solidFill>
+                  <a:schemeClr val="tx1">
+                    <a:lumMod val="75000"/>
+                    <a:lumOff val="25000"/>
+                  </a:schemeClr>
+                </a:solidFill>
+                <a:latin typeface="+mn-lt"/>
+                <a:ea typeface="+mn-ea"/>
+                <a:cs typeface="+mn-cs"/>
+              </a:defRPr>
+            </a:lvl9pPr>
+          </a:lstStyle>
+          <a:p>
+            <a:pPr fontAlgn="auto"/>
+            <a:r>
+              <a:rPr lang="es-MX" sz="2400" b="1" dirty="0" smtClean="0"/>
+              <a:t>Análisis de elemento finito</a:t>
+            </a:r>
+            <a:endParaRPr lang="es-MX" sz="2200" dirty="0" smtClean="0"/>
+          </a:p>
+          <a:p>
+            <a:pPr fontAlgn="auto"/>
+            <a:endParaRPr lang="es-MX" sz="2400" b="1" dirty="0" smtClean="0"/>
+          </a:p>
+        </p:txBody>
+      </p:sp>
+      <p:sp>
+        <p:nvSpPr>
+          <p:cNvPr id="11" name="CuadroTexto 6"/>
+          <p:cNvSpPr txBox="1"/>
+          <p:nvPr/>
+        </p:nvSpPr>
+        <p:spPr>
+          <a:xfrm>
+            <a:off x="1288005" y="5192163"/>
+            <a:ext cx="10055060" cy="338554"/>
+          </a:xfrm>
+          <a:prstGeom prst="rect">
+            <a:avLst/>
+          </a:prstGeom>
+        </p:spPr>
+        <p:style>
+          <a:lnRef idx="0">
+            <a:scrgbClr r="0" g="0" b="0"/>
+          </a:lnRef>
+          <a:fillRef idx="1002">
+            <a:schemeClr val="lt2"/>
+          </a:fillRef>
+          <a:effectRef idx="0">
+            <a:scrgbClr r="0" g="0" b="0"/>
+          </a:effectRef>
+          <a:fontRef idx="major"/>
+        </p:style>
+        <p:txBody>
+          <a:bodyPr wrap="square" rtlCol="0">
+            <a:spAutoFit/>
+          </a:bodyPr>
+          <a:lstStyle/>
+          <a:p>
+            <a:r>
+              <a:rPr lang="es-MX" sz="1600" dirty="0" smtClean="0">
+                <a:solidFill>
+                  <a:schemeClr val="tx1">
+                    <a:lumMod val="75000"/>
+                    <a:lumOff val="25000"/>
+                  </a:schemeClr>
+                </a:solidFill>
+              </a:rPr>
+              <a:t>Diseño de superficie en CATIA.</a:t>
+            </a:r>
+            <a:endParaRPr lang="es-MX" sz="1600" dirty="0">
+              <a:solidFill>
+                <a:schemeClr val="tx1">
+                  <a:lumMod val="75000"/>
+                  <a:lumOff val="25000"/>
+                </a:schemeClr>
+              </a:solidFill>
+            </a:endParaRPr>
+          </a:p>
+        </p:txBody>
+      </p:sp>
+    </p:spTree>
+    <p:extLst>
+      <p:ext uri="{BB962C8B-B14F-4D97-AF65-F5344CB8AC3E}">
+        <p14:creationId xmlns:p14="http://schemas.microsoft.com/office/powerpoint/2010/main" val="4054030491"/>
+      </p:ext>
+    </p:extLst>
+  </p:cSld>
+  <p:clrMapOvr>
+    <a:masterClrMapping/>
+  </p:clrMapOvr>
+</p:sld>
+</file>
+
+<file path=ppt/slides/slide23.xml><?xml version="1.0" encoding="utf-8"?>
+<p:sld xmlns:a="http://schemas.openxmlformats.org/drawingml/2006/main" xmlns:r="http://schemas.openxmlformats.org/officeDocument/2006/relationships" xmlns:p="http://schemas.openxmlformats.org/presentationml/2006/main">
+  <p:cSld>
+    <p:spTree>
+      <p:nvGrpSpPr>
+        <p:cNvPr id="1" name=""/>
+        <p:cNvGrpSpPr/>
+        <p:nvPr/>
+      </p:nvGrpSpPr>
+      <p:grpSpPr>
+        <a:xfrm>
+          <a:off x="0" y="0"/>
+          <a:ext cx="0" cy="0"/>
+          <a:chOff x="0" y="0"/>
+          <a:chExt cx="0" cy="0"/>
+        </a:xfrm>
+      </p:grpSpPr>
+      <p:sp>
+        <p:nvSpPr>
+          <p:cNvPr id="2" name="Title 1"/>
+          <p:cNvSpPr>
+            <a:spLocks noGrp="1"/>
+          </p:cNvSpPr>
+          <p:nvPr>
+            <p:ph type="title"/>
+          </p:nvPr>
+        </p:nvSpPr>
+        <p:spPr>
+          <a:xfrm>
+            <a:off x="1584338" y="712184"/>
+            <a:ext cx="8877474" cy="1047028"/>
+          </a:xfrm>
+        </p:spPr>
+        <p:txBody>
+          <a:bodyPr>
+            <a:normAutofit/>
+          </a:bodyPr>
+          <a:lstStyle/>
+          <a:p>
+            <a:r>
+              <a:rPr lang="es-MX" sz="2800" dirty="0"/>
+              <a:t>Resultados: </a:t>
+            </a:r>
+            <a:r>
+              <a:rPr lang="es-MX" sz="2800" dirty="0" smtClean="0"/>
+              <a:t>Análisis Energético</a:t>
+            </a:r>
+            <a:endParaRPr lang="en-US" sz="2800" dirty="0"/>
+          </a:p>
+        </p:txBody>
+      </p:sp>
+      <p:sp>
+        <p:nvSpPr>
+          <p:cNvPr id="8" name="Content Placeholder 2"/>
+          <p:cNvSpPr txBox="1">
+            <a:spLocks/>
+          </p:cNvSpPr>
+          <p:nvPr/>
+        </p:nvSpPr>
+        <p:spPr>
+          <a:xfrm>
+            <a:off x="1584338" y="1382695"/>
+            <a:ext cx="4367729" cy="513838"/>
+          </a:xfrm>
+          <a:prstGeom prst="rect">
+            <a:avLst/>
+          </a:prstGeom>
+        </p:spPr>
+        <p:txBody>
+          <a:bodyPr vert="horz" lIns="91440" tIns="45720" rIns="91440" bIns="45720" rtlCol="0">
+            <a:normAutofit/>
+          </a:bodyPr>
+          <a:lstStyle>
+            <a:lvl1pPr marL="342900" indent="-342900" algn="l" defTabSz="457200" rtl="0" eaLnBrk="1" latinLnBrk="0" hangingPunct="1">
+              <a:spcBef>
+                <a:spcPts val="1000"/>
+              </a:spcBef>
+              <a:spcAft>
+                <a:spcPts val="0"/>
+              </a:spcAft>
+              <a:buClr>
+                <a:schemeClr val="accent1"/>
+              </a:buClr>
+              <a:buFont typeface="Wingdings 3" charset="2"/>
+              <a:buChar char=""/>
+              <a:defRPr sz="1800" kern="1200">
+                <a:solidFill>
+                  <a:schemeClr val="tx1">
+                    <a:lumMod val="75000"/>
+                    <a:lumOff val="25000"/>
+                  </a:schemeClr>
+                </a:solidFill>
+                <a:latin typeface="+mn-lt"/>
+                <a:ea typeface="+mn-ea"/>
+                <a:cs typeface="+mn-cs"/>
+              </a:defRPr>
+            </a:lvl1pPr>
+            <a:lvl2pPr marL="742950" indent="-285750" algn="l" defTabSz="457200" rtl="0" eaLnBrk="1" latinLnBrk="0" hangingPunct="1">
+              <a:spcBef>
+                <a:spcPts val="1000"/>
+              </a:spcBef>
+              <a:spcAft>
+                <a:spcPts val="0"/>
+              </a:spcAft>
+              <a:buClr>
+                <a:schemeClr val="accent1"/>
+              </a:buClr>
+              <a:buFont typeface="Wingdings 3" charset="2"/>
+              <a:buChar char=""/>
+              <a:defRPr sz="1600" kern="1200">
+                <a:solidFill>
+                  <a:schemeClr val="tx1">
+                    <a:lumMod val="75000"/>
+                    <a:lumOff val="25000"/>
+                  </a:schemeClr>
+                </a:solidFill>
+                <a:latin typeface="+mn-lt"/>
+                <a:ea typeface="+mn-ea"/>
+                <a:cs typeface="+mn-cs"/>
+              </a:defRPr>
+            </a:lvl2pPr>
+            <a:lvl3pPr marL="1143000" indent="-228600" algn="l" defTabSz="457200" rtl="0" eaLnBrk="1" latinLnBrk="0" hangingPunct="1">
+              <a:spcBef>
+                <a:spcPts val="1000"/>
+              </a:spcBef>
+              <a:spcAft>
+                <a:spcPts val="0"/>
+              </a:spcAft>
+              <a:buClr>
+                <a:schemeClr val="accent1"/>
+              </a:buClr>
+              <a:buFont typeface="Wingdings 3" charset="2"/>
+              <a:buChar char=""/>
+              <a:defRPr sz="1400" kern="1200">
+                <a:solidFill>
+                  <a:schemeClr val="tx1">
+                    <a:lumMod val="75000"/>
+                    <a:lumOff val="25000"/>
+                  </a:schemeClr>
+                </a:solidFill>
+                <a:latin typeface="+mn-lt"/>
+                <a:ea typeface="+mn-ea"/>
+                <a:cs typeface="+mn-cs"/>
+              </a:defRPr>
+            </a:lvl3pPr>
+            <a:lvl4pPr marL="1600200" indent="-228600" algn="l" defTabSz="457200" rtl="0" eaLnBrk="1" latinLnBrk="0" hangingPunct="1">
+              <a:spcBef>
+                <a:spcPts val="1000"/>
+              </a:spcBef>
+              <a:spcAft>
+                <a:spcPts val="0"/>
+              </a:spcAft>
+              <a:buClr>
+                <a:schemeClr val="accent1"/>
+              </a:buClr>
+              <a:buFont typeface="Wingdings 3" charset="2"/>
+              <a:buChar char=""/>
+              <a:defRPr sz="1200" kern="1200">
+                <a:solidFill>
+                  <a:schemeClr val="tx1">
+                    <a:lumMod val="75000"/>
+                    <a:lumOff val="25000"/>
+                  </a:schemeClr>
+                </a:solidFill>
+                <a:latin typeface="+mn-lt"/>
+                <a:ea typeface="+mn-ea"/>
+                <a:cs typeface="+mn-cs"/>
+              </a:defRPr>
+            </a:lvl4pPr>
+            <a:lvl5pPr marL="2057400" indent="-228600" algn="l" defTabSz="457200" rtl="0" eaLnBrk="1" latinLnBrk="0" hangingPunct="1">
+              <a:spcBef>
+                <a:spcPts val="1000"/>
+              </a:spcBef>
+              <a:spcAft>
+                <a:spcPts val="0"/>
+              </a:spcAft>
+              <a:buClr>
+                <a:schemeClr val="accent1"/>
+              </a:buClr>
+              <a:buFont typeface="Wingdings 3" charset="2"/>
+              <a:buChar char=""/>
+              <a:defRPr sz="1200" kern="1200">
+                <a:solidFill>
+                  <a:schemeClr val="tx1">
+                    <a:lumMod val="75000"/>
+                    <a:lumOff val="25000"/>
+                  </a:schemeClr>
+                </a:solidFill>
+                <a:latin typeface="+mn-lt"/>
+                <a:ea typeface="+mn-ea"/>
+                <a:cs typeface="+mn-cs"/>
+              </a:defRPr>
+            </a:lvl5pPr>
+            <a:lvl6pPr marL="2514600" indent="-228600" algn="l" defTabSz="457200" rtl="0" eaLnBrk="1" latinLnBrk="0" hangingPunct="1">
+              <a:spcBef>
+                <a:spcPts val="1000"/>
+              </a:spcBef>
+              <a:spcAft>
+                <a:spcPts val="0"/>
+              </a:spcAft>
+              <a:buClr>
+                <a:schemeClr val="accent1"/>
+              </a:buClr>
+              <a:buFont typeface="Wingdings 3" charset="2"/>
+              <a:buChar char=""/>
+              <a:defRPr sz="1200" kern="1200">
+                <a:solidFill>
+                  <a:schemeClr val="tx1">
+                    <a:lumMod val="75000"/>
+                    <a:lumOff val="25000"/>
+                  </a:schemeClr>
+                </a:solidFill>
+                <a:latin typeface="+mn-lt"/>
+                <a:ea typeface="+mn-ea"/>
+                <a:cs typeface="+mn-cs"/>
+              </a:defRPr>
+            </a:lvl6pPr>
+            <a:lvl7pPr marL="2971800" indent="-228600" algn="l" defTabSz="457200" rtl="0" eaLnBrk="1" latinLnBrk="0" hangingPunct="1">
+              <a:spcBef>
+                <a:spcPts val="1000"/>
+              </a:spcBef>
+              <a:spcAft>
+                <a:spcPts val="0"/>
+              </a:spcAft>
+              <a:buClr>
+                <a:schemeClr val="accent1"/>
+              </a:buClr>
+              <a:buFont typeface="Wingdings 3" charset="2"/>
+              <a:buChar char=""/>
+              <a:defRPr sz="1200" kern="1200">
+                <a:solidFill>
+                  <a:schemeClr val="tx1">
+                    <a:lumMod val="75000"/>
+                    <a:lumOff val="25000"/>
+                  </a:schemeClr>
+                </a:solidFill>
+                <a:latin typeface="+mn-lt"/>
+                <a:ea typeface="+mn-ea"/>
+                <a:cs typeface="+mn-cs"/>
+              </a:defRPr>
+            </a:lvl7pPr>
+            <a:lvl8pPr marL="3429000" indent="-228600" algn="l" defTabSz="457200" rtl="0" eaLnBrk="1" latinLnBrk="0" hangingPunct="1">
+              <a:spcBef>
+                <a:spcPts val="1000"/>
+              </a:spcBef>
+              <a:spcAft>
+                <a:spcPts val="0"/>
+              </a:spcAft>
+              <a:buClr>
+                <a:schemeClr val="accent1"/>
+              </a:buClr>
+              <a:buFont typeface="Wingdings 3" charset="2"/>
+              <a:buChar char=""/>
+              <a:defRPr sz="1200" kern="1200">
+                <a:solidFill>
+                  <a:schemeClr val="tx1">
+                    <a:lumMod val="75000"/>
+                    <a:lumOff val="25000"/>
+                  </a:schemeClr>
+                </a:solidFill>
+                <a:latin typeface="+mn-lt"/>
+                <a:ea typeface="+mn-ea"/>
+                <a:cs typeface="+mn-cs"/>
+              </a:defRPr>
+            </a:lvl8pPr>
+            <a:lvl9pPr marL="3886200" indent="-228600" algn="l" defTabSz="457200" rtl="0" eaLnBrk="1" latinLnBrk="0" hangingPunct="1">
+              <a:spcBef>
+                <a:spcPts val="1000"/>
+              </a:spcBef>
+              <a:spcAft>
+                <a:spcPts val="0"/>
+              </a:spcAft>
+              <a:buClr>
+                <a:schemeClr val="accent1"/>
+              </a:buClr>
+              <a:buFont typeface="Wingdings 3" charset="2"/>
+              <a:buChar char=""/>
+              <a:defRPr sz="1200" kern="1200">
+                <a:solidFill>
+                  <a:schemeClr val="tx1">
+                    <a:lumMod val="75000"/>
+                    <a:lumOff val="25000"/>
+                  </a:schemeClr>
+                </a:solidFill>
+                <a:latin typeface="+mn-lt"/>
+                <a:ea typeface="+mn-ea"/>
+                <a:cs typeface="+mn-cs"/>
+              </a:defRPr>
+            </a:lvl9pPr>
+          </a:lstStyle>
+          <a:p>
+            <a:pPr fontAlgn="auto"/>
+            <a:r>
+              <a:rPr lang="es-MX" sz="2400" b="1" dirty="0" smtClean="0"/>
+              <a:t>Modelado de Superficie</a:t>
+            </a:r>
+            <a:endParaRPr lang="es-MX" sz="2200" dirty="0" smtClean="0"/>
+          </a:p>
+          <a:p>
+            <a:pPr fontAlgn="auto"/>
+            <a:endParaRPr lang="es-MX" sz="2400" b="1" dirty="0" smtClean="0"/>
+          </a:p>
+        </p:txBody>
+      </p:sp>
+      <p:sp>
+        <p:nvSpPr>
+          <p:cNvPr id="11" name="CuadroTexto 6"/>
+          <p:cNvSpPr txBox="1"/>
+          <p:nvPr/>
+        </p:nvSpPr>
+        <p:spPr>
+          <a:xfrm>
+            <a:off x="1288005" y="5192163"/>
+            <a:ext cx="10055060" cy="338554"/>
+          </a:xfrm>
+          <a:prstGeom prst="rect">
+            <a:avLst/>
+          </a:prstGeom>
+        </p:spPr>
+        <p:style>
+          <a:lnRef idx="0">
+            <a:scrgbClr r="0" g="0" b="0"/>
+          </a:lnRef>
+          <a:fillRef idx="1002">
+            <a:schemeClr val="lt2"/>
+          </a:fillRef>
+          <a:effectRef idx="0">
+            <a:scrgbClr r="0" g="0" b="0"/>
+          </a:effectRef>
+          <a:fontRef idx="major"/>
+        </p:style>
+        <p:txBody>
+          <a:bodyPr wrap="square" rtlCol="0">
+            <a:spAutoFit/>
+          </a:bodyPr>
+          <a:lstStyle/>
+          <a:p>
+            <a:r>
+              <a:rPr lang="es-MX" sz="1600" dirty="0" smtClean="0">
+                <a:solidFill>
+                  <a:schemeClr val="tx1">
+                    <a:lumMod val="75000"/>
+                    <a:lumOff val="25000"/>
+                  </a:schemeClr>
+                </a:solidFill>
+              </a:rPr>
+              <a:t>Diseño de superficie en CATIA.</a:t>
+            </a:r>
+            <a:endParaRPr lang="es-MX" sz="1600" dirty="0">
+              <a:solidFill>
+                <a:schemeClr val="tx1">
+                  <a:lumMod val="75000"/>
+                  <a:lumOff val="25000"/>
+                </a:schemeClr>
+              </a:solidFill>
+            </a:endParaRPr>
+          </a:p>
+        </p:txBody>
+      </p:sp>
+    </p:spTree>
+    <p:extLst>
+      <p:ext uri="{BB962C8B-B14F-4D97-AF65-F5344CB8AC3E}">
+        <p14:creationId xmlns:p14="http://schemas.microsoft.com/office/powerpoint/2010/main" val="2106035598"/>
+      </p:ext>
+    </p:extLst>
+  </p:cSld>
+  <p:clrMapOvr>
+    <a:masterClrMapping/>
+  </p:clrMapOvr>
+</p:sld>
+</file>
+
+<file path=ppt/slides/slide24.xml><?xml version="1.0" encoding="utf-8"?>
+<p:sld xmlns:a="http://schemas.openxmlformats.org/drawingml/2006/main" xmlns:r="http://schemas.openxmlformats.org/officeDocument/2006/relationships" xmlns:p="http://schemas.openxmlformats.org/presentationml/2006/main">
+  <p:cSld>
+    <p:spTree>
+      <p:nvGrpSpPr>
+        <p:cNvPr id="1" name=""/>
+        <p:cNvGrpSpPr/>
+        <p:nvPr/>
+      </p:nvGrpSpPr>
+      <p:grpSpPr>
+        <a:xfrm>
+          <a:off x="0" y="0"/>
+          <a:ext cx="0" cy="0"/>
+          <a:chOff x="0" y="0"/>
+          <a:chExt cx="0" cy="0"/>
+        </a:xfrm>
+      </p:grpSpPr>
+      <p:sp>
+        <p:nvSpPr>
+          <p:cNvPr id="2" name="Title 1"/>
+          <p:cNvSpPr>
+            <a:spLocks noGrp="1"/>
+          </p:cNvSpPr>
+          <p:nvPr>
+            <p:ph type="title"/>
+          </p:nvPr>
+        </p:nvSpPr>
+        <p:spPr>
+          <a:xfrm>
+            <a:off x="1584338" y="712184"/>
+            <a:ext cx="8877474" cy="1047028"/>
+          </a:xfrm>
+        </p:spPr>
+        <p:txBody>
+          <a:bodyPr>
+            <a:normAutofit/>
+          </a:bodyPr>
+          <a:lstStyle/>
+          <a:p>
+            <a:r>
+              <a:rPr lang="es-MX" sz="2800" dirty="0"/>
+              <a:t>Resultados: </a:t>
+            </a:r>
+            <a:r>
+              <a:rPr lang="es-MX" sz="2800" dirty="0" smtClean="0"/>
+              <a:t>Análisis Energético</a:t>
+            </a:r>
+            <a:endParaRPr lang="en-US" sz="2800" dirty="0"/>
+          </a:p>
+        </p:txBody>
+      </p:sp>
+      <p:sp>
+        <p:nvSpPr>
+          <p:cNvPr id="8" name="Content Placeholder 2"/>
+          <p:cNvSpPr txBox="1">
+            <a:spLocks/>
+          </p:cNvSpPr>
+          <p:nvPr/>
+        </p:nvSpPr>
+        <p:spPr>
+          <a:xfrm>
+            <a:off x="1584338" y="1382695"/>
+            <a:ext cx="4367729" cy="513838"/>
+          </a:xfrm>
+          <a:prstGeom prst="rect">
+            <a:avLst/>
+          </a:prstGeom>
+        </p:spPr>
+        <p:txBody>
+          <a:bodyPr vert="horz" lIns="91440" tIns="45720" rIns="91440" bIns="45720" rtlCol="0">
+            <a:normAutofit/>
+          </a:bodyPr>
+          <a:lstStyle>
+            <a:lvl1pPr marL="342900" indent="-342900" algn="l" defTabSz="457200" rtl="0" eaLnBrk="1" latinLnBrk="0" hangingPunct="1">
+              <a:spcBef>
+                <a:spcPts val="1000"/>
+              </a:spcBef>
+              <a:spcAft>
+                <a:spcPts val="0"/>
+              </a:spcAft>
+              <a:buClr>
+                <a:schemeClr val="accent1"/>
+              </a:buClr>
+              <a:buFont typeface="Wingdings 3" charset="2"/>
+              <a:buChar char=""/>
+              <a:defRPr sz="1800" kern="1200">
+                <a:solidFill>
+                  <a:schemeClr val="tx1">
+                    <a:lumMod val="75000"/>
+                    <a:lumOff val="25000"/>
+                  </a:schemeClr>
+                </a:solidFill>
+                <a:latin typeface="+mn-lt"/>
+                <a:ea typeface="+mn-ea"/>
+                <a:cs typeface="+mn-cs"/>
+              </a:defRPr>
+            </a:lvl1pPr>
+            <a:lvl2pPr marL="742950" indent="-285750" algn="l" defTabSz="457200" rtl="0" eaLnBrk="1" latinLnBrk="0" hangingPunct="1">
+              <a:spcBef>
+                <a:spcPts val="1000"/>
+              </a:spcBef>
+              <a:spcAft>
+                <a:spcPts val="0"/>
+              </a:spcAft>
+              <a:buClr>
+                <a:schemeClr val="accent1"/>
+              </a:buClr>
+              <a:buFont typeface="Wingdings 3" charset="2"/>
+              <a:buChar char=""/>
+              <a:defRPr sz="1600" kern="1200">
+                <a:solidFill>
+                  <a:schemeClr val="tx1">
+                    <a:lumMod val="75000"/>
+                    <a:lumOff val="25000"/>
+                  </a:schemeClr>
+                </a:solidFill>
+                <a:latin typeface="+mn-lt"/>
+                <a:ea typeface="+mn-ea"/>
+                <a:cs typeface="+mn-cs"/>
+              </a:defRPr>
+            </a:lvl2pPr>
+            <a:lvl3pPr marL="1143000" indent="-228600" algn="l" defTabSz="457200" rtl="0" eaLnBrk="1" latinLnBrk="0" hangingPunct="1">
+              <a:spcBef>
+                <a:spcPts val="1000"/>
+              </a:spcBef>
+              <a:spcAft>
+                <a:spcPts val="0"/>
+              </a:spcAft>
+              <a:buClr>
+                <a:schemeClr val="accent1"/>
+              </a:buClr>
+              <a:buFont typeface="Wingdings 3" charset="2"/>
+              <a:buChar char=""/>
+              <a:defRPr sz="1400" kern="1200">
+                <a:solidFill>
+                  <a:schemeClr val="tx1">
+                    <a:lumMod val="75000"/>
+                    <a:lumOff val="25000"/>
+                  </a:schemeClr>
+                </a:solidFill>
+                <a:latin typeface="+mn-lt"/>
+                <a:ea typeface="+mn-ea"/>
+                <a:cs typeface="+mn-cs"/>
+              </a:defRPr>
+            </a:lvl3pPr>
+            <a:lvl4pPr marL="1600200" indent="-228600" algn="l" defTabSz="457200" rtl="0" eaLnBrk="1" latinLnBrk="0" hangingPunct="1">
+              <a:spcBef>
+                <a:spcPts val="1000"/>
+              </a:spcBef>
+              <a:spcAft>
+                <a:spcPts val="0"/>
+              </a:spcAft>
+              <a:buClr>
+                <a:schemeClr val="accent1"/>
+              </a:buClr>
+              <a:buFont typeface="Wingdings 3" charset="2"/>
+              <a:buChar char=""/>
+              <a:defRPr sz="1200" kern="1200">
+                <a:solidFill>
+                  <a:schemeClr val="tx1">
+                    <a:lumMod val="75000"/>
+                    <a:lumOff val="25000"/>
+                  </a:schemeClr>
+                </a:solidFill>
+                <a:latin typeface="+mn-lt"/>
+                <a:ea typeface="+mn-ea"/>
+                <a:cs typeface="+mn-cs"/>
+              </a:defRPr>
+            </a:lvl4pPr>
+            <a:lvl5pPr marL="2057400" indent="-228600" algn="l" defTabSz="457200" rtl="0" eaLnBrk="1" latinLnBrk="0" hangingPunct="1">
+              <a:spcBef>
+                <a:spcPts val="1000"/>
+              </a:spcBef>
+              <a:spcAft>
+                <a:spcPts val="0"/>
+              </a:spcAft>
+              <a:buClr>
+                <a:schemeClr val="accent1"/>
+              </a:buClr>
+              <a:buFont typeface="Wingdings 3" charset="2"/>
+              <a:buChar char=""/>
+              <a:defRPr sz="1200" kern="1200">
+                <a:solidFill>
+                  <a:schemeClr val="tx1">
+                    <a:lumMod val="75000"/>
+                    <a:lumOff val="25000"/>
+                  </a:schemeClr>
+                </a:solidFill>
+                <a:latin typeface="+mn-lt"/>
+                <a:ea typeface="+mn-ea"/>
+                <a:cs typeface="+mn-cs"/>
+              </a:defRPr>
+            </a:lvl5pPr>
+            <a:lvl6pPr marL="2514600" indent="-228600" algn="l" defTabSz="457200" rtl="0" eaLnBrk="1" latinLnBrk="0" hangingPunct="1">
+              <a:spcBef>
+                <a:spcPts val="1000"/>
+              </a:spcBef>
+              <a:spcAft>
+                <a:spcPts val="0"/>
+              </a:spcAft>
+              <a:buClr>
+                <a:schemeClr val="accent1"/>
+              </a:buClr>
+              <a:buFont typeface="Wingdings 3" charset="2"/>
+              <a:buChar char=""/>
+              <a:defRPr sz="1200" kern="1200">
+                <a:solidFill>
+                  <a:schemeClr val="tx1">
+                    <a:lumMod val="75000"/>
+                    <a:lumOff val="25000"/>
+                  </a:schemeClr>
+                </a:solidFill>
+                <a:latin typeface="+mn-lt"/>
+                <a:ea typeface="+mn-ea"/>
+                <a:cs typeface="+mn-cs"/>
+              </a:defRPr>
+            </a:lvl6pPr>
+            <a:lvl7pPr marL="2971800" indent="-228600" algn="l" defTabSz="457200" rtl="0" eaLnBrk="1" latinLnBrk="0" hangingPunct="1">
+              <a:spcBef>
+                <a:spcPts val="1000"/>
+              </a:spcBef>
+              <a:spcAft>
+                <a:spcPts val="0"/>
+              </a:spcAft>
+              <a:buClr>
+                <a:schemeClr val="accent1"/>
+              </a:buClr>
+              <a:buFont typeface="Wingdings 3" charset="2"/>
+              <a:buChar char=""/>
+              <a:defRPr sz="1200" kern="1200">
+                <a:solidFill>
+                  <a:schemeClr val="tx1">
+                    <a:lumMod val="75000"/>
+                    <a:lumOff val="25000"/>
+                  </a:schemeClr>
+                </a:solidFill>
+                <a:latin typeface="+mn-lt"/>
+                <a:ea typeface="+mn-ea"/>
+                <a:cs typeface="+mn-cs"/>
+              </a:defRPr>
+            </a:lvl7pPr>
+            <a:lvl8pPr marL="3429000" indent="-228600" algn="l" defTabSz="457200" rtl="0" eaLnBrk="1" latinLnBrk="0" hangingPunct="1">
+              <a:spcBef>
+                <a:spcPts val="1000"/>
+              </a:spcBef>
+              <a:spcAft>
+                <a:spcPts val="0"/>
+              </a:spcAft>
+              <a:buClr>
+                <a:schemeClr val="accent1"/>
+              </a:buClr>
+              <a:buFont typeface="Wingdings 3" charset="2"/>
+              <a:buChar char=""/>
+              <a:defRPr sz="1200" kern="1200">
+                <a:solidFill>
+                  <a:schemeClr val="tx1">
+                    <a:lumMod val="75000"/>
+                    <a:lumOff val="25000"/>
+                  </a:schemeClr>
+                </a:solidFill>
+                <a:latin typeface="+mn-lt"/>
+                <a:ea typeface="+mn-ea"/>
+                <a:cs typeface="+mn-cs"/>
+              </a:defRPr>
+            </a:lvl8pPr>
+            <a:lvl9pPr marL="3886200" indent="-228600" algn="l" defTabSz="457200" rtl="0" eaLnBrk="1" latinLnBrk="0" hangingPunct="1">
+              <a:spcBef>
+                <a:spcPts val="1000"/>
+              </a:spcBef>
+              <a:spcAft>
+                <a:spcPts val="0"/>
+              </a:spcAft>
+              <a:buClr>
+                <a:schemeClr val="accent1"/>
+              </a:buClr>
+              <a:buFont typeface="Wingdings 3" charset="2"/>
+              <a:buChar char=""/>
+              <a:defRPr sz="1200" kern="1200">
+                <a:solidFill>
+                  <a:schemeClr val="tx1">
+                    <a:lumMod val="75000"/>
+                    <a:lumOff val="25000"/>
+                  </a:schemeClr>
+                </a:solidFill>
+                <a:latin typeface="+mn-lt"/>
+                <a:ea typeface="+mn-ea"/>
+                <a:cs typeface="+mn-cs"/>
+              </a:defRPr>
+            </a:lvl9pPr>
+          </a:lstStyle>
+          <a:p>
+            <a:pPr fontAlgn="auto"/>
+            <a:r>
+              <a:rPr lang="es-MX" sz="2400" b="1" dirty="0" smtClean="0"/>
+              <a:t>Modelado de Superficie</a:t>
+            </a:r>
+            <a:endParaRPr lang="es-MX" sz="2200" dirty="0" smtClean="0"/>
+          </a:p>
+          <a:p>
+            <a:pPr fontAlgn="auto"/>
+            <a:endParaRPr lang="es-MX" sz="2400" b="1" dirty="0" smtClean="0"/>
+          </a:p>
+        </p:txBody>
+      </p:sp>
+      <p:sp>
+        <p:nvSpPr>
+          <p:cNvPr id="11" name="CuadroTexto 6"/>
+          <p:cNvSpPr txBox="1"/>
+          <p:nvPr/>
+        </p:nvSpPr>
+        <p:spPr>
+          <a:xfrm>
+            <a:off x="1288005" y="5192163"/>
+            <a:ext cx="10055060" cy="338554"/>
+          </a:xfrm>
+          <a:prstGeom prst="rect">
+            <a:avLst/>
+          </a:prstGeom>
+        </p:spPr>
+        <p:style>
+          <a:lnRef idx="0">
+            <a:scrgbClr r="0" g="0" b="0"/>
+          </a:lnRef>
+          <a:fillRef idx="1002">
+            <a:schemeClr val="lt2"/>
+          </a:fillRef>
+          <a:effectRef idx="0">
+            <a:scrgbClr r="0" g="0" b="0"/>
+          </a:effectRef>
+          <a:fontRef idx="major"/>
+        </p:style>
+        <p:txBody>
+          <a:bodyPr wrap="square" rtlCol="0">
+            <a:spAutoFit/>
+          </a:bodyPr>
+          <a:lstStyle/>
+          <a:p>
+            <a:r>
+              <a:rPr lang="es-MX" sz="1600" dirty="0" smtClean="0">
+                <a:solidFill>
+                  <a:schemeClr val="tx1">
+                    <a:lumMod val="75000"/>
+                    <a:lumOff val="25000"/>
+                  </a:schemeClr>
+                </a:solidFill>
+              </a:rPr>
+              <a:t>Diseño de superficie en CATIA.</a:t>
+            </a:r>
+            <a:endParaRPr lang="es-MX" sz="1600" dirty="0">
+              <a:solidFill>
+                <a:schemeClr val="tx1">
+                  <a:lumMod val="75000"/>
+                  <a:lumOff val="25000"/>
+                </a:schemeClr>
+              </a:solidFill>
+            </a:endParaRPr>
+          </a:p>
+        </p:txBody>
+      </p:sp>
+    </p:spTree>
+    <p:extLst>
+      <p:ext uri="{BB962C8B-B14F-4D97-AF65-F5344CB8AC3E}">
+        <p14:creationId xmlns:p14="http://schemas.microsoft.com/office/powerpoint/2010/main" val="1343427816"/>
+      </p:ext>
+    </p:extLst>
+  </p:cSld>
+  <p:clrMapOvr>
+    <a:masterClrMapping/>
+  </p:clrMapOvr>
+</p:sld>
+</file>
+
+<file path=ppt/slides/slide25.xml><?xml version="1.0" encoding="utf-8"?>
+<p:sld xmlns:a="http://schemas.openxmlformats.org/drawingml/2006/main" xmlns:r="http://schemas.openxmlformats.org/officeDocument/2006/relationships" xmlns:p="http://schemas.openxmlformats.org/presentationml/2006/main">
+  <p:cSld>
+    <p:spTree>
+      <p:nvGrpSpPr>
+        <p:cNvPr id="1" name=""/>
+        <p:cNvGrpSpPr/>
+        <p:nvPr/>
+      </p:nvGrpSpPr>
+      <p:grpSpPr>
+        <a:xfrm>
+          <a:off x="0" y="0"/>
+          <a:ext cx="0" cy="0"/>
+          <a:chOff x="0" y="0"/>
+          <a:chExt cx="0" cy="0"/>
+        </a:xfrm>
+      </p:grpSpPr>
+      <p:sp>
+        <p:nvSpPr>
+          <p:cNvPr id="2" name="Title 1"/>
+          <p:cNvSpPr>
+            <a:spLocks noGrp="1"/>
+          </p:cNvSpPr>
+          <p:nvPr>
+            <p:ph type="title"/>
+          </p:nvPr>
+        </p:nvSpPr>
+        <p:spPr>
+          <a:xfrm>
+            <a:off x="1584338" y="712184"/>
+            <a:ext cx="8877474" cy="1047028"/>
+          </a:xfrm>
+        </p:spPr>
+        <p:txBody>
+          <a:bodyPr>
+            <a:normAutofit/>
+          </a:bodyPr>
+          <a:lstStyle/>
+          <a:p>
+            <a:r>
+              <a:rPr lang="es-MX" sz="2800" dirty="0"/>
+              <a:t>Resultados: </a:t>
+            </a:r>
+            <a:r>
+              <a:rPr lang="es-MX" sz="2800" dirty="0" smtClean="0"/>
+              <a:t>Análisis Energético</a:t>
+            </a:r>
+            <a:endParaRPr lang="en-US" sz="2800" dirty="0"/>
+          </a:p>
+        </p:txBody>
+      </p:sp>
+      <p:sp>
+        <p:nvSpPr>
+          <p:cNvPr id="8" name="Content Placeholder 2"/>
+          <p:cNvSpPr txBox="1">
+            <a:spLocks/>
+          </p:cNvSpPr>
+          <p:nvPr/>
+        </p:nvSpPr>
+        <p:spPr>
+          <a:xfrm>
+            <a:off x="1584338" y="1382695"/>
+            <a:ext cx="4367729" cy="513838"/>
+          </a:xfrm>
+          <a:prstGeom prst="rect">
+            <a:avLst/>
+          </a:prstGeom>
+        </p:spPr>
+        <p:txBody>
+          <a:bodyPr vert="horz" lIns="91440" tIns="45720" rIns="91440" bIns="45720" rtlCol="0">
+            <a:normAutofit/>
+          </a:bodyPr>
+          <a:lstStyle>
+            <a:lvl1pPr marL="342900" indent="-342900" algn="l" defTabSz="457200" rtl="0" eaLnBrk="1" latinLnBrk="0" hangingPunct="1">
+              <a:spcBef>
+                <a:spcPts val="1000"/>
+              </a:spcBef>
+              <a:spcAft>
+                <a:spcPts val="0"/>
+              </a:spcAft>
+              <a:buClr>
+                <a:schemeClr val="accent1"/>
+              </a:buClr>
+              <a:buFont typeface="Wingdings 3" charset="2"/>
+              <a:buChar char=""/>
+              <a:defRPr sz="1800" kern="1200">
+                <a:solidFill>
+                  <a:schemeClr val="tx1">
+                    <a:lumMod val="75000"/>
+                    <a:lumOff val="25000"/>
+                  </a:schemeClr>
+                </a:solidFill>
+                <a:latin typeface="+mn-lt"/>
+                <a:ea typeface="+mn-ea"/>
+                <a:cs typeface="+mn-cs"/>
+              </a:defRPr>
+            </a:lvl1pPr>
+            <a:lvl2pPr marL="742950" indent="-285750" algn="l" defTabSz="457200" rtl="0" eaLnBrk="1" latinLnBrk="0" hangingPunct="1">
+              <a:spcBef>
+                <a:spcPts val="1000"/>
+              </a:spcBef>
+              <a:spcAft>
+                <a:spcPts val="0"/>
+              </a:spcAft>
+              <a:buClr>
+                <a:schemeClr val="accent1"/>
+              </a:buClr>
+              <a:buFont typeface="Wingdings 3" charset="2"/>
+              <a:buChar char=""/>
+              <a:defRPr sz="1600" kern="1200">
+                <a:solidFill>
+                  <a:schemeClr val="tx1">
+                    <a:lumMod val="75000"/>
+                    <a:lumOff val="25000"/>
+                  </a:schemeClr>
+                </a:solidFill>
+                <a:latin typeface="+mn-lt"/>
+                <a:ea typeface="+mn-ea"/>
+                <a:cs typeface="+mn-cs"/>
+              </a:defRPr>
+            </a:lvl2pPr>
+            <a:lvl3pPr marL="1143000" indent="-228600" algn="l" defTabSz="457200" rtl="0" eaLnBrk="1" latinLnBrk="0" hangingPunct="1">
+              <a:spcBef>
+                <a:spcPts val="1000"/>
+              </a:spcBef>
+              <a:spcAft>
+                <a:spcPts val="0"/>
+              </a:spcAft>
+              <a:buClr>
+                <a:schemeClr val="accent1"/>
+              </a:buClr>
+              <a:buFont typeface="Wingdings 3" charset="2"/>
+              <a:buChar char=""/>
+              <a:defRPr sz="1400" kern="1200">
+                <a:solidFill>
+                  <a:schemeClr val="tx1">
+                    <a:lumMod val="75000"/>
+                    <a:lumOff val="25000"/>
+                  </a:schemeClr>
+                </a:solidFill>
+                <a:latin typeface="+mn-lt"/>
+                <a:ea typeface="+mn-ea"/>
+                <a:cs typeface="+mn-cs"/>
+              </a:defRPr>
+            </a:lvl3pPr>
+            <a:lvl4pPr marL="1600200" indent="-228600" algn="l" defTabSz="457200" rtl="0" eaLnBrk="1" latinLnBrk="0" hangingPunct="1">
+              <a:spcBef>
+                <a:spcPts val="1000"/>
+              </a:spcBef>
+              <a:spcAft>
+                <a:spcPts val="0"/>
+              </a:spcAft>
+              <a:buClr>
+                <a:schemeClr val="accent1"/>
+              </a:buClr>
+              <a:buFont typeface="Wingdings 3" charset="2"/>
+              <a:buChar char=""/>
+              <a:defRPr sz="1200" kern="1200">
+                <a:solidFill>
+                  <a:schemeClr val="tx1">
+                    <a:lumMod val="75000"/>
+                    <a:lumOff val="25000"/>
+                  </a:schemeClr>
+                </a:solidFill>
+                <a:latin typeface="+mn-lt"/>
+                <a:ea typeface="+mn-ea"/>
+                <a:cs typeface="+mn-cs"/>
+              </a:defRPr>
+            </a:lvl4pPr>
+            <a:lvl5pPr marL="2057400" indent="-228600" algn="l" defTabSz="457200" rtl="0" eaLnBrk="1" latinLnBrk="0" hangingPunct="1">
+              <a:spcBef>
+                <a:spcPts val="1000"/>
+              </a:spcBef>
+              <a:spcAft>
+                <a:spcPts val="0"/>
+              </a:spcAft>
+              <a:buClr>
+                <a:schemeClr val="accent1"/>
+              </a:buClr>
+              <a:buFont typeface="Wingdings 3" charset="2"/>
+              <a:buChar char=""/>
+              <a:defRPr sz="1200" kern="1200">
+                <a:solidFill>
+                  <a:schemeClr val="tx1">
+                    <a:lumMod val="75000"/>
+                    <a:lumOff val="25000"/>
+                  </a:schemeClr>
+                </a:solidFill>
+                <a:latin typeface="+mn-lt"/>
+                <a:ea typeface="+mn-ea"/>
+                <a:cs typeface="+mn-cs"/>
+              </a:defRPr>
+            </a:lvl5pPr>
+            <a:lvl6pPr marL="2514600" indent="-228600" algn="l" defTabSz="457200" rtl="0" eaLnBrk="1" latinLnBrk="0" hangingPunct="1">
+              <a:spcBef>
+                <a:spcPts val="1000"/>
+              </a:spcBef>
+              <a:spcAft>
+                <a:spcPts val="0"/>
+              </a:spcAft>
+              <a:buClr>
+                <a:schemeClr val="accent1"/>
+              </a:buClr>
+              <a:buFont typeface="Wingdings 3" charset="2"/>
+              <a:buChar char=""/>
+              <a:defRPr sz="1200" kern="1200">
+                <a:solidFill>
+                  <a:schemeClr val="tx1">
+                    <a:lumMod val="75000"/>
+                    <a:lumOff val="25000"/>
+                  </a:schemeClr>
+                </a:solidFill>
+                <a:latin typeface="+mn-lt"/>
+                <a:ea typeface="+mn-ea"/>
+                <a:cs typeface="+mn-cs"/>
+              </a:defRPr>
+            </a:lvl6pPr>
+            <a:lvl7pPr marL="2971800" indent="-228600" algn="l" defTabSz="457200" rtl="0" eaLnBrk="1" latinLnBrk="0" hangingPunct="1">
+              <a:spcBef>
+                <a:spcPts val="1000"/>
+              </a:spcBef>
+              <a:spcAft>
+                <a:spcPts val="0"/>
+              </a:spcAft>
+              <a:buClr>
+                <a:schemeClr val="accent1"/>
+              </a:buClr>
+              <a:buFont typeface="Wingdings 3" charset="2"/>
+              <a:buChar char=""/>
+              <a:defRPr sz="1200" kern="1200">
+                <a:solidFill>
+                  <a:schemeClr val="tx1">
+                    <a:lumMod val="75000"/>
+                    <a:lumOff val="25000"/>
+                  </a:schemeClr>
+                </a:solidFill>
+                <a:latin typeface="+mn-lt"/>
+                <a:ea typeface="+mn-ea"/>
+                <a:cs typeface="+mn-cs"/>
+              </a:defRPr>
+            </a:lvl7pPr>
+            <a:lvl8pPr marL="3429000" indent="-228600" algn="l" defTabSz="457200" rtl="0" eaLnBrk="1" latinLnBrk="0" hangingPunct="1">
+              <a:spcBef>
+                <a:spcPts val="1000"/>
+              </a:spcBef>
+              <a:spcAft>
+                <a:spcPts val="0"/>
+              </a:spcAft>
+              <a:buClr>
+                <a:schemeClr val="accent1"/>
+              </a:buClr>
+              <a:buFont typeface="Wingdings 3" charset="2"/>
+              <a:buChar char=""/>
+              <a:defRPr sz="1200" kern="1200">
+                <a:solidFill>
+                  <a:schemeClr val="tx1">
+                    <a:lumMod val="75000"/>
+                    <a:lumOff val="25000"/>
+                  </a:schemeClr>
+                </a:solidFill>
+                <a:latin typeface="+mn-lt"/>
+                <a:ea typeface="+mn-ea"/>
+                <a:cs typeface="+mn-cs"/>
+              </a:defRPr>
+            </a:lvl8pPr>
+            <a:lvl9pPr marL="3886200" indent="-228600" algn="l" defTabSz="457200" rtl="0" eaLnBrk="1" latinLnBrk="0" hangingPunct="1">
+              <a:spcBef>
+                <a:spcPts val="1000"/>
+              </a:spcBef>
+              <a:spcAft>
+                <a:spcPts val="0"/>
+              </a:spcAft>
+              <a:buClr>
+                <a:schemeClr val="accent1"/>
+              </a:buClr>
+              <a:buFont typeface="Wingdings 3" charset="2"/>
+              <a:buChar char=""/>
+              <a:defRPr sz="1200" kern="1200">
+                <a:solidFill>
+                  <a:schemeClr val="tx1">
+                    <a:lumMod val="75000"/>
+                    <a:lumOff val="25000"/>
+                  </a:schemeClr>
+                </a:solidFill>
+                <a:latin typeface="+mn-lt"/>
+                <a:ea typeface="+mn-ea"/>
+                <a:cs typeface="+mn-cs"/>
+              </a:defRPr>
+            </a:lvl9pPr>
+          </a:lstStyle>
+          <a:p>
+            <a:pPr fontAlgn="auto"/>
+            <a:r>
+              <a:rPr lang="es-MX" sz="2400" b="1" dirty="0" smtClean="0"/>
+              <a:t>Modelado de Superficie</a:t>
+            </a:r>
+            <a:endParaRPr lang="es-MX" sz="2200" dirty="0" smtClean="0"/>
+          </a:p>
+          <a:p>
+            <a:pPr fontAlgn="auto"/>
+            <a:endParaRPr lang="es-MX" sz="2400" b="1" dirty="0" smtClean="0"/>
+          </a:p>
+        </p:txBody>
+      </p:sp>
+      <p:sp>
+        <p:nvSpPr>
+          <p:cNvPr id="11" name="CuadroTexto 6"/>
+          <p:cNvSpPr txBox="1"/>
+          <p:nvPr/>
+        </p:nvSpPr>
+        <p:spPr>
+          <a:xfrm>
+            <a:off x="1288005" y="5192163"/>
+            <a:ext cx="10055060" cy="338554"/>
+          </a:xfrm>
+          <a:prstGeom prst="rect">
+            <a:avLst/>
+          </a:prstGeom>
+        </p:spPr>
+        <p:style>
+          <a:lnRef idx="0">
+            <a:scrgbClr r="0" g="0" b="0"/>
+          </a:lnRef>
+          <a:fillRef idx="1002">
+            <a:schemeClr val="lt2"/>
+          </a:fillRef>
+          <a:effectRef idx="0">
+            <a:scrgbClr r="0" g="0" b="0"/>
+          </a:effectRef>
+          <a:fontRef idx="major"/>
+        </p:style>
+        <p:txBody>
+          <a:bodyPr wrap="square" rtlCol="0">
+            <a:spAutoFit/>
+          </a:bodyPr>
+          <a:lstStyle/>
+          <a:p>
+            <a:r>
+              <a:rPr lang="es-MX" sz="1600" dirty="0" smtClean="0">
+                <a:solidFill>
+                  <a:schemeClr val="tx1">
+                    <a:lumMod val="75000"/>
+                    <a:lumOff val="25000"/>
+                  </a:schemeClr>
+                </a:solidFill>
+              </a:rPr>
+              <a:t>Diseño de superficie en CATIA.</a:t>
+            </a:r>
+            <a:endParaRPr lang="es-MX" sz="1600" dirty="0">
+              <a:solidFill>
+                <a:schemeClr val="tx1">
+                  <a:lumMod val="75000"/>
+                  <a:lumOff val="25000"/>
+                </a:schemeClr>
+              </a:solidFill>
+            </a:endParaRPr>
+          </a:p>
+        </p:txBody>
+      </p:sp>
+    </p:spTree>
+    <p:extLst>
+      <p:ext uri="{BB962C8B-B14F-4D97-AF65-F5344CB8AC3E}">
+        <p14:creationId xmlns:p14="http://schemas.microsoft.com/office/powerpoint/2010/main" val="3586862131"/>
+      </p:ext>
+    </p:extLst>
+  </p:cSld>
+  <p:clrMapOvr>
+    <a:masterClrMapping/>
+  </p:clrMapOvr>
+</p:sld>
+</file>
+
+<file path=ppt/slides/slide26.xml><?xml version="1.0" encoding="utf-8"?>
+<p:sld xmlns:a="http://schemas.openxmlformats.org/drawingml/2006/main" xmlns:r="http://schemas.openxmlformats.org/officeDocument/2006/relationships" xmlns:p="http://schemas.openxmlformats.org/presentationml/2006/main">
+  <p:cSld>
+    <p:spTree>
+      <p:nvGrpSpPr>
+        <p:cNvPr id="1" name=""/>
+        <p:cNvGrpSpPr/>
+        <p:nvPr/>
+      </p:nvGrpSpPr>
+      <p:grpSpPr>
+        <a:xfrm>
+          <a:off x="0" y="0"/>
+          <a:ext cx="0" cy="0"/>
+          <a:chOff x="0" y="0"/>
+          <a:chExt cx="0" cy="0"/>
+        </a:xfrm>
+      </p:grpSpPr>
+      <p:sp>
+        <p:nvSpPr>
           <p:cNvPr id="2" name="Título 1"/>
           <p:cNvSpPr>
             <a:spLocks noGrp="1"/>
@@ -36311,7 +37803,7 @@
 </p:sld>
 </file>
 
-<file path=ppt/slides/slide23.xml><?xml version="1.0" encoding="utf-8"?>
+<file path=ppt/slides/slide27.xml><?xml version="1.0" encoding="utf-8"?>
 <p:sld xmlns:a="http://schemas.openxmlformats.org/drawingml/2006/main" xmlns:r="http://schemas.openxmlformats.org/officeDocument/2006/relationships" xmlns:p="http://schemas.openxmlformats.org/presentationml/2006/main">
   <p:cSld>
     <p:spTree>
@@ -37409,7 +38901,7 @@
 </p:sld>
 </file>
 
-<file path=ppt/slides/slide24.xml><?xml version="1.0" encoding="utf-8"?>
+<file path=ppt/slides/slide28.xml><?xml version="1.0" encoding="utf-8"?>
 <p:sld xmlns:a="http://schemas.openxmlformats.org/drawingml/2006/main" xmlns:r="http://schemas.openxmlformats.org/officeDocument/2006/relationships" xmlns:p="http://schemas.openxmlformats.org/presentationml/2006/main">
   <p:cSld>
     <p:spTree>
@@ -37796,7 +39288,7 @@
 </p:sld>
 </file>
 
-<file path=ppt/slides/slide25.xml><?xml version="1.0" encoding="utf-8"?>
+<file path=ppt/slides/slide29.xml><?xml version="1.0" encoding="utf-8"?>
 <p:sld xmlns:a="http://schemas.openxmlformats.org/drawingml/2006/main" xmlns:r="http://schemas.openxmlformats.org/officeDocument/2006/relationships" xmlns:p="http://schemas.openxmlformats.org/presentationml/2006/main">
   <p:cSld>
     <p:spTree>

--- a/Protocolo de Tesis Presentación.pptx
+++ b/Protocolo de Tesis Presentación.pptx
@@ -5,10 +5,10 @@
     <p:sldMasterId id="2147483939" r:id="rId1"/>
   </p:sldMasterIdLst>
   <p:notesMasterIdLst>
-    <p:notesMasterId r:id="rId31"/>
+    <p:notesMasterId r:id="rId33"/>
   </p:notesMasterIdLst>
   <p:handoutMasterIdLst>
-    <p:handoutMasterId r:id="rId32"/>
+    <p:handoutMasterId r:id="rId34"/>
   </p:handoutMasterIdLst>
   <p:sldIdLst>
     <p:sldId id="256" r:id="rId2"/>
@@ -36,10 +36,12 @@
     <p:sldId id="301" r:id="rId24"/>
     <p:sldId id="302" r:id="rId25"/>
     <p:sldId id="303" r:id="rId26"/>
-    <p:sldId id="272" r:id="rId27"/>
-    <p:sldId id="274" r:id="rId28"/>
-    <p:sldId id="285" r:id="rId29"/>
-    <p:sldId id="279" r:id="rId30"/>
+    <p:sldId id="304" r:id="rId27"/>
+    <p:sldId id="305" r:id="rId28"/>
+    <p:sldId id="272" r:id="rId29"/>
+    <p:sldId id="274" r:id="rId30"/>
+    <p:sldId id="285" r:id="rId31"/>
+    <p:sldId id="279" r:id="rId32"/>
   </p:sldIdLst>
   <p:sldSz cx="12192000" cy="6858000"/>
   <p:notesSz cx="6858000" cy="9144000"/>
@@ -2498,29 +2500,7 @@
                 </a:schemeClr>
               </a:solidFill>
             </a:rPr>
-            <a:t>Investigar los diferentes perfiles alares más usuales en el </a:t>
-          </a:r>
-          <a:r>
-            <a:rPr lang="es-MX" altLang="en-US" sz="1800" dirty="0" smtClean="0">
-              <a:solidFill>
-                <a:schemeClr val="tx1">
-                  <a:lumMod val="75000"/>
-                  <a:lumOff val="25000"/>
-                </a:schemeClr>
-              </a:solidFill>
-            </a:rPr>
-            <a:t>mercado para los SWT, </a:t>
-          </a:r>
-          <a:r>
-            <a:rPr lang="es-MX" altLang="en-US" sz="1800" dirty="0" smtClean="0">
-              <a:solidFill>
-                <a:schemeClr val="tx1">
-                  <a:lumMod val="75000"/>
-                  <a:lumOff val="25000"/>
-                </a:schemeClr>
-              </a:solidFill>
-            </a:rPr>
-            <a:t>y los materiales para su fabricación.</a:t>
+            <a:t>Investigar los diferentes perfiles alares más usuales en el mercado para los SWT, y los materiales para su fabricación.</a:t>
           </a:r>
           <a:endParaRPr lang="es-MX" sz="1800" dirty="0"/>
         </a:p>
@@ -2835,19 +2815,19 @@
     </dgm:pt>
   </dgm:ptLst>
   <dgm:cxnLst>
+    <dgm:cxn modelId="{4E4DD4E1-E8DB-4F78-BE7E-95DD19C7279F}" type="presOf" srcId="{DE024961-9615-483E-89F5-92C186AE0919}" destId="{357CBC3D-553C-491E-82BD-A6C720542F40}" srcOrd="0" destOrd="0" presId="urn:microsoft.com/office/officeart/2005/8/layout/chevron2"/>
+    <dgm:cxn modelId="{C16D1047-EB79-4AB4-BC42-9E5CC659642B}" srcId="{3E7388B9-A84D-4777-BEF3-2AC8066DC373}" destId="{1DB2708B-DA11-468D-A3BD-094ACBAD6105}" srcOrd="0" destOrd="0" parTransId="{3A4F45FD-5B9A-46D7-B456-E863F05D646A}" sibTransId="{29C72806-EFCB-49EE-B063-982F0E939711}"/>
     <dgm:cxn modelId="{746DC728-F76D-4897-8A03-70FAE666723F}" type="presOf" srcId="{AF735B30-CD34-49C3-97C0-166317D2354D}" destId="{2F234A5A-6ACA-4FEF-9B57-D1213649BED0}" srcOrd="0" destOrd="0" presId="urn:microsoft.com/office/officeart/2005/8/layout/chevron2"/>
-    <dgm:cxn modelId="{4E4DD4E1-E8DB-4F78-BE7E-95DD19C7279F}" type="presOf" srcId="{DE024961-9615-483E-89F5-92C186AE0919}" destId="{357CBC3D-553C-491E-82BD-A6C720542F40}" srcOrd="0" destOrd="0" presId="urn:microsoft.com/office/officeart/2005/8/layout/chevron2"/>
+    <dgm:cxn modelId="{91AA0547-3BE7-4DA4-8FB4-F76AD76C8F4D}" type="presOf" srcId="{3E7388B9-A84D-4777-BEF3-2AC8066DC373}" destId="{CB6402E7-4407-40F1-9F38-0228A82C2393}" srcOrd="0" destOrd="0" presId="urn:microsoft.com/office/officeart/2005/8/layout/chevron2"/>
+    <dgm:cxn modelId="{ACA19765-F563-4E52-AB0A-7217700D1320}" type="presOf" srcId="{CEDA5D83-4C6A-4C0D-B5AD-8FA1314B91DD}" destId="{9A79D5C2-1108-4459-8143-1C6AD5D9CF26}" srcOrd="0" destOrd="0" presId="urn:microsoft.com/office/officeart/2005/8/layout/chevron2"/>
+    <dgm:cxn modelId="{602B12AD-2AAD-4399-AEC4-F455F2B1FA41}" srcId="{5305C334-1C9C-4A19-9326-3647F6CBF35C}" destId="{3E7388B9-A84D-4777-BEF3-2AC8066DC373}" srcOrd="1" destOrd="0" parTransId="{5F241710-D45D-4B4B-B813-CE690CD121CD}" sibTransId="{47F6AE85-7D21-4182-BCA6-96D9CCFE2BA1}"/>
+    <dgm:cxn modelId="{7B0FAEFE-3ADE-4FAE-AD05-B5B44C39061F}" type="presOf" srcId="{1DB2708B-DA11-468D-A3BD-094ACBAD6105}" destId="{83432707-518E-40FF-AE01-D74C3AB2F9EC}" srcOrd="0" destOrd="0" presId="urn:microsoft.com/office/officeart/2005/8/layout/chevron2"/>
+    <dgm:cxn modelId="{D44A5CB3-975F-4BBE-B4BB-EC39649ACA4B}" type="presOf" srcId="{0E3C8A00-A440-47EB-9F65-A1BACC05812C}" destId="{43D8957A-E9FB-4ECB-A1AA-7FD9EB27A764}" srcOrd="0" destOrd="0" presId="urn:microsoft.com/office/officeart/2005/8/layout/chevron2"/>
+    <dgm:cxn modelId="{3BB5AFCF-FC58-4384-AF04-36A34E35F7E4}" srcId="{5305C334-1C9C-4A19-9326-3647F6CBF35C}" destId="{DE024961-9615-483E-89F5-92C186AE0919}" srcOrd="0" destOrd="0" parTransId="{ADA45BBA-1D4D-41E9-9AE2-3CD503352FCB}" sibTransId="{588A164D-987D-4C2A-857C-7D8D102708FB}"/>
+    <dgm:cxn modelId="{11E6D45E-F42C-4EC2-A637-CF98A7460216}" type="presOf" srcId="{5305C334-1C9C-4A19-9326-3647F6CBF35C}" destId="{1900A09A-5F24-4D5E-BA08-9601986E7B10}" srcOrd="0" destOrd="0" presId="urn:microsoft.com/office/officeart/2005/8/layout/chevron2"/>
+    <dgm:cxn modelId="{02A598F5-140C-49F8-90A6-A405B22D34C1}" srcId="{5305C334-1C9C-4A19-9326-3647F6CBF35C}" destId="{0E3C8A00-A440-47EB-9F65-A1BACC05812C}" srcOrd="2" destOrd="0" parTransId="{5E988C48-AA64-455C-A928-F37B3019318D}" sibTransId="{D08B5808-C97D-4856-B95A-B4A84F04C125}"/>
+    <dgm:cxn modelId="{FD34475D-C92B-4B1E-B89D-0D0E8152F1AB}" srcId="{DE024961-9615-483E-89F5-92C186AE0919}" destId="{AF735B30-CD34-49C3-97C0-166317D2354D}" srcOrd="0" destOrd="0" parTransId="{81FD01DC-6E3A-4E58-B313-36BD1AE32727}" sibTransId="{951C950A-37C5-479C-B251-E7FF2CE66627}"/>
     <dgm:cxn modelId="{B5BDF68A-9201-413C-897A-533C77F4FFE7}" srcId="{0E3C8A00-A440-47EB-9F65-A1BACC05812C}" destId="{CEDA5D83-4C6A-4C0D-B5AD-8FA1314B91DD}" srcOrd="0" destOrd="0" parTransId="{BC75E0E3-9582-4135-9A61-F4A69717AB8F}" sibTransId="{36D542E0-73D8-4187-BF82-F3431FA139BF}"/>
-    <dgm:cxn modelId="{FD34475D-C92B-4B1E-B89D-0D0E8152F1AB}" srcId="{DE024961-9615-483E-89F5-92C186AE0919}" destId="{AF735B30-CD34-49C3-97C0-166317D2354D}" srcOrd="0" destOrd="0" parTransId="{81FD01DC-6E3A-4E58-B313-36BD1AE32727}" sibTransId="{951C950A-37C5-479C-B251-E7FF2CE66627}"/>
-    <dgm:cxn modelId="{3BB5AFCF-FC58-4384-AF04-36A34E35F7E4}" srcId="{5305C334-1C9C-4A19-9326-3647F6CBF35C}" destId="{DE024961-9615-483E-89F5-92C186AE0919}" srcOrd="0" destOrd="0" parTransId="{ADA45BBA-1D4D-41E9-9AE2-3CD503352FCB}" sibTransId="{588A164D-987D-4C2A-857C-7D8D102708FB}"/>
-    <dgm:cxn modelId="{7B0FAEFE-3ADE-4FAE-AD05-B5B44C39061F}" type="presOf" srcId="{1DB2708B-DA11-468D-A3BD-094ACBAD6105}" destId="{83432707-518E-40FF-AE01-D74C3AB2F9EC}" srcOrd="0" destOrd="0" presId="urn:microsoft.com/office/officeart/2005/8/layout/chevron2"/>
-    <dgm:cxn modelId="{11E6D45E-F42C-4EC2-A637-CF98A7460216}" type="presOf" srcId="{5305C334-1C9C-4A19-9326-3647F6CBF35C}" destId="{1900A09A-5F24-4D5E-BA08-9601986E7B10}" srcOrd="0" destOrd="0" presId="urn:microsoft.com/office/officeart/2005/8/layout/chevron2"/>
-    <dgm:cxn modelId="{602B12AD-2AAD-4399-AEC4-F455F2B1FA41}" srcId="{5305C334-1C9C-4A19-9326-3647F6CBF35C}" destId="{3E7388B9-A84D-4777-BEF3-2AC8066DC373}" srcOrd="1" destOrd="0" parTransId="{5F241710-D45D-4B4B-B813-CE690CD121CD}" sibTransId="{47F6AE85-7D21-4182-BCA6-96D9CCFE2BA1}"/>
-    <dgm:cxn modelId="{02A598F5-140C-49F8-90A6-A405B22D34C1}" srcId="{5305C334-1C9C-4A19-9326-3647F6CBF35C}" destId="{0E3C8A00-A440-47EB-9F65-A1BACC05812C}" srcOrd="2" destOrd="0" parTransId="{5E988C48-AA64-455C-A928-F37B3019318D}" sibTransId="{D08B5808-C97D-4856-B95A-B4A84F04C125}"/>
-    <dgm:cxn modelId="{ACA19765-F563-4E52-AB0A-7217700D1320}" type="presOf" srcId="{CEDA5D83-4C6A-4C0D-B5AD-8FA1314B91DD}" destId="{9A79D5C2-1108-4459-8143-1C6AD5D9CF26}" srcOrd="0" destOrd="0" presId="urn:microsoft.com/office/officeart/2005/8/layout/chevron2"/>
-    <dgm:cxn modelId="{C16D1047-EB79-4AB4-BC42-9E5CC659642B}" srcId="{3E7388B9-A84D-4777-BEF3-2AC8066DC373}" destId="{1DB2708B-DA11-468D-A3BD-094ACBAD6105}" srcOrd="0" destOrd="0" parTransId="{3A4F45FD-5B9A-46D7-B456-E863F05D646A}" sibTransId="{29C72806-EFCB-49EE-B063-982F0E939711}"/>
-    <dgm:cxn modelId="{D44A5CB3-975F-4BBE-B4BB-EC39649ACA4B}" type="presOf" srcId="{0E3C8A00-A440-47EB-9F65-A1BACC05812C}" destId="{43D8957A-E9FB-4ECB-A1AA-7FD9EB27A764}" srcOrd="0" destOrd="0" presId="urn:microsoft.com/office/officeart/2005/8/layout/chevron2"/>
-    <dgm:cxn modelId="{91AA0547-3BE7-4DA4-8FB4-F76AD76C8F4D}" type="presOf" srcId="{3E7388B9-A84D-4777-BEF3-2AC8066DC373}" destId="{CB6402E7-4407-40F1-9F38-0228A82C2393}" srcOrd="0" destOrd="0" presId="urn:microsoft.com/office/officeart/2005/8/layout/chevron2"/>
     <dgm:cxn modelId="{5F2C2434-6468-4A5B-9E42-D6EBE37DD389}" type="presParOf" srcId="{1900A09A-5F24-4D5E-BA08-9601986E7B10}" destId="{F6FB5DD9-F405-4F84-B35C-A1F728E453AE}" srcOrd="0" destOrd="0" presId="urn:microsoft.com/office/officeart/2005/8/layout/chevron2"/>
     <dgm:cxn modelId="{C421CEC0-F4A6-4864-A6C9-8338AD1931BF}" type="presParOf" srcId="{F6FB5DD9-F405-4F84-B35C-A1F728E453AE}" destId="{357CBC3D-553C-491E-82BD-A6C720542F40}" srcOrd="0" destOrd="0" presId="urn:microsoft.com/office/officeart/2005/8/layout/chevron2"/>
     <dgm:cxn modelId="{1BC6E5AC-95F2-4667-B2E3-881D1931D323}" type="presParOf" srcId="{F6FB5DD9-F405-4F84-B35C-A1F728E453AE}" destId="{2F234A5A-6ACA-4FEF-9B57-D1213649BED0}" srcOrd="1" destOrd="0" presId="urn:microsoft.com/office/officeart/2005/8/layout/chevron2"/>
@@ -4111,8 +4091,8 @@
         </a:p>
       </dgm:t>
     </dgm:pt>
-    <mc:AlternateContent xmlns:mc="http://schemas.openxmlformats.org/markup-compatibility/2006">
-      <mc:Choice xmlns:a14="http://schemas.microsoft.com/office/drawing/2010/main" Requires="a14">
+    <mc:AlternateContent xmlns:mc="http://schemas.openxmlformats.org/markup-compatibility/2006" xmlns:a14="http://schemas.microsoft.com/office/drawing/2010/main">
+      <mc:Choice Requires="a14">
         <dgm:pt modelId="{9D854DEC-67C5-47C7-A887-A90E35C47A2D}">
           <dgm:prSet phldrT="[Text]" custT="1">
             <dgm:style>
@@ -4273,7 +4253,7 @@
           </dgm:t>
         </dgm:pt>
       </mc:Choice>
-      <mc:Fallback>
+      <mc:Fallback xmlns="">
         <dgm:pt modelId="{9D854DEC-67C5-47C7-A887-A90E35C47A2D}">
           <dgm:prSet phldrT="[Text]" custT="1">
             <dgm:style>
@@ -6699,504 +6679,6 @@
       <dsp:cNvGrpSpPr/>
     </dsp:nvGrpSpPr>
     <dsp:grpSpPr/>
-    <dsp:sp modelId="{357CBC3D-553C-491E-82BD-A6C720542F40}">
-      <dsp:nvSpPr>
-        <dsp:cNvPr id="0" name=""/>
-        <dsp:cNvSpPr/>
-      </dsp:nvSpPr>
-      <dsp:spPr>
-        <a:xfrm rot="5400000">
-          <a:off x="-244313" y="247237"/>
-          <a:ext cx="1628754" cy="1140127"/>
-        </a:xfrm>
-        <a:prstGeom prst="chevron">
-          <a:avLst/>
-        </a:prstGeom>
-        <a:solidFill>
-          <a:schemeClr val="accent1">
-            <a:hueOff val="0"/>
-            <a:satOff val="0"/>
-            <a:lumOff val="0"/>
-            <a:alphaOff val="0"/>
-          </a:schemeClr>
-        </a:solidFill>
-        <a:ln w="15875" cap="rnd" cmpd="sng" algn="ctr">
-          <a:solidFill>
-            <a:schemeClr val="accent1">
-              <a:hueOff val="0"/>
-              <a:satOff val="0"/>
-              <a:lumOff val="0"/>
-              <a:alphaOff val="0"/>
-            </a:schemeClr>
-          </a:solidFill>
-          <a:prstDash val="solid"/>
-        </a:ln>
-        <a:effectLst/>
-      </dsp:spPr>
-      <dsp:style>
-        <a:lnRef idx="2">
-          <a:scrgbClr r="0" g="0" b="0"/>
-        </a:lnRef>
-        <a:fillRef idx="1">
-          <a:scrgbClr r="0" g="0" b="0"/>
-        </a:fillRef>
-        <a:effectRef idx="0">
-          <a:scrgbClr r="0" g="0" b="0"/>
-        </a:effectRef>
-        <a:fontRef idx="minor">
-          <a:schemeClr val="lt1"/>
-        </a:fontRef>
-      </dsp:style>
-      <dsp:txBody>
-        <a:bodyPr spcFirstLastPara="0" vert="horz" wrap="square" lIns="19685" tIns="19685" rIns="19685" bIns="19685" numCol="1" spcCol="1270" anchor="ctr" anchorCtr="0">
-          <a:noAutofit/>
-        </a:bodyPr>
-        <a:lstStyle/>
-        <a:p>
-          <a:pPr lvl="0" algn="ctr" defTabSz="1377950">
-            <a:lnSpc>
-              <a:spcPct val="90000"/>
-            </a:lnSpc>
-            <a:spcBef>
-              <a:spcPct val="0"/>
-            </a:spcBef>
-            <a:spcAft>
-              <a:spcPct val="35000"/>
-            </a:spcAft>
-          </a:pPr>
-          <a:r>
-            <a:rPr lang="es-MX" sz="3100" kern="1200" dirty="0" smtClean="0"/>
-            <a:t>1</a:t>
-          </a:r>
-          <a:endParaRPr lang="es-MX" sz="3100" kern="1200" dirty="0"/>
-        </a:p>
-      </dsp:txBody>
-      <dsp:txXfrm rot="-5400000">
-        <a:off x="1" y="572988"/>
-        <a:ext cx="1140127" cy="488627"/>
-      </dsp:txXfrm>
-    </dsp:sp>
-    <dsp:sp modelId="{2F234A5A-6ACA-4FEF-9B57-D1213649BED0}">
-      <dsp:nvSpPr>
-        <dsp:cNvPr id="0" name=""/>
-        <dsp:cNvSpPr/>
-      </dsp:nvSpPr>
-      <dsp:spPr>
-        <a:xfrm rot="5400000">
-          <a:off x="4802894" y="-3659842"/>
-          <a:ext cx="1058690" cy="8384224"/>
-        </a:xfrm>
-        <a:prstGeom prst="round2SameRect">
-          <a:avLst/>
-        </a:prstGeom>
-        <a:solidFill>
-          <a:schemeClr val="lt1">
-            <a:alpha val="90000"/>
-            <a:hueOff val="0"/>
-            <a:satOff val="0"/>
-            <a:lumOff val="0"/>
-            <a:alphaOff val="0"/>
-          </a:schemeClr>
-        </a:solidFill>
-        <a:ln w="15875" cap="rnd" cmpd="sng" algn="ctr">
-          <a:solidFill>
-            <a:schemeClr val="accent1">
-              <a:hueOff val="0"/>
-              <a:satOff val="0"/>
-              <a:lumOff val="0"/>
-              <a:alphaOff val="0"/>
-            </a:schemeClr>
-          </a:solidFill>
-          <a:prstDash val="solid"/>
-        </a:ln>
-        <a:effectLst/>
-      </dsp:spPr>
-      <dsp:style>
-        <a:lnRef idx="2">
-          <a:scrgbClr r="0" g="0" b="0"/>
-        </a:lnRef>
-        <a:fillRef idx="1">
-          <a:scrgbClr r="0" g="0" b="0"/>
-        </a:fillRef>
-        <a:effectRef idx="0">
-          <a:scrgbClr r="0" g="0" b="0"/>
-        </a:effectRef>
-        <a:fontRef idx="minor"/>
-      </dsp:style>
-      <dsp:txBody>
-        <a:bodyPr spcFirstLastPara="0" vert="horz" wrap="square" lIns="128016" tIns="11430" rIns="11430" bIns="11430" numCol="1" spcCol="1270" anchor="ctr" anchorCtr="0">
-          <a:noAutofit/>
-        </a:bodyPr>
-        <a:lstStyle/>
-        <a:p>
-          <a:pPr marL="171450" lvl="1" indent="-171450" algn="l" defTabSz="800100">
-            <a:lnSpc>
-              <a:spcPct val="90000"/>
-            </a:lnSpc>
-            <a:spcBef>
-              <a:spcPct val="0"/>
-            </a:spcBef>
-            <a:spcAft>
-              <a:spcPct val="15000"/>
-            </a:spcAft>
-            <a:buChar char="••"/>
-          </a:pPr>
-          <a:r>
-            <a:rPr lang="es-MX" altLang="en-US" sz="1800" kern="1200" dirty="0" smtClean="0">
-              <a:solidFill>
-                <a:schemeClr val="tx1">
-                  <a:lumMod val="75000"/>
-                  <a:lumOff val="25000"/>
-                </a:schemeClr>
-              </a:solidFill>
-            </a:rPr>
-            <a:t>Investigar los diferentes perfiles alares más usuales en el </a:t>
-          </a:r>
-          <a:r>
-            <a:rPr lang="es-MX" altLang="en-US" sz="1800" kern="1200" dirty="0" smtClean="0">
-              <a:solidFill>
-                <a:schemeClr val="tx1">
-                  <a:lumMod val="75000"/>
-                  <a:lumOff val="25000"/>
-                </a:schemeClr>
-              </a:solidFill>
-            </a:rPr>
-            <a:t>mercado para los SWT, </a:t>
-          </a:r>
-          <a:r>
-            <a:rPr lang="es-MX" altLang="en-US" sz="1800" kern="1200" dirty="0" smtClean="0">
-              <a:solidFill>
-                <a:schemeClr val="tx1">
-                  <a:lumMod val="75000"/>
-                  <a:lumOff val="25000"/>
-                </a:schemeClr>
-              </a:solidFill>
-            </a:rPr>
-            <a:t>y los materiales para su fabricación.</a:t>
-          </a:r>
-          <a:endParaRPr lang="es-MX" sz="1800" kern="1200" dirty="0"/>
-        </a:p>
-      </dsp:txBody>
-      <dsp:txXfrm rot="-5400000">
-        <a:off x="1140128" y="54605"/>
-        <a:ext cx="8332543" cy="955328"/>
-      </dsp:txXfrm>
-    </dsp:sp>
-    <dsp:sp modelId="{CB6402E7-4407-40F1-9F38-0228A82C2393}">
-      <dsp:nvSpPr>
-        <dsp:cNvPr id="0" name=""/>
-        <dsp:cNvSpPr/>
-      </dsp:nvSpPr>
-      <dsp:spPr>
-        <a:xfrm rot="5400000">
-          <a:off x="-244313" y="1682435"/>
-          <a:ext cx="1628754" cy="1140127"/>
-        </a:xfrm>
-        <a:prstGeom prst="chevron">
-          <a:avLst/>
-        </a:prstGeom>
-        <a:solidFill>
-          <a:schemeClr val="accent1">
-            <a:hueOff val="0"/>
-            <a:satOff val="0"/>
-            <a:lumOff val="0"/>
-            <a:alphaOff val="0"/>
-          </a:schemeClr>
-        </a:solidFill>
-        <a:ln w="15875" cap="rnd" cmpd="sng" algn="ctr">
-          <a:solidFill>
-            <a:schemeClr val="accent1">
-              <a:hueOff val="0"/>
-              <a:satOff val="0"/>
-              <a:lumOff val="0"/>
-              <a:alphaOff val="0"/>
-            </a:schemeClr>
-          </a:solidFill>
-          <a:prstDash val="solid"/>
-        </a:ln>
-        <a:effectLst/>
-      </dsp:spPr>
-      <dsp:style>
-        <a:lnRef idx="2">
-          <a:scrgbClr r="0" g="0" b="0"/>
-        </a:lnRef>
-        <a:fillRef idx="1">
-          <a:scrgbClr r="0" g="0" b="0"/>
-        </a:fillRef>
-        <a:effectRef idx="0">
-          <a:scrgbClr r="0" g="0" b="0"/>
-        </a:effectRef>
-        <a:fontRef idx="minor">
-          <a:schemeClr val="lt1"/>
-        </a:fontRef>
-      </dsp:style>
-      <dsp:txBody>
-        <a:bodyPr spcFirstLastPara="0" vert="horz" wrap="square" lIns="19685" tIns="19685" rIns="19685" bIns="19685" numCol="1" spcCol="1270" anchor="ctr" anchorCtr="0">
-          <a:noAutofit/>
-        </a:bodyPr>
-        <a:lstStyle/>
-        <a:p>
-          <a:pPr lvl="0" algn="ctr" defTabSz="1377950">
-            <a:lnSpc>
-              <a:spcPct val="90000"/>
-            </a:lnSpc>
-            <a:spcBef>
-              <a:spcPct val="0"/>
-            </a:spcBef>
-            <a:spcAft>
-              <a:spcPct val="35000"/>
-            </a:spcAft>
-          </a:pPr>
-          <a:r>
-            <a:rPr lang="es-MX" sz="3100" kern="1200" dirty="0" smtClean="0"/>
-            <a:t>2</a:t>
-          </a:r>
-          <a:endParaRPr lang="es-MX" sz="3100" kern="1200" dirty="0"/>
-        </a:p>
-      </dsp:txBody>
-      <dsp:txXfrm rot="-5400000">
-        <a:off x="1" y="2008186"/>
-        <a:ext cx="1140127" cy="488627"/>
-      </dsp:txXfrm>
-    </dsp:sp>
-    <dsp:sp modelId="{83432707-518E-40FF-AE01-D74C3AB2F9EC}">
-      <dsp:nvSpPr>
-        <dsp:cNvPr id="0" name=""/>
-        <dsp:cNvSpPr/>
-      </dsp:nvSpPr>
-      <dsp:spPr>
-        <a:xfrm rot="5400000">
-          <a:off x="4864500" y="-2224645"/>
-          <a:ext cx="935479" cy="8384224"/>
-        </a:xfrm>
-        <a:prstGeom prst="round2SameRect">
-          <a:avLst/>
-        </a:prstGeom>
-        <a:solidFill>
-          <a:schemeClr val="lt1">
-            <a:alpha val="90000"/>
-            <a:hueOff val="0"/>
-            <a:satOff val="0"/>
-            <a:lumOff val="0"/>
-            <a:alphaOff val="0"/>
-          </a:schemeClr>
-        </a:solidFill>
-        <a:ln w="15875" cap="rnd" cmpd="sng" algn="ctr">
-          <a:solidFill>
-            <a:schemeClr val="accent1">
-              <a:hueOff val="0"/>
-              <a:satOff val="0"/>
-              <a:lumOff val="0"/>
-              <a:alphaOff val="0"/>
-            </a:schemeClr>
-          </a:solidFill>
-          <a:prstDash val="solid"/>
-        </a:ln>
-        <a:effectLst/>
-      </dsp:spPr>
-      <dsp:style>
-        <a:lnRef idx="2">
-          <a:scrgbClr r="0" g="0" b="0"/>
-        </a:lnRef>
-        <a:fillRef idx="1">
-          <a:scrgbClr r="0" g="0" b="0"/>
-        </a:fillRef>
-        <a:effectRef idx="0">
-          <a:scrgbClr r="0" g="0" b="0"/>
-        </a:effectRef>
-        <a:fontRef idx="minor"/>
-      </dsp:style>
-      <dsp:txBody>
-        <a:bodyPr spcFirstLastPara="0" vert="horz" wrap="square" lIns="128016" tIns="11430" rIns="11430" bIns="11430" numCol="1" spcCol="1270" anchor="ctr" anchorCtr="0">
-          <a:noAutofit/>
-        </a:bodyPr>
-        <a:lstStyle/>
-        <a:p>
-          <a:pPr marL="171450" lvl="1" indent="-171450" algn="l" defTabSz="800100">
-            <a:lnSpc>
-              <a:spcPct val="90000"/>
-            </a:lnSpc>
-            <a:spcBef>
-              <a:spcPct val="0"/>
-            </a:spcBef>
-            <a:spcAft>
-              <a:spcPct val="15000"/>
-            </a:spcAft>
-            <a:buChar char="••"/>
-          </a:pPr>
-          <a:r>
-            <a:rPr lang="es-MX" altLang="en-US" sz="1800" kern="1200" dirty="0" smtClean="0">
-              <a:solidFill>
-                <a:schemeClr val="tx1">
-                  <a:lumMod val="75000"/>
-                  <a:lumOff val="25000"/>
-                </a:schemeClr>
-              </a:solidFill>
-            </a:rPr>
-            <a:t>Seleccionar los perfiles alares y materiales con los cuales se hará el análisis teórico y construcción del prototipo</a:t>
-          </a:r>
-          <a:endParaRPr lang="es-MX" sz="1800" kern="1200" dirty="0"/>
-        </a:p>
-      </dsp:txBody>
-      <dsp:txXfrm rot="-5400000">
-        <a:off x="1140128" y="1545393"/>
-        <a:ext cx="8338558" cy="844147"/>
-      </dsp:txXfrm>
-    </dsp:sp>
-    <dsp:sp modelId="{43D8957A-E9FB-4ECB-A1AA-7FD9EB27A764}">
-      <dsp:nvSpPr>
-        <dsp:cNvPr id="0" name=""/>
-        <dsp:cNvSpPr/>
-      </dsp:nvSpPr>
-      <dsp:spPr>
-        <a:xfrm rot="5400000">
-          <a:off x="-244313" y="3120321"/>
-          <a:ext cx="1628754" cy="1140127"/>
-        </a:xfrm>
-        <a:prstGeom prst="chevron">
-          <a:avLst/>
-        </a:prstGeom>
-        <a:solidFill>
-          <a:schemeClr val="accent1">
-            <a:hueOff val="0"/>
-            <a:satOff val="0"/>
-            <a:lumOff val="0"/>
-            <a:alphaOff val="0"/>
-          </a:schemeClr>
-        </a:solidFill>
-        <a:ln w="15875" cap="rnd" cmpd="sng" algn="ctr">
-          <a:solidFill>
-            <a:schemeClr val="accent1">
-              <a:hueOff val="0"/>
-              <a:satOff val="0"/>
-              <a:lumOff val="0"/>
-              <a:alphaOff val="0"/>
-            </a:schemeClr>
-          </a:solidFill>
-          <a:prstDash val="solid"/>
-        </a:ln>
-        <a:effectLst/>
-      </dsp:spPr>
-      <dsp:style>
-        <a:lnRef idx="2">
-          <a:scrgbClr r="0" g="0" b="0"/>
-        </a:lnRef>
-        <a:fillRef idx="1">
-          <a:scrgbClr r="0" g="0" b="0"/>
-        </a:fillRef>
-        <a:effectRef idx="0">
-          <a:scrgbClr r="0" g="0" b="0"/>
-        </a:effectRef>
-        <a:fontRef idx="minor">
-          <a:schemeClr val="lt1"/>
-        </a:fontRef>
-      </dsp:style>
-      <dsp:txBody>
-        <a:bodyPr spcFirstLastPara="0" vert="horz" wrap="square" lIns="19685" tIns="19685" rIns="19685" bIns="19685" numCol="1" spcCol="1270" anchor="ctr" anchorCtr="0">
-          <a:noAutofit/>
-        </a:bodyPr>
-        <a:lstStyle/>
-        <a:p>
-          <a:pPr lvl="0" algn="ctr" defTabSz="1377950">
-            <a:lnSpc>
-              <a:spcPct val="90000"/>
-            </a:lnSpc>
-            <a:spcBef>
-              <a:spcPct val="0"/>
-            </a:spcBef>
-            <a:spcAft>
-              <a:spcPct val="35000"/>
-            </a:spcAft>
-          </a:pPr>
-          <a:r>
-            <a:rPr lang="es-MX" sz="3100" kern="1200" dirty="0" smtClean="0"/>
-            <a:t>3</a:t>
-          </a:r>
-          <a:endParaRPr lang="es-MX" sz="3100" kern="1200" dirty="0"/>
-        </a:p>
-      </dsp:txBody>
-      <dsp:txXfrm rot="-5400000">
-        <a:off x="1" y="3446072"/>
-        <a:ext cx="1140127" cy="488627"/>
-      </dsp:txXfrm>
-    </dsp:sp>
-    <dsp:sp modelId="{9A79D5C2-1108-4459-8143-1C6AD5D9CF26}">
-      <dsp:nvSpPr>
-        <dsp:cNvPr id="0" name=""/>
-        <dsp:cNvSpPr/>
-      </dsp:nvSpPr>
-      <dsp:spPr>
-        <a:xfrm rot="5400000">
-          <a:off x="4800205" y="-778553"/>
-          <a:ext cx="1064068" cy="8384224"/>
-        </a:xfrm>
-        <a:prstGeom prst="round2SameRect">
-          <a:avLst/>
-        </a:prstGeom>
-        <a:solidFill>
-          <a:schemeClr val="lt1">
-            <a:alpha val="90000"/>
-            <a:hueOff val="0"/>
-            <a:satOff val="0"/>
-            <a:lumOff val="0"/>
-            <a:alphaOff val="0"/>
-          </a:schemeClr>
-        </a:solidFill>
-        <a:ln w="15875" cap="rnd" cmpd="sng" algn="ctr">
-          <a:solidFill>
-            <a:schemeClr val="accent1">
-              <a:hueOff val="0"/>
-              <a:satOff val="0"/>
-              <a:lumOff val="0"/>
-              <a:alphaOff val="0"/>
-            </a:schemeClr>
-          </a:solidFill>
-          <a:prstDash val="solid"/>
-        </a:ln>
-        <a:effectLst/>
-      </dsp:spPr>
-      <dsp:style>
-        <a:lnRef idx="2">
-          <a:scrgbClr r="0" g="0" b="0"/>
-        </a:lnRef>
-        <a:fillRef idx="1">
-          <a:scrgbClr r="0" g="0" b="0"/>
-        </a:fillRef>
-        <a:effectRef idx="0">
-          <a:scrgbClr r="0" g="0" b="0"/>
-        </a:effectRef>
-        <a:fontRef idx="minor"/>
-      </dsp:style>
-      <dsp:txBody>
-        <a:bodyPr spcFirstLastPara="0" vert="horz" wrap="square" lIns="128016" tIns="11430" rIns="11430" bIns="11430" numCol="1" spcCol="1270" anchor="ctr" anchorCtr="0">
-          <a:noAutofit/>
-        </a:bodyPr>
-        <a:lstStyle/>
-        <a:p>
-          <a:pPr marL="171450" lvl="1" indent="-171450" algn="l" defTabSz="800100">
-            <a:lnSpc>
-              <a:spcPct val="90000"/>
-            </a:lnSpc>
-            <a:spcBef>
-              <a:spcPct val="0"/>
-            </a:spcBef>
-            <a:spcAft>
-              <a:spcPct val="15000"/>
-            </a:spcAft>
-            <a:buChar char="••"/>
-          </a:pPr>
-          <a:r>
-            <a:rPr lang="es-MX" altLang="en-US" sz="1800" kern="1200" dirty="0" smtClean="0"/>
-            <a:t>Diseñar un álabe geométricamente optimizado</a:t>
-          </a:r>
-          <a:endParaRPr lang="es-MX" sz="2300" kern="1200" dirty="0"/>
-        </a:p>
-      </dsp:txBody>
-      <dsp:txXfrm rot="-5400000">
-        <a:off x="1140127" y="2933469"/>
-        <a:ext cx="8332280" cy="960180"/>
-      </dsp:txXfrm>
-    </dsp:sp>
   </dsp:spTree>
 </dsp:drawing>
 </file>
@@ -7209,468 +6691,6 @@
       <dsp:cNvGrpSpPr/>
     </dsp:nvGrpSpPr>
     <dsp:grpSpPr/>
-    <dsp:sp modelId="{36034257-E5EC-4803-B516-FACB4A32AE66}">
-      <dsp:nvSpPr>
-        <dsp:cNvPr id="0" name=""/>
-        <dsp:cNvSpPr/>
-      </dsp:nvSpPr>
-      <dsp:spPr>
-        <a:xfrm rot="5400000">
-          <a:off x="-219531" y="221019"/>
-          <a:ext cx="1463543" cy="1024480"/>
-        </a:xfrm>
-        <a:prstGeom prst="chevron">
-          <a:avLst/>
-        </a:prstGeom>
-        <a:solidFill>
-          <a:schemeClr val="accent1">
-            <a:hueOff val="0"/>
-            <a:satOff val="0"/>
-            <a:lumOff val="0"/>
-            <a:alphaOff val="0"/>
-          </a:schemeClr>
-        </a:solidFill>
-        <a:ln w="15875" cap="rnd" cmpd="sng" algn="ctr">
-          <a:solidFill>
-            <a:schemeClr val="accent1">
-              <a:hueOff val="0"/>
-              <a:satOff val="0"/>
-              <a:lumOff val="0"/>
-              <a:alphaOff val="0"/>
-            </a:schemeClr>
-          </a:solidFill>
-          <a:prstDash val="solid"/>
-        </a:ln>
-        <a:effectLst/>
-      </dsp:spPr>
-      <dsp:style>
-        <a:lnRef idx="2">
-          <a:scrgbClr r="0" g="0" b="0"/>
-        </a:lnRef>
-        <a:fillRef idx="1">
-          <a:scrgbClr r="0" g="0" b="0"/>
-        </a:fillRef>
-        <a:effectRef idx="0">
-          <a:scrgbClr r="0" g="0" b="0"/>
-        </a:effectRef>
-        <a:fontRef idx="minor">
-          <a:schemeClr val="lt1"/>
-        </a:fontRef>
-      </dsp:style>
-      <dsp:txBody>
-        <a:bodyPr spcFirstLastPara="0" vert="horz" wrap="square" lIns="17780" tIns="17780" rIns="17780" bIns="17780" numCol="1" spcCol="1270" anchor="ctr" anchorCtr="0">
-          <a:noAutofit/>
-        </a:bodyPr>
-        <a:lstStyle/>
-        <a:p>
-          <a:pPr lvl="0" algn="ctr" defTabSz="1244600">
-            <a:lnSpc>
-              <a:spcPct val="90000"/>
-            </a:lnSpc>
-            <a:spcBef>
-              <a:spcPct val="0"/>
-            </a:spcBef>
-            <a:spcAft>
-              <a:spcPct val="35000"/>
-            </a:spcAft>
-          </a:pPr>
-          <a:r>
-            <a:rPr lang="es-MX" sz="2800" kern="1200" dirty="0" smtClean="0"/>
-            <a:t>4</a:t>
-          </a:r>
-          <a:endParaRPr lang="es-MX" sz="2800" kern="1200" dirty="0"/>
-        </a:p>
-      </dsp:txBody>
-      <dsp:txXfrm rot="-5400000">
-        <a:off x="1" y="513727"/>
-        <a:ext cx="1024480" cy="439063"/>
-      </dsp:txXfrm>
-    </dsp:sp>
-    <dsp:sp modelId="{076B4EED-C3F9-4854-9C32-6CBC85529E50}">
-      <dsp:nvSpPr>
-        <dsp:cNvPr id="0" name=""/>
-        <dsp:cNvSpPr/>
-      </dsp:nvSpPr>
-      <dsp:spPr>
-        <a:xfrm rot="5400000">
-          <a:off x="4893260" y="-3867501"/>
-          <a:ext cx="951303" cy="8688863"/>
-        </a:xfrm>
-        <a:prstGeom prst="round2SameRect">
-          <a:avLst/>
-        </a:prstGeom>
-        <a:solidFill>
-          <a:schemeClr val="lt1">
-            <a:alpha val="90000"/>
-            <a:hueOff val="0"/>
-            <a:satOff val="0"/>
-            <a:lumOff val="0"/>
-            <a:alphaOff val="0"/>
-          </a:schemeClr>
-        </a:solidFill>
-        <a:ln w="15875" cap="rnd" cmpd="sng" algn="ctr">
-          <a:solidFill>
-            <a:schemeClr val="accent1">
-              <a:hueOff val="0"/>
-              <a:satOff val="0"/>
-              <a:lumOff val="0"/>
-              <a:alphaOff val="0"/>
-            </a:schemeClr>
-          </a:solidFill>
-          <a:prstDash val="solid"/>
-        </a:ln>
-        <a:effectLst/>
-      </dsp:spPr>
-      <dsp:style>
-        <a:lnRef idx="2">
-          <a:scrgbClr r="0" g="0" b="0"/>
-        </a:lnRef>
-        <a:fillRef idx="1">
-          <a:scrgbClr r="0" g="0" b="0"/>
-        </a:fillRef>
-        <a:effectRef idx="0">
-          <a:scrgbClr r="0" g="0" b="0"/>
-        </a:effectRef>
-        <a:fontRef idx="minor"/>
-      </dsp:style>
-      <dsp:txBody>
-        <a:bodyPr spcFirstLastPara="0" vert="horz" wrap="square" lIns="206248" tIns="18415" rIns="18415" bIns="18415" numCol="1" spcCol="1270" anchor="ctr" anchorCtr="0">
-          <a:noAutofit/>
-        </a:bodyPr>
-        <a:lstStyle/>
-        <a:p>
-          <a:pPr marL="285750" lvl="1" indent="-285750" algn="l" defTabSz="1289050">
-            <a:lnSpc>
-              <a:spcPct val="90000"/>
-            </a:lnSpc>
-            <a:spcBef>
-              <a:spcPct val="0"/>
-            </a:spcBef>
-            <a:spcAft>
-              <a:spcPct val="15000"/>
-            </a:spcAft>
-            <a:buChar char="••"/>
-          </a:pPr>
-          <a:r>
-            <a:rPr lang="es-MX" altLang="en-US" sz="2900" kern="1200" dirty="0" smtClean="0"/>
-            <a:t>Realizar un diseño estructural del álabe con materiales compuesto.</a:t>
-          </a:r>
-          <a:endParaRPr lang="es-MX" sz="2900" kern="1200" dirty="0"/>
-        </a:p>
-      </dsp:txBody>
-      <dsp:txXfrm rot="-5400000">
-        <a:off x="1024481" y="47717"/>
-        <a:ext cx="8642424" cy="858425"/>
-      </dsp:txXfrm>
-    </dsp:sp>
-    <dsp:sp modelId="{72067CB2-C061-4540-8AF3-4978AD2A50E9}">
-      <dsp:nvSpPr>
-        <dsp:cNvPr id="0" name=""/>
-        <dsp:cNvSpPr/>
-      </dsp:nvSpPr>
-      <dsp:spPr>
-        <a:xfrm rot="5400000">
-          <a:off x="-219531" y="1488652"/>
-          <a:ext cx="1463543" cy="1024480"/>
-        </a:xfrm>
-        <a:prstGeom prst="chevron">
-          <a:avLst/>
-        </a:prstGeom>
-        <a:solidFill>
-          <a:schemeClr val="accent1">
-            <a:hueOff val="0"/>
-            <a:satOff val="0"/>
-            <a:lumOff val="0"/>
-            <a:alphaOff val="0"/>
-          </a:schemeClr>
-        </a:solidFill>
-        <a:ln w="15875" cap="rnd" cmpd="sng" algn="ctr">
-          <a:solidFill>
-            <a:schemeClr val="accent1">
-              <a:hueOff val="0"/>
-              <a:satOff val="0"/>
-              <a:lumOff val="0"/>
-              <a:alphaOff val="0"/>
-            </a:schemeClr>
-          </a:solidFill>
-          <a:prstDash val="solid"/>
-        </a:ln>
-        <a:effectLst/>
-      </dsp:spPr>
-      <dsp:style>
-        <a:lnRef idx="2">
-          <a:scrgbClr r="0" g="0" b="0"/>
-        </a:lnRef>
-        <a:fillRef idx="1">
-          <a:scrgbClr r="0" g="0" b="0"/>
-        </a:fillRef>
-        <a:effectRef idx="0">
-          <a:scrgbClr r="0" g="0" b="0"/>
-        </a:effectRef>
-        <a:fontRef idx="minor">
-          <a:schemeClr val="lt1"/>
-        </a:fontRef>
-      </dsp:style>
-      <dsp:txBody>
-        <a:bodyPr spcFirstLastPara="0" vert="horz" wrap="square" lIns="17780" tIns="17780" rIns="17780" bIns="17780" numCol="1" spcCol="1270" anchor="ctr" anchorCtr="0">
-          <a:noAutofit/>
-        </a:bodyPr>
-        <a:lstStyle/>
-        <a:p>
-          <a:pPr lvl="0" algn="ctr" defTabSz="1244600">
-            <a:lnSpc>
-              <a:spcPct val="90000"/>
-            </a:lnSpc>
-            <a:spcBef>
-              <a:spcPct val="0"/>
-            </a:spcBef>
-            <a:spcAft>
-              <a:spcPct val="35000"/>
-            </a:spcAft>
-          </a:pPr>
-          <a:r>
-            <a:rPr lang="es-MX" sz="2800" kern="1200" dirty="0" smtClean="0"/>
-            <a:t>5</a:t>
-          </a:r>
-          <a:endParaRPr lang="es-MX" sz="2800" kern="1200" dirty="0"/>
-        </a:p>
-      </dsp:txBody>
-      <dsp:txXfrm rot="-5400000">
-        <a:off x="1" y="1781360"/>
-        <a:ext cx="1024480" cy="439063"/>
-      </dsp:txXfrm>
-    </dsp:sp>
-    <dsp:sp modelId="{B0FE9870-9BA7-4509-9C38-0A0602BBA958}">
-      <dsp:nvSpPr>
-        <dsp:cNvPr id="0" name=""/>
-        <dsp:cNvSpPr/>
-      </dsp:nvSpPr>
-      <dsp:spPr>
-        <a:xfrm rot="5400000">
-          <a:off x="4893260" y="-2599659"/>
-          <a:ext cx="951303" cy="8688863"/>
-        </a:xfrm>
-        <a:prstGeom prst="round2SameRect">
-          <a:avLst/>
-        </a:prstGeom>
-        <a:solidFill>
-          <a:schemeClr val="lt1">
-            <a:alpha val="90000"/>
-            <a:hueOff val="0"/>
-            <a:satOff val="0"/>
-            <a:lumOff val="0"/>
-            <a:alphaOff val="0"/>
-          </a:schemeClr>
-        </a:solidFill>
-        <a:ln w="15875" cap="rnd" cmpd="sng" algn="ctr">
-          <a:solidFill>
-            <a:schemeClr val="accent1">
-              <a:hueOff val="0"/>
-              <a:satOff val="0"/>
-              <a:lumOff val="0"/>
-              <a:alphaOff val="0"/>
-            </a:schemeClr>
-          </a:solidFill>
-          <a:prstDash val="solid"/>
-        </a:ln>
-        <a:effectLst/>
-      </dsp:spPr>
-      <dsp:style>
-        <a:lnRef idx="2">
-          <a:scrgbClr r="0" g="0" b="0"/>
-        </a:lnRef>
-        <a:fillRef idx="1">
-          <a:scrgbClr r="0" g="0" b="0"/>
-        </a:fillRef>
-        <a:effectRef idx="0">
-          <a:scrgbClr r="0" g="0" b="0"/>
-        </a:effectRef>
-        <a:fontRef idx="minor"/>
-      </dsp:style>
-      <dsp:txBody>
-        <a:bodyPr spcFirstLastPara="0" vert="horz" wrap="square" lIns="206248" tIns="18415" rIns="18415" bIns="18415" numCol="1" spcCol="1270" anchor="ctr" anchorCtr="0">
-          <a:noAutofit/>
-        </a:bodyPr>
-        <a:lstStyle/>
-        <a:p>
-          <a:pPr marL="285750" lvl="1" indent="-285750" algn="l" defTabSz="1289050">
-            <a:lnSpc>
-              <a:spcPct val="90000"/>
-            </a:lnSpc>
-            <a:spcBef>
-              <a:spcPct val="0"/>
-            </a:spcBef>
-            <a:spcAft>
-              <a:spcPct val="15000"/>
-            </a:spcAft>
-            <a:buChar char="••"/>
-          </a:pPr>
-          <a:r>
-            <a:rPr lang="es-MX" sz="2900" kern="1200" dirty="0" smtClean="0"/>
-            <a:t>Análisis Estructural por elemento finito</a:t>
-          </a:r>
-          <a:endParaRPr lang="es-MX" sz="2900" kern="1200" dirty="0"/>
-        </a:p>
-      </dsp:txBody>
-      <dsp:txXfrm rot="-5400000">
-        <a:off x="1024481" y="1315559"/>
-        <a:ext cx="8642424" cy="858425"/>
-      </dsp:txXfrm>
-    </dsp:sp>
-    <dsp:sp modelId="{60E1C40C-300E-479A-B816-859A79CACF56}">
-      <dsp:nvSpPr>
-        <dsp:cNvPr id="0" name=""/>
-        <dsp:cNvSpPr/>
-      </dsp:nvSpPr>
-      <dsp:spPr>
-        <a:xfrm rot="5400000">
-          <a:off x="-219531" y="2756285"/>
-          <a:ext cx="1463543" cy="1024480"/>
-        </a:xfrm>
-        <a:prstGeom prst="chevron">
-          <a:avLst/>
-        </a:prstGeom>
-        <a:solidFill>
-          <a:schemeClr val="accent1">
-            <a:hueOff val="0"/>
-            <a:satOff val="0"/>
-            <a:lumOff val="0"/>
-            <a:alphaOff val="0"/>
-          </a:schemeClr>
-        </a:solidFill>
-        <a:ln w="15875" cap="rnd" cmpd="sng" algn="ctr">
-          <a:solidFill>
-            <a:schemeClr val="accent1">
-              <a:hueOff val="0"/>
-              <a:satOff val="0"/>
-              <a:lumOff val="0"/>
-              <a:alphaOff val="0"/>
-            </a:schemeClr>
-          </a:solidFill>
-          <a:prstDash val="solid"/>
-        </a:ln>
-        <a:effectLst/>
-      </dsp:spPr>
-      <dsp:style>
-        <a:lnRef idx="2">
-          <a:scrgbClr r="0" g="0" b="0"/>
-        </a:lnRef>
-        <a:fillRef idx="1">
-          <a:scrgbClr r="0" g="0" b="0"/>
-        </a:fillRef>
-        <a:effectRef idx="0">
-          <a:scrgbClr r="0" g="0" b="0"/>
-        </a:effectRef>
-        <a:fontRef idx="minor">
-          <a:schemeClr val="lt1"/>
-        </a:fontRef>
-      </dsp:style>
-      <dsp:txBody>
-        <a:bodyPr spcFirstLastPara="0" vert="horz" wrap="square" lIns="17780" tIns="17780" rIns="17780" bIns="17780" numCol="1" spcCol="1270" anchor="ctr" anchorCtr="0">
-          <a:noAutofit/>
-        </a:bodyPr>
-        <a:lstStyle/>
-        <a:p>
-          <a:pPr lvl="0" algn="ctr" defTabSz="1244600">
-            <a:lnSpc>
-              <a:spcPct val="90000"/>
-            </a:lnSpc>
-            <a:spcBef>
-              <a:spcPct val="0"/>
-            </a:spcBef>
-            <a:spcAft>
-              <a:spcPct val="35000"/>
-            </a:spcAft>
-          </a:pPr>
-          <a:r>
-            <a:rPr lang="es-MX" sz="2800" kern="1200" dirty="0" smtClean="0"/>
-            <a:t>6</a:t>
-          </a:r>
-          <a:endParaRPr lang="es-MX" sz="2800" kern="1200" dirty="0"/>
-        </a:p>
-      </dsp:txBody>
-      <dsp:txXfrm rot="-5400000">
-        <a:off x="1" y="3048993"/>
-        <a:ext cx="1024480" cy="439063"/>
-      </dsp:txXfrm>
-    </dsp:sp>
-    <dsp:sp modelId="{77EABCFA-863B-4269-A252-5A773D466998}">
-      <dsp:nvSpPr>
-        <dsp:cNvPr id="0" name=""/>
-        <dsp:cNvSpPr/>
-      </dsp:nvSpPr>
-      <dsp:spPr>
-        <a:xfrm rot="5400000">
-          <a:off x="4893260" y="-1332026"/>
-          <a:ext cx="951303" cy="8688863"/>
-        </a:xfrm>
-        <a:prstGeom prst="round2SameRect">
-          <a:avLst/>
-        </a:prstGeom>
-        <a:solidFill>
-          <a:schemeClr val="lt1">
-            <a:alpha val="90000"/>
-            <a:hueOff val="0"/>
-            <a:satOff val="0"/>
-            <a:lumOff val="0"/>
-            <a:alphaOff val="0"/>
-          </a:schemeClr>
-        </a:solidFill>
-        <a:ln w="15875" cap="rnd" cmpd="sng" algn="ctr">
-          <a:solidFill>
-            <a:schemeClr val="accent1">
-              <a:hueOff val="0"/>
-              <a:satOff val="0"/>
-              <a:lumOff val="0"/>
-              <a:alphaOff val="0"/>
-            </a:schemeClr>
-          </a:solidFill>
-          <a:prstDash val="solid"/>
-        </a:ln>
-        <a:effectLst/>
-      </dsp:spPr>
-      <dsp:style>
-        <a:lnRef idx="2">
-          <a:scrgbClr r="0" g="0" b="0"/>
-        </a:lnRef>
-        <a:fillRef idx="1">
-          <a:scrgbClr r="0" g="0" b="0"/>
-        </a:fillRef>
-        <a:effectRef idx="0">
-          <a:scrgbClr r="0" g="0" b="0"/>
-        </a:effectRef>
-        <a:fontRef idx="minor"/>
-      </dsp:style>
-      <dsp:txBody>
-        <a:bodyPr spcFirstLastPara="0" vert="horz" wrap="square" lIns="206248" tIns="18415" rIns="18415" bIns="18415" numCol="1" spcCol="1270" anchor="ctr" anchorCtr="0">
-          <a:noAutofit/>
-        </a:bodyPr>
-        <a:lstStyle/>
-        <a:p>
-          <a:pPr marL="285750" lvl="1" indent="-285750" algn="l" defTabSz="1289050">
-            <a:lnSpc>
-              <a:spcPct val="90000"/>
-            </a:lnSpc>
-            <a:spcBef>
-              <a:spcPct val="0"/>
-            </a:spcBef>
-            <a:spcAft>
-              <a:spcPct val="15000"/>
-            </a:spcAft>
-            <a:buChar char="••"/>
-          </a:pPr>
-          <a:r>
-            <a:rPr lang="es-MX" altLang="en-US" sz="2900" kern="1200" dirty="0" smtClean="0"/>
-            <a:t>Análisis Energético </a:t>
-          </a:r>
-          <a:endParaRPr lang="es-MX" sz="2900" kern="1200" dirty="0"/>
-        </a:p>
-      </dsp:txBody>
-      <dsp:txXfrm rot="-5400000">
-        <a:off x="1024481" y="2583192"/>
-        <a:ext cx="8642424" cy="858425"/>
-      </dsp:txXfrm>
-    </dsp:sp>
   </dsp:spTree>
 </dsp:drawing>
 </file>
@@ -13695,7 +12715,7 @@
           <a:p>
             <a:fld id="{C9810073-9E4B-47B0-8AC4-5302B810B903}" type="datetimeFigureOut">
               <a:rPr lang="es-MX" smtClean="0"/>
-              <a:t>16/12/2018</a:t>
+              <a:t>17/12/2018</a:t>
             </a:fld>
             <a:endParaRPr lang="es-MX"/>
           </a:p>
@@ -13872,7 +12892,7 @@
               <a:pPr>
                 <a:defRPr/>
               </a:pPr>
-              <a:t>16/12/2018</a:t>
+              <a:t>17/12/2018</a:t>
             </a:fld>
             <a:endParaRPr lang="es-MX"/>
           </a:p>
@@ -22871,18 +21891,7 @@
                   </a:schemeClr>
                 </a:solidFill>
               </a:rPr>
-              <a:t> </a:t>
-            </a:r>
-            <a:r>
-              <a:rPr lang="en-US" sz="2400" dirty="0" smtClean="0">
-                <a:solidFill>
-                  <a:schemeClr val="tx2">
-                    <a:lumMod val="20000"/>
-                    <a:lumOff val="80000"/>
-                  </a:schemeClr>
-                </a:solidFill>
-              </a:rPr>
-              <a:t>2018</a:t>
+              <a:t> 2018</a:t>
             </a:r>
             <a:endParaRPr lang="es-MX" sz="2400" dirty="0">
               <a:solidFill>
@@ -23230,13 +22239,8 @@
           <a:p>
             <a:r>
               <a:rPr lang="es-MX" sz="2000" dirty="0" smtClean="0"/>
-              <a:t>CAD: </a:t>
+              <a:t>CAD: Catia</a:t>
             </a:r>
-            <a:r>
-              <a:rPr lang="es-MX" sz="2000" dirty="0" smtClean="0"/>
-              <a:t>Catia</a:t>
-            </a:r>
-            <a:endParaRPr lang="es-MX" sz="2000" dirty="0" smtClean="0"/>
           </a:p>
           <a:p>
             <a:pPr lvl="1"/>
@@ -23426,7 +22430,7 @@
           <a:p>
             <a:pPr lvl="1"/>
             <a:r>
-              <a:rPr lang="es-419" sz="1800" dirty="0"/>
+              <a:rPr lang="en-US" sz="1800" dirty="0" smtClean="0"/>
               <a:t>I</a:t>
             </a:r>
             <a:r>
@@ -23586,7 +22590,6 @@
               <a:rPr lang="es-MX" dirty="0" smtClean="0"/>
               <a:t>A18</a:t>
             </a:r>
-            <a:endParaRPr lang="es-MX" dirty="0" smtClean="0"/>
           </a:p>
           <a:p>
             <a:pPr marL="0" indent="0">
@@ -24827,11 +23830,7 @@
           <a:p>
             <a:r>
               <a:rPr lang="es-MX" sz="3200" dirty="0" smtClean="0"/>
-              <a:t>Resultados: </a:t>
-            </a:r>
-            <a:r>
-              <a:rPr lang="es-MX" sz="3200" dirty="0" smtClean="0"/>
-              <a:t>Diseño Matemático </a:t>
+              <a:t>Resultados: Diseño Matemático </a:t>
             </a:r>
             <a:endParaRPr lang="en-US" sz="3200" dirty="0"/>
           </a:p>
@@ -26793,11 +25792,7 @@
           <a:p>
             <a:r>
               <a:rPr lang="es-MX" sz="3200" dirty="0"/>
-              <a:t>Resultados: </a:t>
-            </a:r>
-            <a:r>
-              <a:rPr lang="es-MX" sz="3200" dirty="0"/>
-              <a:t>Diseño Matemático</a:t>
+              <a:t>Resultados: Diseño Matemático</a:t>
             </a:r>
             <a:endParaRPr lang="en-US" sz="3200" dirty="0"/>
           </a:p>
@@ -28545,18 +27540,7 @@
                   </a:schemeClr>
                 </a:solidFill>
               </a:rPr>
-              <a:t>uerzas </a:t>
-            </a:r>
-            <a:r>
-              <a:rPr lang="es-MX" sz="1600" dirty="0" smtClean="0">
-                <a:solidFill>
-                  <a:schemeClr val="tx1">
-                    <a:lumMod val="75000"/>
-                    <a:lumOff val="25000"/>
-                  </a:schemeClr>
-                </a:solidFill>
-              </a:rPr>
-              <a:t>aerodinámicas</a:t>
+              <a:t>uerzas aerodinámicas</a:t>
             </a:r>
             <a:endParaRPr lang="es-MX" sz="1600" dirty="0">
               <a:solidFill>
@@ -28918,11 +27902,7 @@
           <a:p>
             <a:r>
               <a:rPr lang="es-MX" sz="3200" dirty="0"/>
-              <a:t>Resultados: </a:t>
-            </a:r>
-            <a:r>
-              <a:rPr lang="es-MX" sz="3200" dirty="0"/>
-              <a:t>Diseño Matemático</a:t>
+              <a:t>Resultados: Diseño Matemático</a:t>
             </a:r>
             <a:endParaRPr lang="en-US" sz="3200" dirty="0"/>
           </a:p>
@@ -29176,8 +28156,8 @@
           </a:p>
         </p:txBody>
       </p:sp>
-      <mc:AlternateContent xmlns:mc="http://schemas.openxmlformats.org/markup-compatibility/2006">
-        <mc:Choice xmlns:a14="http://schemas.microsoft.com/office/drawing/2010/main" Requires="a14">
+      <mc:AlternateContent xmlns:mc="http://schemas.openxmlformats.org/markup-compatibility/2006" xmlns:a14="http://schemas.microsoft.com/office/drawing/2010/main">
+        <mc:Choice Requires="a14">
           <p:sp>
             <p:nvSpPr>
               <p:cNvPr id="9" name="Right Arrow 8"/>
@@ -29267,25 +28247,7 @@
                           </a:solidFill>
                           <a:latin typeface="Cambria Math" panose="02040503050406030204" pitchFamily="18" charset="0"/>
                         </a:rPr>
-                        <m:t>=1</m:t>
-                      </m:r>
-                      <m:r>
-                        <a:rPr lang="en-US" sz="1600" b="0" i="1" smtClean="0">
-                          <a:solidFill>
-                            <a:schemeClr val="bg1"/>
-                          </a:solidFill>
-                          <a:latin typeface="Cambria Math" panose="02040503050406030204" pitchFamily="18" charset="0"/>
-                        </a:rPr>
-                        <m:t>5</m:t>
-                      </m:r>
-                      <m:r>
-                        <a:rPr lang="en-US" sz="1600" b="0" i="1" smtClean="0">
-                          <a:solidFill>
-                            <a:schemeClr val="bg1"/>
-                          </a:solidFill>
-                          <a:latin typeface="Cambria Math" panose="02040503050406030204" pitchFamily="18" charset="0"/>
-                        </a:rPr>
-                        <m:t> </m:t>
+                        <m:t>=15 </m:t>
                       </m:r>
                       <m:r>
                         <a:rPr lang="en-US" sz="1600" b="0" i="1" smtClean="0">
@@ -29322,7 +28284,7 @@
             </p:txBody>
           </p:sp>
         </mc:Choice>
-        <mc:Fallback>
+        <mc:Fallback xmlns="">
           <p:sp>
             <p:nvSpPr>
               <p:cNvPr id="9" name="Right Arrow 8"/>
@@ -29634,8 +28596,8 @@
           </p:sp>
         </mc:Fallback>
       </mc:AlternateContent>
-      <mc:AlternateContent xmlns:mc="http://schemas.openxmlformats.org/markup-compatibility/2006">
-        <mc:Choice xmlns:a14="http://schemas.microsoft.com/office/drawing/2010/main" Requires="a14">
+      <mc:AlternateContent xmlns:mc="http://schemas.openxmlformats.org/markup-compatibility/2006" xmlns:a14="http://schemas.microsoft.com/office/drawing/2010/main">
+        <mc:Choice Requires="a14">
           <p:sp>
             <p:nvSpPr>
               <p:cNvPr id="17" name="Right Arrow 16"/>
@@ -29725,25 +28687,7 @@
                           </a:solidFill>
                           <a:latin typeface="Cambria Math" panose="02040503050406030204" pitchFamily="18" charset="0"/>
                         </a:rPr>
-                        <m:t>=</m:t>
-                      </m:r>
-                      <m:r>
-                        <a:rPr lang="en-US" sz="1600" b="0" i="1" smtClean="0">
-                          <a:solidFill>
-                            <a:schemeClr val="bg1"/>
-                          </a:solidFill>
-                          <a:latin typeface="Cambria Math" panose="02040503050406030204" pitchFamily="18" charset="0"/>
-                        </a:rPr>
-                        <m:t>2</m:t>
-                      </m:r>
-                      <m:r>
-                        <a:rPr lang="en-US" sz="1600" b="0" i="1" smtClean="0">
-                          <a:solidFill>
-                            <a:schemeClr val="bg1"/>
-                          </a:solidFill>
-                          <a:latin typeface="Cambria Math" panose="02040503050406030204" pitchFamily="18" charset="0"/>
-                        </a:rPr>
-                        <m:t>0</m:t>
+                        <m:t>=20</m:t>
                       </m:r>
                     </m:oMath>
                   </m:oMathPara>
@@ -29753,7 +28697,7 @@
             </p:txBody>
           </p:sp>
         </mc:Choice>
-        <mc:Fallback>
+        <mc:Fallback xmlns="">
           <p:sp>
             <p:nvSpPr>
               <p:cNvPr id="17" name="Right Arrow 16"/>
@@ -29838,8 +28782,8 @@
           </a:p>
         </p:txBody>
       </p:sp>
-      <mc:AlternateContent xmlns:mc="http://schemas.openxmlformats.org/markup-compatibility/2006">
-        <mc:Choice xmlns:a14="http://schemas.microsoft.com/office/drawing/2010/main" Requires="a14">
+      <mc:AlternateContent xmlns:mc="http://schemas.openxmlformats.org/markup-compatibility/2006" xmlns:a14="http://schemas.microsoft.com/office/drawing/2010/main">
+        <mc:Choice Requires="a14">
           <p:sp>
             <p:nvSpPr>
               <p:cNvPr id="20" name="Rectangle 19"/>
@@ -29935,16 +28879,7 @@
                           </a:solidFill>
                           <a:latin typeface="Cambria Math" panose="02040503050406030204" pitchFamily="18" charset="0"/>
                         </a:rPr>
-                        <m:t>1.31</m:t>
-                      </m:r>
-                      <m:r>
-                        <a:rPr lang="en-US" b="0" i="1" smtClean="0">
-                          <a:solidFill>
-                            <a:schemeClr val="bg1"/>
-                          </a:solidFill>
-                          <a:latin typeface="Cambria Math" panose="02040503050406030204" pitchFamily="18" charset="0"/>
-                        </a:rPr>
-                        <m:t> </m:t>
+                        <m:t>1.31 </m:t>
                       </m:r>
                       <m:r>
                         <a:rPr lang="en-US" b="0" i="1" smtClean="0">
@@ -30093,25 +29028,7 @@
                           </a:solidFill>
                           <a:latin typeface="Cambria Math" panose="02040503050406030204" pitchFamily="18" charset="0"/>
                         </a:rPr>
-                        <m:t>0.0</m:t>
-                      </m:r>
-                      <m:r>
-                        <a:rPr lang="en-US" b="0" i="1" smtClean="0">
-                          <a:solidFill>
-                            <a:schemeClr val="bg1"/>
-                          </a:solidFill>
-                          <a:latin typeface="Cambria Math" panose="02040503050406030204" pitchFamily="18" charset="0"/>
-                        </a:rPr>
-                        <m:t>620526</m:t>
-                      </m:r>
-                      <m:r>
-                        <a:rPr lang="en-US" b="0" i="1" smtClean="0">
-                          <a:solidFill>
-                            <a:schemeClr val="bg1"/>
-                          </a:solidFill>
-                          <a:latin typeface="Cambria Math" panose="02040503050406030204" pitchFamily="18" charset="0"/>
-                        </a:rPr>
-                        <m:t> </m:t>
+                        <m:t>0.0620526 </m:t>
                       </m:r>
                       <m:r>
                         <a:rPr lang="en-US" b="0" i="1" smtClean="0">
@@ -30137,7 +29054,7 @@
             </p:txBody>
           </p:sp>
         </mc:Choice>
-        <mc:Fallback>
+        <mc:Fallback xmlns="">
           <p:sp>
             <p:nvSpPr>
               <p:cNvPr id="20" name="Rectangle 19"/>
@@ -30176,8 +29093,8 @@
           </p:sp>
         </mc:Fallback>
       </mc:AlternateContent>
-      <mc:AlternateContent xmlns:mc="http://schemas.openxmlformats.org/markup-compatibility/2006">
-        <mc:Choice xmlns:a14="http://schemas.microsoft.com/office/drawing/2010/main" Requires="a14">
+      <mc:AlternateContent xmlns:mc="http://schemas.openxmlformats.org/markup-compatibility/2006" xmlns:a14="http://schemas.microsoft.com/office/drawing/2010/main">
+        <mc:Choice Requires="a14">
           <p:sp>
             <p:nvSpPr>
               <p:cNvPr id="23" name="Right Arrow 22"/>
@@ -30252,7 +29169,7 @@
             </p:txBody>
           </p:sp>
         </mc:Choice>
-        <mc:Fallback>
+        <mc:Fallback xmlns="">
           <p:sp>
             <p:nvSpPr>
               <p:cNvPr id="23" name="Right Arrow 22"/>
@@ -30760,7 +29677,6 @@
               <a:rPr lang="es-MX" sz="2200" dirty="0" smtClean="0"/>
               <a:t>A18</a:t>
             </a:r>
-            <a:endParaRPr lang="es-MX" sz="2200" dirty="0" smtClean="0"/>
           </a:p>
           <a:p>
             <a:pPr fontAlgn="auto"/>
@@ -30768,8 +29684,8 @@
           </a:p>
         </p:txBody>
       </p:sp>
-      <mc:AlternateContent xmlns:mc="http://schemas.openxmlformats.org/markup-compatibility/2006">
-        <mc:Choice xmlns:a14="http://schemas.microsoft.com/office/drawing/2010/main" Requires="a14">
+      <mc:AlternateContent xmlns:mc="http://schemas.openxmlformats.org/markup-compatibility/2006" xmlns:a14="http://schemas.microsoft.com/office/drawing/2010/main">
+        <mc:Choice Requires="a14">
           <p:sp>
             <p:nvSpPr>
               <p:cNvPr id="3" name="Rectangular Callout 2"/>
@@ -30882,7 +29798,7 @@
             </p:txBody>
           </p:sp>
         </mc:Choice>
-        <mc:Fallback>
+        <mc:Fallback xmlns="">
           <p:sp>
             <p:nvSpPr>
               <p:cNvPr id="3" name="Rectangular Callout 2"/>
@@ -30924,8 +29840,8 @@
           </p:sp>
         </mc:Fallback>
       </mc:AlternateContent>
-      <mc:AlternateContent xmlns:mc="http://schemas.openxmlformats.org/markup-compatibility/2006">
-        <mc:Choice xmlns:a14="http://schemas.microsoft.com/office/drawing/2010/main" Requires="a14">
+      <mc:AlternateContent xmlns:mc="http://schemas.openxmlformats.org/markup-compatibility/2006" xmlns:a14="http://schemas.microsoft.com/office/drawing/2010/main">
+        <mc:Choice Requires="a14">
           <p:sp>
             <p:nvSpPr>
               <p:cNvPr id="11" name="Rectangular Callout 10"/>
@@ -31038,7 +29954,7 @@
             </p:txBody>
           </p:sp>
         </mc:Choice>
-        <mc:Fallback>
+        <mc:Fallback xmlns="">
           <p:sp>
             <p:nvSpPr>
               <p:cNvPr id="11" name="Rectangular Callout 10"/>
@@ -31134,11 +30050,7 @@
           <a:p>
             <a:r>
               <a:rPr lang="es-MX" sz="2800" dirty="0"/>
-              <a:t>Resultados: </a:t>
-            </a:r>
-            <a:r>
-              <a:rPr lang="es-MX" sz="2800" dirty="0"/>
-              <a:t>Diseño Matemático</a:t>
+              <a:t>Resultados: Diseño Matemático</a:t>
             </a:r>
             <a:endParaRPr lang="en-US" sz="2800" dirty="0"/>
           </a:p>
@@ -31397,8 +30309,8 @@
           </a:p>
         </p:txBody>
       </p:sp>
-      <mc:AlternateContent xmlns:mc="http://schemas.openxmlformats.org/markup-compatibility/2006">
-        <mc:Choice xmlns:a14="http://schemas.microsoft.com/office/drawing/2010/main" Requires="a14">
+      <mc:AlternateContent xmlns:mc="http://schemas.openxmlformats.org/markup-compatibility/2006" xmlns:a14="http://schemas.microsoft.com/office/drawing/2010/main">
+        <mc:Choice Requires="a14">
           <p:graphicFrame>
             <p:nvGraphicFramePr>
               <p:cNvPr id="3" name="Diagram 2"/>
@@ -31422,7 +30334,7 @@
             </a:graphic>
           </p:graphicFrame>
         </mc:Choice>
-        <mc:Fallback>
+        <mc:Fallback xmlns="">
           <p:graphicFrame>
             <p:nvGraphicFramePr>
               <p:cNvPr id="3" name="Diagram 2"/>
@@ -31441,7 +30353,7 @@
             </p:xfrm>
             <a:graphic>
               <a:graphicData uri="http://schemas.openxmlformats.org/drawingml/2006/diagram">
-                <dgm:relIds xmlns:dgm="http://schemas.openxmlformats.org/drawingml/2006/diagram" xmlns:r="http://schemas.openxmlformats.org/officeDocument/2006/relationships" r:dm="rId7" r:lo="rId3" r:qs="rId4" r:cs="rId5"/>
+                <dgm:relIds xmlns:dgm="http://schemas.openxmlformats.org/drawingml/2006/diagram" xmlns:r="http://schemas.openxmlformats.org/officeDocument/2006/relationships" r:dm="rId7" r:lo="rId8" r:qs="rId9" r:cs="rId10"/>
               </a:graphicData>
             </a:graphic>
           </p:graphicFrame>
@@ -31501,11 +30413,7 @@
           <a:p>
             <a:r>
               <a:rPr lang="es-MX" sz="2800" dirty="0"/>
-              <a:t>Resultados: </a:t>
-            </a:r>
-            <a:r>
-              <a:rPr lang="es-MX" sz="2800" dirty="0"/>
-              <a:t>Diseño Matemático</a:t>
+              <a:t>Resultados: Diseño Matemático</a:t>
             </a:r>
             <a:endParaRPr lang="en-US" sz="2800" dirty="0"/>
           </a:p>
@@ -31780,8 +30688,8 @@
         </p:blipFill>
         <p:spPr>
           <a:xfrm>
-            <a:off x="874297" y="3804149"/>
-            <a:ext cx="4112570" cy="2553187"/>
+            <a:off x="874298" y="3644496"/>
+            <a:ext cx="4248037" cy="2553187"/>
           </a:xfrm>
           <a:prstGeom prst="rect">
             <a:avLst/>
@@ -31875,8 +30783,8 @@
         </p:nvSpPr>
         <p:spPr>
           <a:xfrm>
-            <a:off x="874297" y="6357336"/>
-            <a:ext cx="4112570" cy="338554"/>
+            <a:off x="874298" y="6197683"/>
+            <a:ext cx="4248037" cy="338554"/>
           </a:xfrm>
           <a:prstGeom prst="rect">
             <a:avLst/>
@@ -31953,7 +30861,7 @@
         </p:blipFill>
         <p:spPr>
           <a:xfrm>
-            <a:off x="5319396" y="1879600"/>
+            <a:off x="5335581" y="2690274"/>
             <a:ext cx="6406277" cy="3507409"/>
           </a:xfrm>
           <a:prstGeom prst="rect">
@@ -31969,7 +30877,7 @@
         </p:nvSpPr>
         <p:spPr>
           <a:xfrm>
-            <a:off x="5319395" y="5387009"/>
+            <a:off x="5335580" y="6197683"/>
             <a:ext cx="6406277" cy="338554"/>
           </a:xfrm>
           <a:prstGeom prst="rect">
@@ -32389,11 +31297,7 @@
           <a:p>
             <a:r>
               <a:rPr lang="es-MX" sz="2800" dirty="0"/>
-              <a:t>Resultados: </a:t>
-            </a:r>
-            <a:r>
-              <a:rPr lang="es-MX" sz="2800" dirty="0"/>
-              <a:t>Diseño Matemático</a:t>
+              <a:t>Resultados: Diseño Matemático</a:t>
             </a:r>
             <a:endParaRPr lang="en-US" sz="2800" dirty="0"/>
           </a:p>
@@ -33201,8 +32105,8 @@
           </p:sp>
         </mc:Fallback>
       </mc:AlternateContent>
-      <mc:AlternateContent xmlns:mc="http://schemas.openxmlformats.org/markup-compatibility/2006">
-        <mc:Choice xmlns:a14="http://schemas.microsoft.com/office/drawing/2010/main" Requires="a14">
+      <mc:AlternateContent xmlns:mc="http://schemas.openxmlformats.org/markup-compatibility/2006" xmlns:a14="http://schemas.microsoft.com/office/drawing/2010/main">
+        <mc:Choice Requires="a14">
           <p:sp>
             <p:nvSpPr>
               <p:cNvPr id="9" name="Rectangle 8"/>
@@ -34116,7 +33020,7 @@
             </p:txBody>
           </p:sp>
         </mc:Choice>
-        <mc:Fallback>
+        <mc:Fallback xmlns="">
           <p:sp>
             <p:nvSpPr>
               <p:cNvPr id="9" name="Rectangle 8"/>
@@ -34158,8 +33062,8 @@
           </p:sp>
         </mc:Fallback>
       </mc:AlternateContent>
-      <mc:AlternateContent xmlns:mc="http://schemas.openxmlformats.org/markup-compatibility/2006">
-        <mc:Choice xmlns:a14="http://schemas.microsoft.com/office/drawing/2010/main" Requires="a14">
+      <mc:AlternateContent xmlns:mc="http://schemas.openxmlformats.org/markup-compatibility/2006" xmlns:a14="http://schemas.microsoft.com/office/drawing/2010/main">
+        <mc:Choice Requires="a14">
           <p:sp>
             <p:nvSpPr>
               <p:cNvPr id="10" name="Rectangle 9"/>
@@ -34522,16 +33426,11 @@
                   </a:rPr>
                   <a:t>0.516967</a:t>
                 </a:r>
-                <a:endParaRPr lang="es-MX" sz="2000" dirty="0">
-                  <a:solidFill>
-                    <a:schemeClr val="tx1"/>
-                  </a:solidFill>
-                </a:endParaRPr>
               </a:p>
             </p:txBody>
           </p:sp>
         </mc:Choice>
-        <mc:Fallback>
+        <mc:Fallback xmlns="">
           <p:sp>
             <p:nvSpPr>
               <p:cNvPr id="10" name="Rectangle 9"/>
@@ -34706,11 +33605,7 @@
           <a:p>
             <a:r>
               <a:rPr lang="es-MX" sz="2800" dirty="0"/>
-              <a:t>Resultados: </a:t>
-            </a:r>
-            <a:r>
-              <a:rPr lang="es-MX" sz="2800" dirty="0"/>
-              <a:t>Diseño </a:t>
+              <a:t>Resultados: Diseño </a:t>
             </a:r>
             <a:r>
               <a:rPr lang="es-MX" sz="2800" dirty="0" smtClean="0"/>
@@ -35135,7 +34030,7 @@
         </p:spPr>
         <p:txBody>
           <a:bodyPr vert="horz" lIns="91440" tIns="45720" rIns="91440" bIns="45720" rtlCol="0">
-            <a:normAutofit fontScale="92500"/>
+            <a:normAutofit fontScale="85000" lnSpcReduction="10000"/>
           </a:bodyPr>
           <a:lstStyle>
             <a:lvl1pPr marL="342900" indent="-342900" algn="l" defTabSz="457200" rtl="0" eaLnBrk="1" latinLnBrk="0" hangingPunct="1">
@@ -35359,7 +34254,7 @@
             <a:pPr fontAlgn="auto"/>
             <a:r>
               <a:rPr lang="es-MX" sz="2400" b="1" dirty="0" smtClean="0"/>
-              <a:t>Análisis de elemento finito</a:t>
+              <a:t>Diagrama de Flujo del Análisis</a:t>
             </a:r>
             <a:endParaRPr lang="es-MX" sz="2200" dirty="0" smtClean="0"/>
           </a:p>
@@ -35377,8 +34272,8 @@
         </p:nvSpPr>
         <p:spPr>
           <a:xfrm>
-            <a:off x="1288005" y="5192163"/>
-            <a:ext cx="10055060" cy="338554"/>
+            <a:off x="1137647" y="5054842"/>
+            <a:ext cx="10359963" cy="338554"/>
           </a:xfrm>
           <a:prstGeom prst="rect">
             <a:avLst/>
@@ -35411,7 +34306,18 @@
                   </a:schemeClr>
                 </a:solidFill>
               </a:rPr>
-              <a:t>Diseño de superficie en CATIA.</a:t>
+              <a:t>Hoja de trabajo en </a:t>
+            </a:r>
+            <a:r>
+              <a:rPr lang="es-MX" sz="1600" dirty="0" err="1" smtClean="0">
+                <a:solidFill>
+                  <a:schemeClr val="tx1">
+                    <a:lumMod val="75000"/>
+                    <a:lumOff val="25000"/>
+                  </a:schemeClr>
+                </a:solidFill>
+              </a:rPr>
+              <a:t>Workbench</a:t>
             </a:r>
             <a:endParaRPr lang="es-MX" sz="1600" dirty="0">
               <a:solidFill>
@@ -35424,6 +34330,30 @@
           </a:p>
         </p:txBody>
       </p:sp>
+      <p:pic>
+        <p:nvPicPr>
+          <p:cNvPr id="3" name="Picture 2"/>
+          <p:cNvPicPr>
+            <a:picLocks noChangeAspect="1"/>
+          </p:cNvPicPr>
+          <p:nvPr/>
+        </p:nvPicPr>
+        <p:blipFill>
+          <a:blip r:embed="rId2"/>
+          <a:stretch>
+            <a:fillRect/>
+          </a:stretch>
+        </p:blipFill>
+        <p:spPr>
+          <a:xfrm>
+            <a:off x="1137648" y="2079970"/>
+            <a:ext cx="10359963" cy="2974872"/>
+          </a:xfrm>
+          <a:prstGeom prst="rect">
+            <a:avLst/>
+          </a:prstGeom>
+        </p:spPr>
+      </p:pic>
     </p:spTree>
     <p:extLst>
       <p:ext uri="{BB962C8B-B14F-4D97-AF65-F5344CB8AC3E}">
@@ -35731,7 +34661,7 @@
             <a:pPr fontAlgn="auto"/>
             <a:r>
               <a:rPr lang="es-MX" sz="2400" b="1" dirty="0" smtClean="0"/>
-              <a:t>Modelado de Superficie</a:t>
+              <a:t>ACP (Pre)</a:t>
             </a:r>
             <a:endParaRPr lang="es-MX" sz="2200" dirty="0" smtClean="0"/>
           </a:p>
@@ -35749,8 +34679,8 @@
         </p:nvSpPr>
         <p:spPr>
           <a:xfrm>
-            <a:off x="1288005" y="5192163"/>
-            <a:ext cx="10055060" cy="338554"/>
+            <a:off x="1288005" y="5896599"/>
+            <a:ext cx="9980716" cy="338554"/>
           </a:xfrm>
           <a:prstGeom prst="rect">
             <a:avLst/>
@@ -35796,6 +34726,30 @@
           </a:p>
         </p:txBody>
       </p:sp>
+      <p:pic>
+        <p:nvPicPr>
+          <p:cNvPr id="3" name="Picture 2"/>
+          <p:cNvPicPr>
+            <a:picLocks noChangeAspect="1"/>
+          </p:cNvPicPr>
+          <p:nvPr/>
+        </p:nvPicPr>
+        <p:blipFill>
+          <a:blip r:embed="rId2"/>
+          <a:stretch>
+            <a:fillRect/>
+          </a:stretch>
+        </p:blipFill>
+        <p:spPr>
+          <a:xfrm>
+            <a:off x="1288005" y="2314323"/>
+            <a:ext cx="9980716" cy="3582276"/>
+          </a:xfrm>
+          <a:prstGeom prst="rect">
+            <a:avLst/>
+          </a:prstGeom>
+        </p:spPr>
+      </p:pic>
     </p:spTree>
     <p:extLst>
       <p:ext uri="{BB962C8B-B14F-4D97-AF65-F5344CB8AC3E}">
@@ -35854,7 +34808,452 @@
             </a:r>
             <a:r>
               <a:rPr lang="es-MX" sz="2800" dirty="0" smtClean="0"/>
-              <a:t>Análisis Energético</a:t>
+              <a:t>Análisis </a:t>
+            </a:r>
+            <a:r>
+              <a:rPr lang="es-MX" sz="2800" dirty="0" smtClean="0"/>
+              <a:t>Estructural</a:t>
+            </a:r>
+            <a:endParaRPr lang="en-US" sz="2800" dirty="0"/>
+          </a:p>
+        </p:txBody>
+      </p:sp>
+      <p:sp>
+        <p:nvSpPr>
+          <p:cNvPr id="8" name="Content Placeholder 2"/>
+          <p:cNvSpPr txBox="1">
+            <a:spLocks/>
+          </p:cNvSpPr>
+          <p:nvPr/>
+        </p:nvSpPr>
+        <p:spPr>
+          <a:xfrm>
+            <a:off x="1584338" y="1382695"/>
+            <a:ext cx="4367729" cy="513838"/>
+          </a:xfrm>
+          <a:prstGeom prst="rect">
+            <a:avLst/>
+          </a:prstGeom>
+        </p:spPr>
+        <p:txBody>
+          <a:bodyPr vert="horz" lIns="91440" tIns="45720" rIns="91440" bIns="45720" rtlCol="0">
+            <a:normAutofit/>
+          </a:bodyPr>
+          <a:lstStyle>
+            <a:lvl1pPr marL="342900" indent="-342900" algn="l" defTabSz="457200" rtl="0" eaLnBrk="1" latinLnBrk="0" hangingPunct="1">
+              <a:spcBef>
+                <a:spcPts val="1000"/>
+              </a:spcBef>
+              <a:spcAft>
+                <a:spcPts val="0"/>
+              </a:spcAft>
+              <a:buClr>
+                <a:schemeClr val="accent1"/>
+              </a:buClr>
+              <a:buFont typeface="Wingdings 3" charset="2"/>
+              <a:buChar char=""/>
+              <a:defRPr sz="1800" kern="1200">
+                <a:solidFill>
+                  <a:schemeClr val="tx1">
+                    <a:lumMod val="75000"/>
+                    <a:lumOff val="25000"/>
+                  </a:schemeClr>
+                </a:solidFill>
+                <a:latin typeface="+mn-lt"/>
+                <a:ea typeface="+mn-ea"/>
+                <a:cs typeface="+mn-cs"/>
+              </a:defRPr>
+            </a:lvl1pPr>
+            <a:lvl2pPr marL="742950" indent="-285750" algn="l" defTabSz="457200" rtl="0" eaLnBrk="1" latinLnBrk="0" hangingPunct="1">
+              <a:spcBef>
+                <a:spcPts val="1000"/>
+              </a:spcBef>
+              <a:spcAft>
+                <a:spcPts val="0"/>
+              </a:spcAft>
+              <a:buClr>
+                <a:schemeClr val="accent1"/>
+              </a:buClr>
+              <a:buFont typeface="Wingdings 3" charset="2"/>
+              <a:buChar char=""/>
+              <a:defRPr sz="1600" kern="1200">
+                <a:solidFill>
+                  <a:schemeClr val="tx1">
+                    <a:lumMod val="75000"/>
+                    <a:lumOff val="25000"/>
+                  </a:schemeClr>
+                </a:solidFill>
+                <a:latin typeface="+mn-lt"/>
+                <a:ea typeface="+mn-ea"/>
+                <a:cs typeface="+mn-cs"/>
+              </a:defRPr>
+            </a:lvl2pPr>
+            <a:lvl3pPr marL="1143000" indent="-228600" algn="l" defTabSz="457200" rtl="0" eaLnBrk="1" latinLnBrk="0" hangingPunct="1">
+              <a:spcBef>
+                <a:spcPts val="1000"/>
+              </a:spcBef>
+              <a:spcAft>
+                <a:spcPts val="0"/>
+              </a:spcAft>
+              <a:buClr>
+                <a:schemeClr val="accent1"/>
+              </a:buClr>
+              <a:buFont typeface="Wingdings 3" charset="2"/>
+              <a:buChar char=""/>
+              <a:defRPr sz="1400" kern="1200">
+                <a:solidFill>
+                  <a:schemeClr val="tx1">
+                    <a:lumMod val="75000"/>
+                    <a:lumOff val="25000"/>
+                  </a:schemeClr>
+                </a:solidFill>
+                <a:latin typeface="+mn-lt"/>
+                <a:ea typeface="+mn-ea"/>
+                <a:cs typeface="+mn-cs"/>
+              </a:defRPr>
+            </a:lvl3pPr>
+            <a:lvl4pPr marL="1600200" indent="-228600" algn="l" defTabSz="457200" rtl="0" eaLnBrk="1" latinLnBrk="0" hangingPunct="1">
+              <a:spcBef>
+                <a:spcPts val="1000"/>
+              </a:spcBef>
+              <a:spcAft>
+                <a:spcPts val="0"/>
+              </a:spcAft>
+              <a:buClr>
+                <a:schemeClr val="accent1"/>
+              </a:buClr>
+              <a:buFont typeface="Wingdings 3" charset="2"/>
+              <a:buChar char=""/>
+              <a:defRPr sz="1200" kern="1200">
+                <a:solidFill>
+                  <a:schemeClr val="tx1">
+                    <a:lumMod val="75000"/>
+                    <a:lumOff val="25000"/>
+                  </a:schemeClr>
+                </a:solidFill>
+                <a:latin typeface="+mn-lt"/>
+                <a:ea typeface="+mn-ea"/>
+                <a:cs typeface="+mn-cs"/>
+              </a:defRPr>
+            </a:lvl4pPr>
+            <a:lvl5pPr marL="2057400" indent="-228600" algn="l" defTabSz="457200" rtl="0" eaLnBrk="1" latinLnBrk="0" hangingPunct="1">
+              <a:spcBef>
+                <a:spcPts val="1000"/>
+              </a:spcBef>
+              <a:spcAft>
+                <a:spcPts val="0"/>
+              </a:spcAft>
+              <a:buClr>
+                <a:schemeClr val="accent1"/>
+              </a:buClr>
+              <a:buFont typeface="Wingdings 3" charset="2"/>
+              <a:buChar char=""/>
+              <a:defRPr sz="1200" kern="1200">
+                <a:solidFill>
+                  <a:schemeClr val="tx1">
+                    <a:lumMod val="75000"/>
+                    <a:lumOff val="25000"/>
+                  </a:schemeClr>
+                </a:solidFill>
+                <a:latin typeface="+mn-lt"/>
+                <a:ea typeface="+mn-ea"/>
+                <a:cs typeface="+mn-cs"/>
+              </a:defRPr>
+            </a:lvl5pPr>
+            <a:lvl6pPr marL="2514600" indent="-228600" algn="l" defTabSz="457200" rtl="0" eaLnBrk="1" latinLnBrk="0" hangingPunct="1">
+              <a:spcBef>
+                <a:spcPts val="1000"/>
+              </a:spcBef>
+              <a:spcAft>
+                <a:spcPts val="0"/>
+              </a:spcAft>
+              <a:buClr>
+                <a:schemeClr val="accent1"/>
+              </a:buClr>
+              <a:buFont typeface="Wingdings 3" charset="2"/>
+              <a:buChar char=""/>
+              <a:defRPr sz="1200" kern="1200">
+                <a:solidFill>
+                  <a:schemeClr val="tx1">
+                    <a:lumMod val="75000"/>
+                    <a:lumOff val="25000"/>
+                  </a:schemeClr>
+                </a:solidFill>
+                <a:latin typeface="+mn-lt"/>
+                <a:ea typeface="+mn-ea"/>
+                <a:cs typeface="+mn-cs"/>
+              </a:defRPr>
+            </a:lvl6pPr>
+            <a:lvl7pPr marL="2971800" indent="-228600" algn="l" defTabSz="457200" rtl="0" eaLnBrk="1" latinLnBrk="0" hangingPunct="1">
+              <a:spcBef>
+                <a:spcPts val="1000"/>
+              </a:spcBef>
+              <a:spcAft>
+                <a:spcPts val="0"/>
+              </a:spcAft>
+              <a:buClr>
+                <a:schemeClr val="accent1"/>
+              </a:buClr>
+              <a:buFont typeface="Wingdings 3" charset="2"/>
+              <a:buChar char=""/>
+              <a:defRPr sz="1200" kern="1200">
+                <a:solidFill>
+                  <a:schemeClr val="tx1">
+                    <a:lumMod val="75000"/>
+                    <a:lumOff val="25000"/>
+                  </a:schemeClr>
+                </a:solidFill>
+                <a:latin typeface="+mn-lt"/>
+                <a:ea typeface="+mn-ea"/>
+                <a:cs typeface="+mn-cs"/>
+              </a:defRPr>
+            </a:lvl7pPr>
+            <a:lvl8pPr marL="3429000" indent="-228600" algn="l" defTabSz="457200" rtl="0" eaLnBrk="1" latinLnBrk="0" hangingPunct="1">
+              <a:spcBef>
+                <a:spcPts val="1000"/>
+              </a:spcBef>
+              <a:spcAft>
+                <a:spcPts val="0"/>
+              </a:spcAft>
+              <a:buClr>
+                <a:schemeClr val="accent1"/>
+              </a:buClr>
+              <a:buFont typeface="Wingdings 3" charset="2"/>
+              <a:buChar char=""/>
+              <a:defRPr sz="1200" kern="1200">
+                <a:solidFill>
+                  <a:schemeClr val="tx1">
+                    <a:lumMod val="75000"/>
+                    <a:lumOff val="25000"/>
+                  </a:schemeClr>
+                </a:solidFill>
+                <a:latin typeface="+mn-lt"/>
+                <a:ea typeface="+mn-ea"/>
+                <a:cs typeface="+mn-cs"/>
+              </a:defRPr>
+            </a:lvl8pPr>
+            <a:lvl9pPr marL="3886200" indent="-228600" algn="l" defTabSz="457200" rtl="0" eaLnBrk="1" latinLnBrk="0" hangingPunct="1">
+              <a:spcBef>
+                <a:spcPts val="1000"/>
+              </a:spcBef>
+              <a:spcAft>
+                <a:spcPts val="0"/>
+              </a:spcAft>
+              <a:buClr>
+                <a:schemeClr val="accent1"/>
+              </a:buClr>
+              <a:buFont typeface="Wingdings 3" charset="2"/>
+              <a:buChar char=""/>
+              <a:defRPr sz="1200" kern="1200">
+                <a:solidFill>
+                  <a:schemeClr val="tx1">
+                    <a:lumMod val="75000"/>
+                    <a:lumOff val="25000"/>
+                  </a:schemeClr>
+                </a:solidFill>
+                <a:latin typeface="+mn-lt"/>
+                <a:ea typeface="+mn-ea"/>
+                <a:cs typeface="+mn-cs"/>
+              </a:defRPr>
+            </a:lvl9pPr>
+          </a:lstStyle>
+          <a:p>
+            <a:pPr fontAlgn="auto"/>
+            <a:r>
+              <a:rPr lang="es-MX" sz="2400" b="1" dirty="0" err="1" smtClean="0"/>
+              <a:t>Static</a:t>
+            </a:r>
+            <a:r>
+              <a:rPr lang="es-MX" sz="2400" b="1" dirty="0" smtClean="0"/>
+              <a:t> </a:t>
+            </a:r>
+            <a:r>
+              <a:rPr lang="es-MX" sz="2400" b="1" dirty="0" err="1" smtClean="0"/>
+              <a:t>Structural</a:t>
+            </a:r>
+            <a:endParaRPr lang="es-MX" sz="2200" dirty="0" smtClean="0"/>
+          </a:p>
+          <a:p>
+            <a:pPr fontAlgn="auto"/>
+            <a:endParaRPr lang="es-MX" sz="2400" b="1" dirty="0" smtClean="0"/>
+          </a:p>
+        </p:txBody>
+      </p:sp>
+      <p:sp>
+        <p:nvSpPr>
+          <p:cNvPr id="11" name="CuadroTexto 6"/>
+          <p:cNvSpPr txBox="1"/>
+          <p:nvPr/>
+        </p:nvSpPr>
+        <p:spPr>
+          <a:xfrm>
+            <a:off x="995544" y="5872137"/>
+            <a:ext cx="10350231" cy="338554"/>
+          </a:xfrm>
+          <a:prstGeom prst="rect">
+            <a:avLst/>
+          </a:prstGeom>
+        </p:spPr>
+        <p:style>
+          <a:lnRef idx="0">
+            <a:scrgbClr r="0" g="0" b="0"/>
+          </a:lnRef>
+          <a:fillRef idx="1002">
+            <a:schemeClr val="lt2"/>
+          </a:fillRef>
+          <a:effectRef idx="0">
+            <a:scrgbClr r="0" g="0" b="0"/>
+          </a:effectRef>
+          <a:fontRef idx="major"/>
+        </p:style>
+        <p:txBody>
+          <a:bodyPr wrap="square" rtlCol="0">
+            <a:spAutoFit/>
+          </a:bodyPr>
+          <a:lstStyle/>
+          <a:p>
+            <a:r>
+              <a:rPr lang="es-MX" sz="1600" dirty="0" err="1" smtClean="0">
+                <a:solidFill>
+                  <a:schemeClr val="tx1">
+                    <a:lumMod val="75000"/>
+                    <a:lumOff val="25000"/>
+                  </a:schemeClr>
+                </a:solidFill>
+              </a:rPr>
+              <a:t>Mesh</a:t>
+            </a:r>
+            <a:r>
+              <a:rPr lang="es-MX" sz="1600" dirty="0" smtClean="0">
+                <a:solidFill>
+                  <a:schemeClr val="tx1">
+                    <a:lumMod val="75000"/>
+                    <a:lumOff val="25000"/>
+                  </a:schemeClr>
+                </a:solidFill>
+              </a:rPr>
+              <a:t> del álabe en </a:t>
+            </a:r>
+            <a:r>
+              <a:rPr lang="es-MX" sz="1600" dirty="0" err="1" smtClean="0">
+                <a:solidFill>
+                  <a:schemeClr val="tx1">
+                    <a:lumMod val="75000"/>
+                    <a:lumOff val="25000"/>
+                  </a:schemeClr>
+                </a:solidFill>
+              </a:rPr>
+              <a:t>Mechanical</a:t>
+            </a:r>
+            <a:r>
+              <a:rPr lang="es-MX" sz="1600" dirty="0" smtClean="0">
+                <a:solidFill>
+                  <a:schemeClr val="tx1">
+                    <a:lumMod val="75000"/>
+                    <a:lumOff val="25000"/>
+                  </a:schemeClr>
+                </a:solidFill>
+              </a:rPr>
+              <a:t>.</a:t>
+            </a:r>
+            <a:endParaRPr lang="es-MX" sz="1600" dirty="0">
+              <a:solidFill>
+                <a:schemeClr val="tx1">
+                  <a:lumMod val="75000"/>
+                  <a:lumOff val="25000"/>
+                </a:schemeClr>
+              </a:solidFill>
+            </a:endParaRPr>
+          </a:p>
+        </p:txBody>
+      </p:sp>
+      <p:pic>
+        <p:nvPicPr>
+          <p:cNvPr id="3" name="Picture 2"/>
+          <p:cNvPicPr>
+            <a:picLocks noChangeAspect="1"/>
+          </p:cNvPicPr>
+          <p:nvPr/>
+        </p:nvPicPr>
+        <p:blipFill>
+          <a:blip r:embed="rId2"/>
+          <a:stretch>
+            <a:fillRect/>
+          </a:stretch>
+        </p:blipFill>
+        <p:spPr>
+          <a:xfrm>
+            <a:off x="995545" y="2293720"/>
+            <a:ext cx="10350231" cy="3578417"/>
+          </a:xfrm>
+          <a:prstGeom prst="rect">
+            <a:avLst/>
+          </a:prstGeom>
+        </p:spPr>
+      </p:pic>
+    </p:spTree>
+    <p:extLst>
+      <p:ext uri="{BB962C8B-B14F-4D97-AF65-F5344CB8AC3E}">
+        <p14:creationId xmlns:p14="http://schemas.microsoft.com/office/powerpoint/2010/main" val="1343427816"/>
+      </p:ext>
+    </p:extLst>
+  </p:cSld>
+  <p:clrMapOvr>
+    <a:masterClrMapping/>
+  </p:clrMapOvr>
+</p:sld>
+</file>
+
+<file path=ppt/slides/slide25.xml><?xml version="1.0" encoding="utf-8"?>
+<p:sld xmlns:a="http://schemas.openxmlformats.org/drawingml/2006/main" xmlns:r="http://schemas.openxmlformats.org/officeDocument/2006/relationships" xmlns:p="http://schemas.openxmlformats.org/presentationml/2006/main">
+  <p:cSld>
+    <p:spTree>
+      <p:nvGrpSpPr>
+        <p:cNvPr id="1" name=""/>
+        <p:cNvGrpSpPr/>
+        <p:nvPr/>
+      </p:nvGrpSpPr>
+      <p:grpSpPr>
+        <a:xfrm>
+          <a:off x="0" y="0"/>
+          <a:ext cx="0" cy="0"/>
+          <a:chOff x="0" y="0"/>
+          <a:chExt cx="0" cy="0"/>
+        </a:xfrm>
+      </p:grpSpPr>
+      <p:sp>
+        <p:nvSpPr>
+          <p:cNvPr id="2" name="Title 1"/>
+          <p:cNvSpPr>
+            <a:spLocks noGrp="1"/>
+          </p:cNvSpPr>
+          <p:nvPr>
+            <p:ph type="title"/>
+          </p:nvPr>
+        </p:nvSpPr>
+        <p:spPr>
+          <a:xfrm>
+            <a:off x="1584338" y="712184"/>
+            <a:ext cx="8877474" cy="1047028"/>
+          </a:xfrm>
+        </p:spPr>
+        <p:txBody>
+          <a:bodyPr>
+            <a:normAutofit/>
+          </a:bodyPr>
+          <a:lstStyle/>
+          <a:p>
+            <a:r>
+              <a:rPr lang="es-MX" sz="2800" dirty="0"/>
+              <a:t>Resultados: </a:t>
+            </a:r>
+            <a:r>
+              <a:rPr lang="es-MX" sz="2800" dirty="0" smtClean="0"/>
+              <a:t>Análisis </a:t>
+            </a:r>
+            <a:r>
+              <a:rPr lang="es-MX" sz="2800" dirty="0" smtClean="0"/>
+              <a:t>Estructural</a:t>
             </a:r>
             <a:endParaRPr lang="en-US" sz="2800" dirty="0"/>
           </a:p>
@@ -36103,7 +35502,7 @@
             <a:pPr fontAlgn="auto"/>
             <a:r>
               <a:rPr lang="es-MX" sz="2400" b="1" dirty="0" smtClean="0"/>
-              <a:t>Modelado de Superficie</a:t>
+              <a:t>ACP(Post)</a:t>
             </a:r>
             <a:endParaRPr lang="es-MX" sz="2200" dirty="0" smtClean="0"/>
           </a:p>
@@ -36121,8 +35520,8 @@
         </p:nvSpPr>
         <p:spPr>
           <a:xfrm>
-            <a:off x="1288005" y="5192163"/>
-            <a:ext cx="10055060" cy="338554"/>
+            <a:off x="1388834" y="5772533"/>
+            <a:ext cx="10042266" cy="338554"/>
           </a:xfrm>
           <a:prstGeom prst="rect">
             <a:avLst/>
@@ -36168,10 +35567,34 @@
           </a:p>
         </p:txBody>
       </p:sp>
+      <p:pic>
+        <p:nvPicPr>
+          <p:cNvPr id="3" name="Picture 2"/>
+          <p:cNvPicPr>
+            <a:picLocks noChangeAspect="1"/>
+          </p:cNvPicPr>
+          <p:nvPr/>
+        </p:nvPicPr>
+        <p:blipFill>
+          <a:blip r:embed="rId2"/>
+          <a:stretch>
+            <a:fillRect/>
+          </a:stretch>
+        </p:blipFill>
+        <p:spPr>
+          <a:xfrm>
+            <a:off x="1388834" y="2152481"/>
+            <a:ext cx="10042266" cy="3620052"/>
+          </a:xfrm>
+          <a:prstGeom prst="rect">
+            <a:avLst/>
+          </a:prstGeom>
+        </p:spPr>
+      </p:pic>
     </p:spTree>
     <p:extLst>
       <p:ext uri="{BB962C8B-B14F-4D97-AF65-F5344CB8AC3E}">
-        <p14:creationId xmlns:p14="http://schemas.microsoft.com/office/powerpoint/2010/main" val="1343427816"/>
+        <p14:creationId xmlns:p14="http://schemas.microsoft.com/office/powerpoint/2010/main" val="3586862131"/>
       </p:ext>
     </p:extLst>
   </p:cSld>
@@ -36181,7 +35604,7 @@
 </p:sld>
 </file>
 
-<file path=ppt/slides/slide25.xml><?xml version="1.0" encoding="utf-8"?>
+<file path=ppt/slides/slide26.xml><?xml version="1.0" encoding="utf-8"?>
 <p:sld xmlns:a="http://schemas.openxmlformats.org/drawingml/2006/main" xmlns:r="http://schemas.openxmlformats.org/officeDocument/2006/relationships" xmlns:p="http://schemas.openxmlformats.org/presentationml/2006/main">
   <p:cSld>
     <p:spTree>
@@ -36226,7 +35649,11 @@
             </a:r>
             <a:r>
               <a:rPr lang="es-MX" sz="2800" dirty="0" smtClean="0"/>
-              <a:t>Análisis Energético</a:t>
+              <a:t>Análisis </a:t>
+            </a:r>
+            <a:r>
+              <a:rPr lang="es-MX" sz="2800" dirty="0" smtClean="0"/>
+              <a:t>Energético</a:t>
             </a:r>
             <a:endParaRPr lang="en-US" sz="2800" dirty="0"/>
           </a:p>
@@ -36475,7 +35902,7 @@
             <a:pPr fontAlgn="auto"/>
             <a:r>
               <a:rPr lang="es-MX" sz="2400" b="1" dirty="0" smtClean="0"/>
-              <a:t>Modelado de Superficie</a:t>
+              <a:t>TRNSYS</a:t>
             </a:r>
             <a:endParaRPr lang="es-MX" sz="2200" dirty="0" smtClean="0"/>
           </a:p>
@@ -36543,7 +35970,7 @@
     </p:spTree>
     <p:extLst>
       <p:ext uri="{BB962C8B-B14F-4D97-AF65-F5344CB8AC3E}">
-        <p14:creationId xmlns:p14="http://schemas.microsoft.com/office/powerpoint/2010/main" val="3586862131"/>
+        <p14:creationId xmlns:p14="http://schemas.microsoft.com/office/powerpoint/2010/main" val="3621068624"/>
       </p:ext>
     </p:extLst>
   </p:cSld>
@@ -36553,7 +35980,383 @@
 </p:sld>
 </file>
 
-<file path=ppt/slides/slide26.xml><?xml version="1.0" encoding="utf-8"?>
+<file path=ppt/slides/slide27.xml><?xml version="1.0" encoding="utf-8"?>
+<p:sld xmlns:a="http://schemas.openxmlformats.org/drawingml/2006/main" xmlns:r="http://schemas.openxmlformats.org/officeDocument/2006/relationships" xmlns:p="http://schemas.openxmlformats.org/presentationml/2006/main">
+  <p:cSld>
+    <p:spTree>
+      <p:nvGrpSpPr>
+        <p:cNvPr id="1" name=""/>
+        <p:cNvGrpSpPr/>
+        <p:nvPr/>
+      </p:nvGrpSpPr>
+      <p:grpSpPr>
+        <a:xfrm>
+          <a:off x="0" y="0"/>
+          <a:ext cx="0" cy="0"/>
+          <a:chOff x="0" y="0"/>
+          <a:chExt cx="0" cy="0"/>
+        </a:xfrm>
+      </p:grpSpPr>
+      <p:sp>
+        <p:nvSpPr>
+          <p:cNvPr id="2" name="Title 1"/>
+          <p:cNvSpPr>
+            <a:spLocks noGrp="1"/>
+          </p:cNvSpPr>
+          <p:nvPr>
+            <p:ph type="title"/>
+          </p:nvPr>
+        </p:nvSpPr>
+        <p:spPr>
+          <a:xfrm>
+            <a:off x="1584338" y="712184"/>
+            <a:ext cx="8877474" cy="1047028"/>
+          </a:xfrm>
+        </p:spPr>
+        <p:txBody>
+          <a:bodyPr>
+            <a:normAutofit/>
+          </a:bodyPr>
+          <a:lstStyle/>
+          <a:p>
+            <a:r>
+              <a:rPr lang="es-MX" sz="2800" dirty="0"/>
+              <a:t>Resultados: </a:t>
+            </a:r>
+            <a:r>
+              <a:rPr lang="es-MX" sz="2800" dirty="0" smtClean="0"/>
+              <a:t>Análisis </a:t>
+            </a:r>
+            <a:r>
+              <a:rPr lang="es-MX" sz="2800" dirty="0" smtClean="0"/>
+              <a:t>Energético</a:t>
+            </a:r>
+            <a:endParaRPr lang="en-US" sz="2800" dirty="0"/>
+          </a:p>
+        </p:txBody>
+      </p:sp>
+      <p:sp>
+        <p:nvSpPr>
+          <p:cNvPr id="8" name="Content Placeholder 2"/>
+          <p:cNvSpPr txBox="1">
+            <a:spLocks/>
+          </p:cNvSpPr>
+          <p:nvPr/>
+        </p:nvSpPr>
+        <p:spPr>
+          <a:xfrm>
+            <a:off x="1584338" y="1382695"/>
+            <a:ext cx="4367729" cy="513838"/>
+          </a:xfrm>
+          <a:prstGeom prst="rect">
+            <a:avLst/>
+          </a:prstGeom>
+        </p:spPr>
+        <p:txBody>
+          <a:bodyPr vert="horz" lIns="91440" tIns="45720" rIns="91440" bIns="45720" rtlCol="0">
+            <a:normAutofit/>
+          </a:bodyPr>
+          <a:lstStyle>
+            <a:lvl1pPr marL="342900" indent="-342900" algn="l" defTabSz="457200" rtl="0" eaLnBrk="1" latinLnBrk="0" hangingPunct="1">
+              <a:spcBef>
+                <a:spcPts val="1000"/>
+              </a:spcBef>
+              <a:spcAft>
+                <a:spcPts val="0"/>
+              </a:spcAft>
+              <a:buClr>
+                <a:schemeClr val="accent1"/>
+              </a:buClr>
+              <a:buFont typeface="Wingdings 3" charset="2"/>
+              <a:buChar char=""/>
+              <a:defRPr sz="1800" kern="1200">
+                <a:solidFill>
+                  <a:schemeClr val="tx1">
+                    <a:lumMod val="75000"/>
+                    <a:lumOff val="25000"/>
+                  </a:schemeClr>
+                </a:solidFill>
+                <a:latin typeface="+mn-lt"/>
+                <a:ea typeface="+mn-ea"/>
+                <a:cs typeface="+mn-cs"/>
+              </a:defRPr>
+            </a:lvl1pPr>
+            <a:lvl2pPr marL="742950" indent="-285750" algn="l" defTabSz="457200" rtl="0" eaLnBrk="1" latinLnBrk="0" hangingPunct="1">
+              <a:spcBef>
+                <a:spcPts val="1000"/>
+              </a:spcBef>
+              <a:spcAft>
+                <a:spcPts val="0"/>
+              </a:spcAft>
+              <a:buClr>
+                <a:schemeClr val="accent1"/>
+              </a:buClr>
+              <a:buFont typeface="Wingdings 3" charset="2"/>
+              <a:buChar char=""/>
+              <a:defRPr sz="1600" kern="1200">
+                <a:solidFill>
+                  <a:schemeClr val="tx1">
+                    <a:lumMod val="75000"/>
+                    <a:lumOff val="25000"/>
+                  </a:schemeClr>
+                </a:solidFill>
+                <a:latin typeface="+mn-lt"/>
+                <a:ea typeface="+mn-ea"/>
+                <a:cs typeface="+mn-cs"/>
+              </a:defRPr>
+            </a:lvl2pPr>
+            <a:lvl3pPr marL="1143000" indent="-228600" algn="l" defTabSz="457200" rtl="0" eaLnBrk="1" latinLnBrk="0" hangingPunct="1">
+              <a:spcBef>
+                <a:spcPts val="1000"/>
+              </a:spcBef>
+              <a:spcAft>
+                <a:spcPts val="0"/>
+              </a:spcAft>
+              <a:buClr>
+                <a:schemeClr val="accent1"/>
+              </a:buClr>
+              <a:buFont typeface="Wingdings 3" charset="2"/>
+              <a:buChar char=""/>
+              <a:defRPr sz="1400" kern="1200">
+                <a:solidFill>
+                  <a:schemeClr val="tx1">
+                    <a:lumMod val="75000"/>
+                    <a:lumOff val="25000"/>
+                  </a:schemeClr>
+                </a:solidFill>
+                <a:latin typeface="+mn-lt"/>
+                <a:ea typeface="+mn-ea"/>
+                <a:cs typeface="+mn-cs"/>
+              </a:defRPr>
+            </a:lvl3pPr>
+            <a:lvl4pPr marL="1600200" indent="-228600" algn="l" defTabSz="457200" rtl="0" eaLnBrk="1" latinLnBrk="0" hangingPunct="1">
+              <a:spcBef>
+                <a:spcPts val="1000"/>
+              </a:spcBef>
+              <a:spcAft>
+                <a:spcPts val="0"/>
+              </a:spcAft>
+              <a:buClr>
+                <a:schemeClr val="accent1"/>
+              </a:buClr>
+              <a:buFont typeface="Wingdings 3" charset="2"/>
+              <a:buChar char=""/>
+              <a:defRPr sz="1200" kern="1200">
+                <a:solidFill>
+                  <a:schemeClr val="tx1">
+                    <a:lumMod val="75000"/>
+                    <a:lumOff val="25000"/>
+                  </a:schemeClr>
+                </a:solidFill>
+                <a:latin typeface="+mn-lt"/>
+                <a:ea typeface="+mn-ea"/>
+                <a:cs typeface="+mn-cs"/>
+              </a:defRPr>
+            </a:lvl4pPr>
+            <a:lvl5pPr marL="2057400" indent="-228600" algn="l" defTabSz="457200" rtl="0" eaLnBrk="1" latinLnBrk="0" hangingPunct="1">
+              <a:spcBef>
+                <a:spcPts val="1000"/>
+              </a:spcBef>
+              <a:spcAft>
+                <a:spcPts val="0"/>
+              </a:spcAft>
+              <a:buClr>
+                <a:schemeClr val="accent1"/>
+              </a:buClr>
+              <a:buFont typeface="Wingdings 3" charset="2"/>
+              <a:buChar char=""/>
+              <a:defRPr sz="1200" kern="1200">
+                <a:solidFill>
+                  <a:schemeClr val="tx1">
+                    <a:lumMod val="75000"/>
+                    <a:lumOff val="25000"/>
+                  </a:schemeClr>
+                </a:solidFill>
+                <a:latin typeface="+mn-lt"/>
+                <a:ea typeface="+mn-ea"/>
+                <a:cs typeface="+mn-cs"/>
+              </a:defRPr>
+            </a:lvl5pPr>
+            <a:lvl6pPr marL="2514600" indent="-228600" algn="l" defTabSz="457200" rtl="0" eaLnBrk="1" latinLnBrk="0" hangingPunct="1">
+              <a:spcBef>
+                <a:spcPts val="1000"/>
+              </a:spcBef>
+              <a:spcAft>
+                <a:spcPts val="0"/>
+              </a:spcAft>
+              <a:buClr>
+                <a:schemeClr val="accent1"/>
+              </a:buClr>
+              <a:buFont typeface="Wingdings 3" charset="2"/>
+              <a:buChar char=""/>
+              <a:defRPr sz="1200" kern="1200">
+                <a:solidFill>
+                  <a:schemeClr val="tx1">
+                    <a:lumMod val="75000"/>
+                    <a:lumOff val="25000"/>
+                  </a:schemeClr>
+                </a:solidFill>
+                <a:latin typeface="+mn-lt"/>
+                <a:ea typeface="+mn-ea"/>
+                <a:cs typeface="+mn-cs"/>
+              </a:defRPr>
+            </a:lvl6pPr>
+            <a:lvl7pPr marL="2971800" indent="-228600" algn="l" defTabSz="457200" rtl="0" eaLnBrk="1" latinLnBrk="0" hangingPunct="1">
+              <a:spcBef>
+                <a:spcPts val="1000"/>
+              </a:spcBef>
+              <a:spcAft>
+                <a:spcPts val="0"/>
+              </a:spcAft>
+              <a:buClr>
+                <a:schemeClr val="accent1"/>
+              </a:buClr>
+              <a:buFont typeface="Wingdings 3" charset="2"/>
+              <a:buChar char=""/>
+              <a:defRPr sz="1200" kern="1200">
+                <a:solidFill>
+                  <a:schemeClr val="tx1">
+                    <a:lumMod val="75000"/>
+                    <a:lumOff val="25000"/>
+                  </a:schemeClr>
+                </a:solidFill>
+                <a:latin typeface="+mn-lt"/>
+                <a:ea typeface="+mn-ea"/>
+                <a:cs typeface="+mn-cs"/>
+              </a:defRPr>
+            </a:lvl7pPr>
+            <a:lvl8pPr marL="3429000" indent="-228600" algn="l" defTabSz="457200" rtl="0" eaLnBrk="1" latinLnBrk="0" hangingPunct="1">
+              <a:spcBef>
+                <a:spcPts val="1000"/>
+              </a:spcBef>
+              <a:spcAft>
+                <a:spcPts val="0"/>
+              </a:spcAft>
+              <a:buClr>
+                <a:schemeClr val="accent1"/>
+              </a:buClr>
+              <a:buFont typeface="Wingdings 3" charset="2"/>
+              <a:buChar char=""/>
+              <a:defRPr sz="1200" kern="1200">
+                <a:solidFill>
+                  <a:schemeClr val="tx1">
+                    <a:lumMod val="75000"/>
+                    <a:lumOff val="25000"/>
+                  </a:schemeClr>
+                </a:solidFill>
+                <a:latin typeface="+mn-lt"/>
+                <a:ea typeface="+mn-ea"/>
+                <a:cs typeface="+mn-cs"/>
+              </a:defRPr>
+            </a:lvl8pPr>
+            <a:lvl9pPr marL="3886200" indent="-228600" algn="l" defTabSz="457200" rtl="0" eaLnBrk="1" latinLnBrk="0" hangingPunct="1">
+              <a:spcBef>
+                <a:spcPts val="1000"/>
+              </a:spcBef>
+              <a:spcAft>
+                <a:spcPts val="0"/>
+              </a:spcAft>
+              <a:buClr>
+                <a:schemeClr val="accent1"/>
+              </a:buClr>
+              <a:buFont typeface="Wingdings 3" charset="2"/>
+              <a:buChar char=""/>
+              <a:defRPr sz="1200" kern="1200">
+                <a:solidFill>
+                  <a:schemeClr val="tx1">
+                    <a:lumMod val="75000"/>
+                    <a:lumOff val="25000"/>
+                  </a:schemeClr>
+                </a:solidFill>
+                <a:latin typeface="+mn-lt"/>
+                <a:ea typeface="+mn-ea"/>
+                <a:cs typeface="+mn-cs"/>
+              </a:defRPr>
+            </a:lvl9pPr>
+          </a:lstStyle>
+          <a:p>
+            <a:pPr fontAlgn="auto"/>
+            <a:r>
+              <a:rPr lang="es-MX" sz="2400" b="1" dirty="0" smtClean="0"/>
+              <a:t>TRNSYS</a:t>
+            </a:r>
+            <a:endParaRPr lang="es-MX" sz="2200" dirty="0" smtClean="0"/>
+          </a:p>
+          <a:p>
+            <a:pPr fontAlgn="auto"/>
+            <a:endParaRPr lang="es-MX" sz="2400" b="1" dirty="0" smtClean="0"/>
+          </a:p>
+        </p:txBody>
+      </p:sp>
+      <p:sp>
+        <p:nvSpPr>
+          <p:cNvPr id="11" name="CuadroTexto 6"/>
+          <p:cNvSpPr txBox="1"/>
+          <p:nvPr/>
+        </p:nvSpPr>
+        <p:spPr>
+          <a:xfrm>
+            <a:off x="1288005" y="5192163"/>
+            <a:ext cx="10055060" cy="338554"/>
+          </a:xfrm>
+          <a:prstGeom prst="rect">
+            <a:avLst/>
+          </a:prstGeom>
+        </p:spPr>
+        <p:style>
+          <a:lnRef idx="0">
+            <a:scrgbClr r="0" g="0" b="0"/>
+          </a:lnRef>
+          <a:fillRef idx="1002">
+            <a:schemeClr val="lt2"/>
+          </a:fillRef>
+          <a:effectRef idx="0">
+            <a:scrgbClr r="0" g="0" b="0"/>
+          </a:effectRef>
+          <a:fontRef idx="major"/>
+        </p:style>
+        <p:txBody>
+          <a:bodyPr wrap="square" rtlCol="0">
+            <a:spAutoFit/>
+          </a:bodyPr>
+          <a:lstStyle/>
+          <a:p>
+            <a:r>
+              <a:rPr lang="es-MX" sz="1600" dirty="0" smtClean="0">
+                <a:solidFill>
+                  <a:schemeClr val="tx1">
+                    <a:lumMod val="75000"/>
+                    <a:lumOff val="25000"/>
+                  </a:schemeClr>
+                </a:solidFill>
+              </a:rPr>
+              <a:t>Diseño de superficie en CATIA.</a:t>
+            </a:r>
+            <a:endParaRPr lang="es-MX" sz="1600" dirty="0">
+              <a:solidFill>
+                <a:schemeClr val="tx1">
+                  <a:lumMod val="75000"/>
+                  <a:lumOff val="25000"/>
+                </a:schemeClr>
+              </a:solidFill>
+            </a:endParaRPr>
+          </a:p>
+        </p:txBody>
+      </p:sp>
+    </p:spTree>
+    <p:extLst>
+      <p:ext uri="{BB962C8B-B14F-4D97-AF65-F5344CB8AC3E}">
+        <p14:creationId xmlns:p14="http://schemas.microsoft.com/office/powerpoint/2010/main" val="1644894796"/>
+      </p:ext>
+    </p:extLst>
+  </p:cSld>
+  <p:clrMapOvr>
+    <a:masterClrMapping/>
+  </p:clrMapOvr>
+</p:sld>
+</file>
+
+<file path=ppt/slides/slide28.xml><?xml version="1.0" encoding="utf-8"?>
 <p:sld xmlns:a="http://schemas.openxmlformats.org/drawingml/2006/main" xmlns:r="http://schemas.openxmlformats.org/officeDocument/2006/relationships" xmlns:p="http://schemas.openxmlformats.org/presentationml/2006/main">
   <p:cSld>
     <p:spTree>
@@ -37803,7 +37606,7 @@
 </p:sld>
 </file>
 
-<file path=ppt/slides/slide27.xml><?xml version="1.0" encoding="utf-8"?>
+<file path=ppt/slides/slide29.xml><?xml version="1.0" encoding="utf-8"?>
 <p:sld xmlns:a="http://schemas.openxmlformats.org/drawingml/2006/main" xmlns:r="http://schemas.openxmlformats.org/officeDocument/2006/relationships" xmlns:p="http://schemas.openxmlformats.org/presentationml/2006/main">
   <p:cSld>
     <p:spTree>
@@ -38901,7 +38704,251 @@
 </p:sld>
 </file>
 
-<file path=ppt/slides/slide28.xml><?xml version="1.0" encoding="utf-8"?>
+<file path=ppt/slides/slide3.xml><?xml version="1.0" encoding="utf-8"?>
+<p:sld xmlns:a="http://schemas.openxmlformats.org/drawingml/2006/main" xmlns:r="http://schemas.openxmlformats.org/officeDocument/2006/relationships" xmlns:p="http://schemas.openxmlformats.org/presentationml/2006/main">
+  <p:cSld>
+    <p:spTree>
+      <p:nvGrpSpPr>
+        <p:cNvPr id="1" name=""/>
+        <p:cNvGrpSpPr/>
+        <p:nvPr/>
+      </p:nvGrpSpPr>
+      <p:grpSpPr>
+        <a:xfrm>
+          <a:off x="0" y="0"/>
+          <a:ext cx="0" cy="0"/>
+          <a:chOff x="0" y="0"/>
+          <a:chExt cx="0" cy="0"/>
+        </a:xfrm>
+      </p:grpSpPr>
+      <p:sp>
+        <p:nvSpPr>
+          <p:cNvPr id="2" name="Title 1"/>
+          <p:cNvSpPr>
+            <a:spLocks noGrp="1"/>
+          </p:cNvSpPr>
+          <p:nvPr>
+            <p:ph type="title"/>
+          </p:nvPr>
+        </p:nvSpPr>
+        <p:spPr/>
+        <p:txBody>
+          <a:bodyPr/>
+          <a:lstStyle/>
+          <a:p>
+            <a:r>
+              <a:rPr lang="es-MX" dirty="0" smtClean="0"/>
+              <a:t>Contexto Global</a:t>
+            </a:r>
+            <a:endParaRPr lang="es-MX" dirty="0"/>
+          </a:p>
+        </p:txBody>
+      </p:sp>
+      <p:sp>
+        <p:nvSpPr>
+          <p:cNvPr id="4" name="Rectangle 1"/>
+          <p:cNvSpPr>
+            <a:spLocks noGrp="1" noChangeArrowheads="1"/>
+          </p:cNvSpPr>
+          <p:nvPr>
+            <p:ph idx="1"/>
+          </p:nvPr>
+        </p:nvSpPr>
+        <p:spPr bwMode="auto">
+          <a:xfrm>
+            <a:off x="1237205" y="1543286"/>
+            <a:ext cx="8888929" cy="3970318"/>
+          </a:xfrm>
+          <a:prstGeom prst="rect">
+            <a:avLst/>
+          </a:prstGeom>
+          <a:noFill/>
+          <a:ln>
+            <a:noFill/>
+          </a:ln>
+          <a:effectLst/>
+          <a:extLst>
+            <a:ext uri="{909E8E84-426E-40DD-AFC4-6F175D3DCCD1}">
+              <a14:hiddenFill xmlns:a14="http://schemas.microsoft.com/office/drawing/2010/main">
+                <a:solidFill>
+                  <a:schemeClr val="accent1"/>
+                </a:solidFill>
+              </a14:hiddenFill>
+            </a:ext>
+            <a:ext uri="{91240B29-F687-4F45-9708-019B960494DF}">
+              <a14:hiddenLine xmlns:a14="http://schemas.microsoft.com/office/drawing/2010/main" w="9525">
+                <a:solidFill>
+                  <a:schemeClr val="tx1"/>
+                </a:solidFill>
+                <a:miter lim="800000"/>
+                <a:headEnd/>
+                <a:tailEnd/>
+              </a14:hiddenLine>
+            </a:ext>
+            <a:ext uri="{AF507438-7753-43E0-B8FC-AC1667EBCBE1}">
+              <a14:hiddenEffects xmlns:a14="http://schemas.microsoft.com/office/drawing/2010/main">
+                <a:effectLst>
+                  <a:outerShdw dist="35921" dir="2700000" algn="ctr" rotWithShape="0">
+                    <a:schemeClr val="bg2"/>
+                  </a:outerShdw>
+                </a:effectLst>
+              </a14:hiddenEffects>
+            </a:ext>
+          </a:extLst>
+        </p:spPr>
+        <p:txBody>
+          <a:bodyPr vert="horz" wrap="square" lIns="91440" tIns="45720" rIns="91440" bIns="45720" numCol="1" anchor="ctr" anchorCtr="0" compatLnSpc="1">
+            <a:prstTxWarp prst="textNoShape">
+              <a:avLst/>
+            </a:prstTxWarp>
+            <a:spAutoFit/>
+          </a:bodyPr>
+          <a:lstStyle/>
+          <a:p>
+            <a:pPr marL="0" marR="0" lvl="0" indent="0" algn="just" defTabSz="914400" rtl="0" eaLnBrk="0" fontAlgn="base" latinLnBrk="0" hangingPunct="0">
+              <a:lnSpc>
+                <a:spcPct val="100000"/>
+              </a:lnSpc>
+              <a:spcBef>
+                <a:spcPct val="0"/>
+              </a:spcBef>
+              <a:spcAft>
+                <a:spcPct val="0"/>
+              </a:spcAft>
+              <a:buClrTx/>
+              <a:buSzTx/>
+              <a:buFontTx/>
+              <a:buNone/>
+              <a:tabLst/>
+            </a:pPr>
+            <a:r>
+              <a:rPr kumimoji="0" lang="es-MX" sz="2800" b="0" i="0" u="none" strike="noStrike" cap="none" normalizeH="0" baseline="0" dirty="0" smtClean="0">
+                <a:ln>
+                  <a:noFill/>
+                </a:ln>
+                <a:solidFill>
+                  <a:srgbClr val="222222"/>
+                </a:solidFill>
+                <a:effectLst/>
+                <a:latin typeface="Times New Roman" panose="02020603050405020304" pitchFamily="18" charset="0"/>
+                <a:ea typeface="SimSun" panose="02010600030101010101" pitchFamily="2" charset="-122"/>
+                <a:cs typeface="Times New Roman" panose="02020603050405020304" pitchFamily="18" charset="0"/>
+              </a:rPr>
+              <a:t>En los últimos años ha habido un notable crecimiento en la instalación de aerogeneradores de baja potencia, con una capacidad de generación global de 830MW para finales del 2014 según [1]</a:t>
+            </a:r>
+            <a:r>
+              <a:rPr kumimoji="0" lang="es-MX" sz="2800" b="0" i="0" u="none" strike="noStrike" cap="none" normalizeH="0" baseline="0" dirty="0" smtClean="0">
+                <a:ln>
+                  <a:noFill/>
+                </a:ln>
+                <a:solidFill>
+                  <a:schemeClr val="tx1"/>
+                </a:solidFill>
+                <a:effectLst/>
+                <a:latin typeface="Times New Roman" panose="02020603050405020304" pitchFamily="18" charset="0"/>
+                <a:ea typeface="Calibri" panose="020F0502020204030204" pitchFamily="34" charset="0"/>
+                <a:cs typeface="Times New Roman" panose="02020603050405020304" pitchFamily="18" charset="0"/>
+              </a:rPr>
+              <a:t>.</a:t>
+            </a:r>
+          </a:p>
+          <a:p>
+            <a:pPr marL="0" marR="0" lvl="0" indent="0" algn="just" defTabSz="914400" rtl="0" eaLnBrk="0" fontAlgn="base" latinLnBrk="0" hangingPunct="0">
+              <a:lnSpc>
+                <a:spcPct val="100000"/>
+              </a:lnSpc>
+              <a:spcBef>
+                <a:spcPct val="0"/>
+              </a:spcBef>
+              <a:spcAft>
+                <a:spcPct val="0"/>
+              </a:spcAft>
+              <a:buClrTx/>
+              <a:buSzTx/>
+              <a:buFontTx/>
+              <a:buNone/>
+              <a:tabLst/>
+            </a:pPr>
+            <a:endParaRPr lang="es-MX" sz="2800" dirty="0">
+              <a:solidFill>
+                <a:schemeClr val="tx1"/>
+              </a:solidFill>
+              <a:latin typeface="Times New Roman" panose="02020603050405020304" pitchFamily="18" charset="0"/>
+              <a:ea typeface="Calibri" panose="020F0502020204030204" pitchFamily="34" charset="0"/>
+              <a:cs typeface="Times New Roman" panose="02020603050405020304" pitchFamily="18" charset="0"/>
+            </a:endParaRPr>
+          </a:p>
+          <a:p>
+            <a:pPr marL="0" marR="0" lvl="0" indent="0" algn="just" defTabSz="914400" rtl="0" eaLnBrk="0" fontAlgn="base" latinLnBrk="0" hangingPunct="0">
+              <a:lnSpc>
+                <a:spcPct val="100000"/>
+              </a:lnSpc>
+              <a:spcBef>
+                <a:spcPct val="0"/>
+              </a:spcBef>
+              <a:spcAft>
+                <a:spcPct val="0"/>
+              </a:spcAft>
+              <a:buClrTx/>
+              <a:buSzTx/>
+              <a:buFontTx/>
+              <a:buNone/>
+              <a:tabLst/>
+            </a:pPr>
+            <a:r>
+              <a:rPr kumimoji="0" lang="es-MX" sz="2800" b="0" i="0" u="none" strike="noStrike" cap="none" normalizeH="0" baseline="0" dirty="0" smtClean="0">
+                <a:ln>
+                  <a:noFill/>
+                </a:ln>
+                <a:solidFill>
+                  <a:schemeClr val="tx1"/>
+                </a:solidFill>
+                <a:effectLst/>
+                <a:latin typeface="Times New Roman" panose="02020603050405020304" pitchFamily="18" charset="0"/>
+                <a:ea typeface="Calibri" panose="020F0502020204030204" pitchFamily="34" charset="0"/>
+                <a:cs typeface="Times New Roman" panose="02020603050405020304" pitchFamily="18" charset="0"/>
+              </a:rPr>
+              <a:t>También se estima que para el 2020 haya una capacidad instalada de 2000MW. Esta tendencia crea un pequeño mercado para la industria e investigación de pequeños aerogeneradores .</a:t>
+            </a:r>
+            <a:r>
+              <a:rPr kumimoji="0" lang="es-MX" sz="2800" b="0" i="0" u="none" strike="noStrike" cap="none" normalizeH="0" baseline="0" dirty="0" smtClean="0">
+                <a:ln>
+                  <a:noFill/>
+                </a:ln>
+                <a:solidFill>
+                  <a:schemeClr val="tx1"/>
+                </a:solidFill>
+                <a:effectLst/>
+              </a:rPr>
+              <a:t> </a:t>
+            </a:r>
+            <a:endParaRPr kumimoji="0" lang="es-MX" sz="2800" b="0" i="0" u="none" strike="noStrike" cap="none" normalizeH="0" baseline="0" dirty="0" smtClean="0">
+              <a:ln>
+                <a:noFill/>
+              </a:ln>
+              <a:solidFill>
+                <a:schemeClr val="tx1"/>
+              </a:solidFill>
+              <a:effectLst/>
+              <a:latin typeface="Arial" panose="020B0604020202020204" pitchFamily="34" charset="0"/>
+            </a:endParaRPr>
+          </a:p>
+        </p:txBody>
+      </p:sp>
+    </p:spTree>
+    <p:extLst>
+      <p:ext uri="{BB962C8B-B14F-4D97-AF65-F5344CB8AC3E}">
+        <p14:creationId xmlns:p14="http://schemas.microsoft.com/office/powerpoint/2010/main" val="1434721253"/>
+      </p:ext>
+    </p:extLst>
+  </p:cSld>
+  <p:clrMapOvr>
+    <a:masterClrMapping/>
+  </p:clrMapOvr>
+</p:sld>
+</file>
+
+<file path=ppt/slides/slide30.xml><?xml version="1.0" encoding="utf-8"?>
 <p:sld xmlns:a="http://schemas.openxmlformats.org/drawingml/2006/main" xmlns:r="http://schemas.openxmlformats.org/officeDocument/2006/relationships" xmlns:p="http://schemas.openxmlformats.org/presentationml/2006/main">
   <p:cSld>
     <p:spTree>
@@ -39288,7 +39335,7 @@
 </p:sld>
 </file>
 
-<file path=ppt/slides/slide29.xml><?xml version="1.0" encoding="utf-8"?>
+<file path=ppt/slides/slide31.xml><?xml version="1.0" encoding="utf-8"?>
 <p:sld xmlns:a="http://schemas.openxmlformats.org/drawingml/2006/main" xmlns:r="http://schemas.openxmlformats.org/officeDocument/2006/relationships" xmlns:p="http://schemas.openxmlformats.org/presentationml/2006/main">
   <p:cSld>
     <p:spTree>
@@ -39353,250 +39400,6 @@
       </p:par>
     </p:tnLst>
   </p:timing>
-</p:sld>
-</file>
-
-<file path=ppt/slides/slide3.xml><?xml version="1.0" encoding="utf-8"?>
-<p:sld xmlns:a="http://schemas.openxmlformats.org/drawingml/2006/main" xmlns:r="http://schemas.openxmlformats.org/officeDocument/2006/relationships" xmlns:p="http://schemas.openxmlformats.org/presentationml/2006/main">
-  <p:cSld>
-    <p:spTree>
-      <p:nvGrpSpPr>
-        <p:cNvPr id="1" name=""/>
-        <p:cNvGrpSpPr/>
-        <p:nvPr/>
-      </p:nvGrpSpPr>
-      <p:grpSpPr>
-        <a:xfrm>
-          <a:off x="0" y="0"/>
-          <a:ext cx="0" cy="0"/>
-          <a:chOff x="0" y="0"/>
-          <a:chExt cx="0" cy="0"/>
-        </a:xfrm>
-      </p:grpSpPr>
-      <p:sp>
-        <p:nvSpPr>
-          <p:cNvPr id="2" name="Title 1"/>
-          <p:cNvSpPr>
-            <a:spLocks noGrp="1"/>
-          </p:cNvSpPr>
-          <p:nvPr>
-            <p:ph type="title"/>
-          </p:nvPr>
-        </p:nvSpPr>
-        <p:spPr/>
-        <p:txBody>
-          <a:bodyPr/>
-          <a:lstStyle/>
-          <a:p>
-            <a:r>
-              <a:rPr lang="es-MX" dirty="0" smtClean="0"/>
-              <a:t>Contexto Global</a:t>
-            </a:r>
-            <a:endParaRPr lang="es-MX" dirty="0"/>
-          </a:p>
-        </p:txBody>
-      </p:sp>
-      <p:sp>
-        <p:nvSpPr>
-          <p:cNvPr id="4" name="Rectangle 1"/>
-          <p:cNvSpPr>
-            <a:spLocks noGrp="1" noChangeArrowheads="1"/>
-          </p:cNvSpPr>
-          <p:nvPr>
-            <p:ph idx="1"/>
-          </p:nvPr>
-        </p:nvSpPr>
-        <p:spPr bwMode="auto">
-          <a:xfrm>
-            <a:off x="1237205" y="1543286"/>
-            <a:ext cx="8888929" cy="3970318"/>
-          </a:xfrm>
-          <a:prstGeom prst="rect">
-            <a:avLst/>
-          </a:prstGeom>
-          <a:noFill/>
-          <a:ln>
-            <a:noFill/>
-          </a:ln>
-          <a:effectLst/>
-          <a:extLst>
-            <a:ext uri="{909E8E84-426E-40DD-AFC4-6F175D3DCCD1}">
-              <a14:hiddenFill xmlns:a14="http://schemas.microsoft.com/office/drawing/2010/main">
-                <a:solidFill>
-                  <a:schemeClr val="accent1"/>
-                </a:solidFill>
-              </a14:hiddenFill>
-            </a:ext>
-            <a:ext uri="{91240B29-F687-4F45-9708-019B960494DF}">
-              <a14:hiddenLine xmlns:a14="http://schemas.microsoft.com/office/drawing/2010/main" w="9525">
-                <a:solidFill>
-                  <a:schemeClr val="tx1"/>
-                </a:solidFill>
-                <a:miter lim="800000"/>
-                <a:headEnd/>
-                <a:tailEnd/>
-              </a14:hiddenLine>
-            </a:ext>
-            <a:ext uri="{AF507438-7753-43E0-B8FC-AC1667EBCBE1}">
-              <a14:hiddenEffects xmlns:a14="http://schemas.microsoft.com/office/drawing/2010/main">
-                <a:effectLst>
-                  <a:outerShdw dist="35921" dir="2700000" algn="ctr" rotWithShape="0">
-                    <a:schemeClr val="bg2"/>
-                  </a:outerShdw>
-                </a:effectLst>
-              </a14:hiddenEffects>
-            </a:ext>
-          </a:extLst>
-        </p:spPr>
-        <p:txBody>
-          <a:bodyPr vert="horz" wrap="square" lIns="91440" tIns="45720" rIns="91440" bIns="45720" numCol="1" anchor="ctr" anchorCtr="0" compatLnSpc="1">
-            <a:prstTxWarp prst="textNoShape">
-              <a:avLst/>
-            </a:prstTxWarp>
-            <a:spAutoFit/>
-          </a:bodyPr>
-          <a:lstStyle/>
-          <a:p>
-            <a:pPr marL="0" marR="0" lvl="0" indent="0" algn="just" defTabSz="914400" rtl="0" eaLnBrk="0" fontAlgn="base" latinLnBrk="0" hangingPunct="0">
-              <a:lnSpc>
-                <a:spcPct val="100000"/>
-              </a:lnSpc>
-              <a:spcBef>
-                <a:spcPct val="0"/>
-              </a:spcBef>
-              <a:spcAft>
-                <a:spcPct val="0"/>
-              </a:spcAft>
-              <a:buClrTx/>
-              <a:buSzTx/>
-              <a:buFontTx/>
-              <a:buNone/>
-              <a:tabLst/>
-            </a:pPr>
-            <a:r>
-              <a:rPr kumimoji="0" lang="es-MX" sz="2800" b="0" i="0" u="none" strike="noStrike" cap="none" normalizeH="0" baseline="0" dirty="0" smtClean="0">
-                <a:ln>
-                  <a:noFill/>
-                </a:ln>
-                <a:solidFill>
-                  <a:srgbClr val="222222"/>
-                </a:solidFill>
-                <a:effectLst/>
-                <a:latin typeface="Times New Roman" panose="02020603050405020304" pitchFamily="18" charset="0"/>
-                <a:ea typeface="SimSun" panose="02010600030101010101" pitchFamily="2" charset="-122"/>
-                <a:cs typeface="Times New Roman" panose="02020603050405020304" pitchFamily="18" charset="0"/>
-              </a:rPr>
-              <a:t>En los últimos años ha habido un notable crecimiento en la instalación de aerogeneradores de baja potencia, con una capacidad de generación global de 830MW para finales del 2014 según [1]</a:t>
-            </a:r>
-            <a:r>
-              <a:rPr kumimoji="0" lang="es-MX" sz="2800" b="0" i="0" u="none" strike="noStrike" cap="none" normalizeH="0" baseline="0" dirty="0" smtClean="0">
-                <a:ln>
-                  <a:noFill/>
-                </a:ln>
-                <a:solidFill>
-                  <a:schemeClr val="tx1"/>
-                </a:solidFill>
-                <a:effectLst/>
-                <a:latin typeface="Times New Roman" panose="02020603050405020304" pitchFamily="18" charset="0"/>
-                <a:ea typeface="Calibri" panose="020F0502020204030204" pitchFamily="34" charset="0"/>
-                <a:cs typeface="Times New Roman" panose="02020603050405020304" pitchFamily="18" charset="0"/>
-              </a:rPr>
-              <a:t>.</a:t>
-            </a:r>
-          </a:p>
-          <a:p>
-            <a:pPr marL="0" marR="0" lvl="0" indent="0" algn="just" defTabSz="914400" rtl="0" eaLnBrk="0" fontAlgn="base" latinLnBrk="0" hangingPunct="0">
-              <a:lnSpc>
-                <a:spcPct val="100000"/>
-              </a:lnSpc>
-              <a:spcBef>
-                <a:spcPct val="0"/>
-              </a:spcBef>
-              <a:spcAft>
-                <a:spcPct val="0"/>
-              </a:spcAft>
-              <a:buClrTx/>
-              <a:buSzTx/>
-              <a:buFontTx/>
-              <a:buNone/>
-              <a:tabLst/>
-            </a:pPr>
-            <a:endParaRPr lang="es-MX" sz="2800" dirty="0">
-              <a:solidFill>
-                <a:schemeClr val="tx1"/>
-              </a:solidFill>
-              <a:latin typeface="Times New Roman" panose="02020603050405020304" pitchFamily="18" charset="0"/>
-              <a:ea typeface="Calibri" panose="020F0502020204030204" pitchFamily="34" charset="0"/>
-              <a:cs typeface="Times New Roman" panose="02020603050405020304" pitchFamily="18" charset="0"/>
-            </a:endParaRPr>
-          </a:p>
-          <a:p>
-            <a:pPr marL="0" marR="0" lvl="0" indent="0" algn="just" defTabSz="914400" rtl="0" eaLnBrk="0" fontAlgn="base" latinLnBrk="0" hangingPunct="0">
-              <a:lnSpc>
-                <a:spcPct val="100000"/>
-              </a:lnSpc>
-              <a:spcBef>
-                <a:spcPct val="0"/>
-              </a:spcBef>
-              <a:spcAft>
-                <a:spcPct val="0"/>
-              </a:spcAft>
-              <a:buClrTx/>
-              <a:buSzTx/>
-              <a:buFontTx/>
-              <a:buNone/>
-              <a:tabLst/>
-            </a:pPr>
-            <a:r>
-              <a:rPr kumimoji="0" lang="es-MX" sz="2800" b="0" i="0" u="none" strike="noStrike" cap="none" normalizeH="0" baseline="0" dirty="0" smtClean="0">
-                <a:ln>
-                  <a:noFill/>
-                </a:ln>
-                <a:solidFill>
-                  <a:schemeClr val="tx1"/>
-                </a:solidFill>
-                <a:effectLst/>
-                <a:latin typeface="Times New Roman" panose="02020603050405020304" pitchFamily="18" charset="0"/>
-                <a:ea typeface="Calibri" panose="020F0502020204030204" pitchFamily="34" charset="0"/>
-                <a:cs typeface="Times New Roman" panose="02020603050405020304" pitchFamily="18" charset="0"/>
-              </a:rPr>
-              <a:t>También se estima que para el 2020 haya una capacidad instalada de 2000MW. Esta tendencia crea un pequeño mercado para la industria e investigación de pequeños aerogeneradores .</a:t>
-            </a:r>
-            <a:r>
-              <a:rPr kumimoji="0" lang="es-MX" sz="2800" b="0" i="0" u="none" strike="noStrike" cap="none" normalizeH="0" baseline="0" dirty="0" smtClean="0">
-                <a:ln>
-                  <a:noFill/>
-                </a:ln>
-                <a:solidFill>
-                  <a:schemeClr val="tx1"/>
-                </a:solidFill>
-                <a:effectLst/>
-              </a:rPr>
-              <a:t> </a:t>
-            </a:r>
-            <a:endParaRPr kumimoji="0" lang="es-MX" sz="2800" b="0" i="0" u="none" strike="noStrike" cap="none" normalizeH="0" baseline="0" dirty="0" smtClean="0">
-              <a:ln>
-                <a:noFill/>
-              </a:ln>
-              <a:solidFill>
-                <a:schemeClr val="tx1"/>
-              </a:solidFill>
-              <a:effectLst/>
-              <a:latin typeface="Arial" panose="020B0604020202020204" pitchFamily="34" charset="0"/>
-            </a:endParaRPr>
-          </a:p>
-        </p:txBody>
-      </p:sp>
-    </p:spTree>
-    <p:extLst>
-      <p:ext uri="{BB962C8B-B14F-4D97-AF65-F5344CB8AC3E}">
-        <p14:creationId xmlns:p14="http://schemas.microsoft.com/office/powerpoint/2010/main" val="1434721253"/>
-      </p:ext>
-    </p:extLst>
-  </p:cSld>
-  <p:clrMapOvr>
-    <a:masterClrMapping/>
-  </p:clrMapOvr>
 </p:sld>
 </file>
 
@@ -39729,13 +39532,8 @@
             </a:r>
             <a:r>
               <a:rPr lang="es-ES" dirty="0" smtClean="0"/>
-              <a:t>Tehuantepec </a:t>
+              <a:t>Tehuantepec [2].</a:t>
             </a:r>
-            <a:r>
-              <a:rPr lang="es-ES" dirty="0" smtClean="0"/>
-              <a:t>[2].</a:t>
-            </a:r>
-            <a:endParaRPr lang="es-ES" dirty="0" smtClean="0"/>
           </a:p>
           <a:p>
             <a:endParaRPr lang="es-MX" dirty="0" smtClean="0"/>
@@ -39759,13 +39557,8 @@
             </a:r>
             <a:r>
               <a:rPr lang="es-MX" dirty="0" smtClean="0"/>
-              <a:t>plazo </a:t>
+              <a:t>plazo [2].</a:t>
             </a:r>
-            <a:r>
-              <a:rPr lang="es-MX" dirty="0" smtClean="0"/>
-              <a:t>[2].</a:t>
-            </a:r>
-            <a:endParaRPr lang="es-MX" dirty="0" smtClean="0"/>
           </a:p>
           <a:p>
             <a:endParaRPr lang="es-MX" dirty="0" smtClean="0"/>
@@ -39781,11 +39574,7 @@
             </a:r>
             <a:r>
               <a:rPr lang="es-MX" dirty="0" smtClean="0"/>
-              <a:t>Norte </a:t>
-            </a:r>
-            <a:r>
-              <a:rPr lang="es-MX" dirty="0" smtClean="0"/>
-              <a:t>[3].</a:t>
+              <a:t>Norte [3].</a:t>
             </a:r>
             <a:endParaRPr lang="en-US" dirty="0"/>
           </a:p>
@@ -39936,11 +39725,7 @@
             </a:pPr>
             <a:r>
               <a:rPr lang="es-MX" dirty="0"/>
-              <a:t>Aerodinámica: </a:t>
-            </a:r>
-            <a:r>
-              <a:rPr lang="es-MX" dirty="0"/>
-              <a:t>Á</a:t>
+              <a:t>Aerodinámica: Á</a:t>
             </a:r>
             <a:r>
               <a:rPr lang="es-MX" dirty="0" smtClean="0"/>
@@ -40112,15 +39897,7 @@
           <a:p>
             <a:r>
               <a:rPr lang="es-MX" altLang="en-US" sz="2400" dirty="0" smtClean="0"/>
-              <a:t>Diseñar un perfil alar con materiales compuestos para un </a:t>
-            </a:r>
-            <a:r>
-              <a:rPr lang="es-MX" altLang="en-US" sz="2400" dirty="0" smtClean="0"/>
-              <a:t>pequeño aerogenerador por </a:t>
-            </a:r>
-            <a:r>
-              <a:rPr lang="es-MX" altLang="en-US" sz="2400" dirty="0" smtClean="0"/>
-              <a:t>medio un análisis teórico y experimental.</a:t>
+              <a:t>Diseñar un perfil alar con materiales compuestos para un pequeño aerogenerador por medio un análisis teórico y experimental.</a:t>
             </a:r>
           </a:p>
           <a:p>
@@ -40170,18 +39947,7 @@
                   </a:schemeClr>
                 </a:solidFill>
               </a:rPr>
-              <a:t>Álabe con perfil alar </a:t>
-            </a:r>
-            <a:r>
-              <a:rPr lang="es-MX" dirty="0" smtClean="0">
-                <a:solidFill>
-                  <a:schemeClr val="tx1">
-                    <a:lumMod val="75000"/>
-                    <a:lumOff val="25000"/>
-                  </a:schemeClr>
-                </a:solidFill>
-              </a:rPr>
-              <a:t>A18.</a:t>
+              <a:t>Álabe con perfil alar A18.</a:t>
             </a:r>
             <a:endParaRPr lang="es-MX" dirty="0">
               <a:solidFill>

--- a/Protocolo de Tesis Presentación.pptx
+++ b/Protocolo de Tesis Presentación.pptx
@@ -36,8 +36,8 @@
     <p:sldId id="301" r:id="rId24"/>
     <p:sldId id="302" r:id="rId25"/>
     <p:sldId id="303" r:id="rId26"/>
-    <p:sldId id="304" r:id="rId27"/>
-    <p:sldId id="305" r:id="rId28"/>
+    <p:sldId id="306" r:id="rId27"/>
+    <p:sldId id="307" r:id="rId28"/>
     <p:sldId id="272" r:id="rId29"/>
     <p:sldId id="274" r:id="rId30"/>
     <p:sldId id="285" r:id="rId31"/>
@@ -2815,19 +2815,19 @@
     </dgm:pt>
   </dgm:ptLst>
   <dgm:cxnLst>
+    <dgm:cxn modelId="{746DC728-F76D-4897-8A03-70FAE666723F}" type="presOf" srcId="{AF735B30-CD34-49C3-97C0-166317D2354D}" destId="{2F234A5A-6ACA-4FEF-9B57-D1213649BED0}" srcOrd="0" destOrd="0" presId="urn:microsoft.com/office/officeart/2005/8/layout/chevron2"/>
     <dgm:cxn modelId="{4E4DD4E1-E8DB-4F78-BE7E-95DD19C7279F}" type="presOf" srcId="{DE024961-9615-483E-89F5-92C186AE0919}" destId="{357CBC3D-553C-491E-82BD-A6C720542F40}" srcOrd="0" destOrd="0" presId="urn:microsoft.com/office/officeart/2005/8/layout/chevron2"/>
+    <dgm:cxn modelId="{B5BDF68A-9201-413C-897A-533C77F4FFE7}" srcId="{0E3C8A00-A440-47EB-9F65-A1BACC05812C}" destId="{CEDA5D83-4C6A-4C0D-B5AD-8FA1314B91DD}" srcOrd="0" destOrd="0" parTransId="{BC75E0E3-9582-4135-9A61-F4A69717AB8F}" sibTransId="{36D542E0-73D8-4187-BF82-F3431FA139BF}"/>
+    <dgm:cxn modelId="{FD34475D-C92B-4B1E-B89D-0D0E8152F1AB}" srcId="{DE024961-9615-483E-89F5-92C186AE0919}" destId="{AF735B30-CD34-49C3-97C0-166317D2354D}" srcOrd="0" destOrd="0" parTransId="{81FD01DC-6E3A-4E58-B313-36BD1AE32727}" sibTransId="{951C950A-37C5-479C-B251-E7FF2CE66627}"/>
+    <dgm:cxn modelId="{3BB5AFCF-FC58-4384-AF04-36A34E35F7E4}" srcId="{5305C334-1C9C-4A19-9326-3647F6CBF35C}" destId="{DE024961-9615-483E-89F5-92C186AE0919}" srcOrd="0" destOrd="0" parTransId="{ADA45BBA-1D4D-41E9-9AE2-3CD503352FCB}" sibTransId="{588A164D-987D-4C2A-857C-7D8D102708FB}"/>
+    <dgm:cxn modelId="{7B0FAEFE-3ADE-4FAE-AD05-B5B44C39061F}" type="presOf" srcId="{1DB2708B-DA11-468D-A3BD-094ACBAD6105}" destId="{83432707-518E-40FF-AE01-D74C3AB2F9EC}" srcOrd="0" destOrd="0" presId="urn:microsoft.com/office/officeart/2005/8/layout/chevron2"/>
+    <dgm:cxn modelId="{11E6D45E-F42C-4EC2-A637-CF98A7460216}" type="presOf" srcId="{5305C334-1C9C-4A19-9326-3647F6CBF35C}" destId="{1900A09A-5F24-4D5E-BA08-9601986E7B10}" srcOrd="0" destOrd="0" presId="urn:microsoft.com/office/officeart/2005/8/layout/chevron2"/>
+    <dgm:cxn modelId="{602B12AD-2AAD-4399-AEC4-F455F2B1FA41}" srcId="{5305C334-1C9C-4A19-9326-3647F6CBF35C}" destId="{3E7388B9-A84D-4777-BEF3-2AC8066DC373}" srcOrd="1" destOrd="0" parTransId="{5F241710-D45D-4B4B-B813-CE690CD121CD}" sibTransId="{47F6AE85-7D21-4182-BCA6-96D9CCFE2BA1}"/>
+    <dgm:cxn modelId="{02A598F5-140C-49F8-90A6-A405B22D34C1}" srcId="{5305C334-1C9C-4A19-9326-3647F6CBF35C}" destId="{0E3C8A00-A440-47EB-9F65-A1BACC05812C}" srcOrd="2" destOrd="0" parTransId="{5E988C48-AA64-455C-A928-F37B3019318D}" sibTransId="{D08B5808-C97D-4856-B95A-B4A84F04C125}"/>
+    <dgm:cxn modelId="{ACA19765-F563-4E52-AB0A-7217700D1320}" type="presOf" srcId="{CEDA5D83-4C6A-4C0D-B5AD-8FA1314B91DD}" destId="{9A79D5C2-1108-4459-8143-1C6AD5D9CF26}" srcOrd="0" destOrd="0" presId="urn:microsoft.com/office/officeart/2005/8/layout/chevron2"/>
     <dgm:cxn modelId="{C16D1047-EB79-4AB4-BC42-9E5CC659642B}" srcId="{3E7388B9-A84D-4777-BEF3-2AC8066DC373}" destId="{1DB2708B-DA11-468D-A3BD-094ACBAD6105}" srcOrd="0" destOrd="0" parTransId="{3A4F45FD-5B9A-46D7-B456-E863F05D646A}" sibTransId="{29C72806-EFCB-49EE-B063-982F0E939711}"/>
-    <dgm:cxn modelId="{746DC728-F76D-4897-8A03-70FAE666723F}" type="presOf" srcId="{AF735B30-CD34-49C3-97C0-166317D2354D}" destId="{2F234A5A-6ACA-4FEF-9B57-D1213649BED0}" srcOrd="0" destOrd="0" presId="urn:microsoft.com/office/officeart/2005/8/layout/chevron2"/>
+    <dgm:cxn modelId="{D44A5CB3-975F-4BBE-B4BB-EC39649ACA4B}" type="presOf" srcId="{0E3C8A00-A440-47EB-9F65-A1BACC05812C}" destId="{43D8957A-E9FB-4ECB-A1AA-7FD9EB27A764}" srcOrd="0" destOrd="0" presId="urn:microsoft.com/office/officeart/2005/8/layout/chevron2"/>
     <dgm:cxn modelId="{91AA0547-3BE7-4DA4-8FB4-F76AD76C8F4D}" type="presOf" srcId="{3E7388B9-A84D-4777-BEF3-2AC8066DC373}" destId="{CB6402E7-4407-40F1-9F38-0228A82C2393}" srcOrd="0" destOrd="0" presId="urn:microsoft.com/office/officeart/2005/8/layout/chevron2"/>
-    <dgm:cxn modelId="{ACA19765-F563-4E52-AB0A-7217700D1320}" type="presOf" srcId="{CEDA5D83-4C6A-4C0D-B5AD-8FA1314B91DD}" destId="{9A79D5C2-1108-4459-8143-1C6AD5D9CF26}" srcOrd="0" destOrd="0" presId="urn:microsoft.com/office/officeart/2005/8/layout/chevron2"/>
-    <dgm:cxn modelId="{602B12AD-2AAD-4399-AEC4-F455F2B1FA41}" srcId="{5305C334-1C9C-4A19-9326-3647F6CBF35C}" destId="{3E7388B9-A84D-4777-BEF3-2AC8066DC373}" srcOrd="1" destOrd="0" parTransId="{5F241710-D45D-4B4B-B813-CE690CD121CD}" sibTransId="{47F6AE85-7D21-4182-BCA6-96D9CCFE2BA1}"/>
-    <dgm:cxn modelId="{7B0FAEFE-3ADE-4FAE-AD05-B5B44C39061F}" type="presOf" srcId="{1DB2708B-DA11-468D-A3BD-094ACBAD6105}" destId="{83432707-518E-40FF-AE01-D74C3AB2F9EC}" srcOrd="0" destOrd="0" presId="urn:microsoft.com/office/officeart/2005/8/layout/chevron2"/>
-    <dgm:cxn modelId="{D44A5CB3-975F-4BBE-B4BB-EC39649ACA4B}" type="presOf" srcId="{0E3C8A00-A440-47EB-9F65-A1BACC05812C}" destId="{43D8957A-E9FB-4ECB-A1AA-7FD9EB27A764}" srcOrd="0" destOrd="0" presId="urn:microsoft.com/office/officeart/2005/8/layout/chevron2"/>
-    <dgm:cxn modelId="{3BB5AFCF-FC58-4384-AF04-36A34E35F7E4}" srcId="{5305C334-1C9C-4A19-9326-3647F6CBF35C}" destId="{DE024961-9615-483E-89F5-92C186AE0919}" srcOrd="0" destOrd="0" parTransId="{ADA45BBA-1D4D-41E9-9AE2-3CD503352FCB}" sibTransId="{588A164D-987D-4C2A-857C-7D8D102708FB}"/>
-    <dgm:cxn modelId="{11E6D45E-F42C-4EC2-A637-CF98A7460216}" type="presOf" srcId="{5305C334-1C9C-4A19-9326-3647F6CBF35C}" destId="{1900A09A-5F24-4D5E-BA08-9601986E7B10}" srcOrd="0" destOrd="0" presId="urn:microsoft.com/office/officeart/2005/8/layout/chevron2"/>
-    <dgm:cxn modelId="{02A598F5-140C-49F8-90A6-A405B22D34C1}" srcId="{5305C334-1C9C-4A19-9326-3647F6CBF35C}" destId="{0E3C8A00-A440-47EB-9F65-A1BACC05812C}" srcOrd="2" destOrd="0" parTransId="{5E988C48-AA64-455C-A928-F37B3019318D}" sibTransId="{D08B5808-C97D-4856-B95A-B4A84F04C125}"/>
-    <dgm:cxn modelId="{FD34475D-C92B-4B1E-B89D-0D0E8152F1AB}" srcId="{DE024961-9615-483E-89F5-92C186AE0919}" destId="{AF735B30-CD34-49C3-97C0-166317D2354D}" srcOrd="0" destOrd="0" parTransId="{81FD01DC-6E3A-4E58-B313-36BD1AE32727}" sibTransId="{951C950A-37C5-479C-B251-E7FF2CE66627}"/>
-    <dgm:cxn modelId="{B5BDF68A-9201-413C-897A-533C77F4FFE7}" srcId="{0E3C8A00-A440-47EB-9F65-A1BACC05812C}" destId="{CEDA5D83-4C6A-4C0D-B5AD-8FA1314B91DD}" srcOrd="0" destOrd="0" parTransId="{BC75E0E3-9582-4135-9A61-F4A69717AB8F}" sibTransId="{36D542E0-73D8-4187-BF82-F3431FA139BF}"/>
     <dgm:cxn modelId="{5F2C2434-6468-4A5B-9E42-D6EBE37DD389}" type="presParOf" srcId="{1900A09A-5F24-4D5E-BA08-9601986E7B10}" destId="{F6FB5DD9-F405-4F84-B35C-A1F728E453AE}" srcOrd="0" destOrd="0" presId="urn:microsoft.com/office/officeart/2005/8/layout/chevron2"/>
     <dgm:cxn modelId="{C421CEC0-F4A6-4864-A6C9-8338AD1931BF}" type="presParOf" srcId="{F6FB5DD9-F405-4F84-B35C-A1F728E453AE}" destId="{357CBC3D-553C-491E-82BD-A6C720542F40}" srcOrd="0" destOrd="0" presId="urn:microsoft.com/office/officeart/2005/8/layout/chevron2"/>
     <dgm:cxn modelId="{1BC6E5AC-95F2-4667-B2E3-881D1931D323}" type="presParOf" srcId="{F6FB5DD9-F405-4F84-B35C-A1F728E453AE}" destId="{2F234A5A-6ACA-4FEF-9B57-D1213649BED0}" srcOrd="1" destOrd="0" presId="urn:microsoft.com/office/officeart/2005/8/layout/chevron2"/>
@@ -6679,6 +6679,482 @@
       <dsp:cNvGrpSpPr/>
     </dsp:nvGrpSpPr>
     <dsp:grpSpPr/>
+    <dsp:sp modelId="{357CBC3D-553C-491E-82BD-A6C720542F40}">
+      <dsp:nvSpPr>
+        <dsp:cNvPr id="0" name=""/>
+        <dsp:cNvSpPr/>
+      </dsp:nvSpPr>
+      <dsp:spPr>
+        <a:xfrm rot="5400000">
+          <a:off x="-244313" y="247237"/>
+          <a:ext cx="1628754" cy="1140127"/>
+        </a:xfrm>
+        <a:prstGeom prst="chevron">
+          <a:avLst/>
+        </a:prstGeom>
+        <a:solidFill>
+          <a:schemeClr val="accent1">
+            <a:hueOff val="0"/>
+            <a:satOff val="0"/>
+            <a:lumOff val="0"/>
+            <a:alphaOff val="0"/>
+          </a:schemeClr>
+        </a:solidFill>
+        <a:ln w="15875" cap="rnd" cmpd="sng" algn="ctr">
+          <a:solidFill>
+            <a:schemeClr val="accent1">
+              <a:hueOff val="0"/>
+              <a:satOff val="0"/>
+              <a:lumOff val="0"/>
+              <a:alphaOff val="0"/>
+            </a:schemeClr>
+          </a:solidFill>
+          <a:prstDash val="solid"/>
+        </a:ln>
+        <a:effectLst/>
+      </dsp:spPr>
+      <dsp:style>
+        <a:lnRef idx="2">
+          <a:scrgbClr r="0" g="0" b="0"/>
+        </a:lnRef>
+        <a:fillRef idx="1">
+          <a:scrgbClr r="0" g="0" b="0"/>
+        </a:fillRef>
+        <a:effectRef idx="0">
+          <a:scrgbClr r="0" g="0" b="0"/>
+        </a:effectRef>
+        <a:fontRef idx="minor">
+          <a:schemeClr val="lt1"/>
+        </a:fontRef>
+      </dsp:style>
+      <dsp:txBody>
+        <a:bodyPr spcFirstLastPara="0" vert="horz" wrap="square" lIns="19685" tIns="19685" rIns="19685" bIns="19685" numCol="1" spcCol="1270" anchor="ctr" anchorCtr="0">
+          <a:noAutofit/>
+        </a:bodyPr>
+        <a:lstStyle/>
+        <a:p>
+          <a:pPr lvl="0" algn="ctr" defTabSz="1377950">
+            <a:lnSpc>
+              <a:spcPct val="90000"/>
+            </a:lnSpc>
+            <a:spcBef>
+              <a:spcPct val="0"/>
+            </a:spcBef>
+            <a:spcAft>
+              <a:spcPct val="35000"/>
+            </a:spcAft>
+          </a:pPr>
+          <a:r>
+            <a:rPr lang="es-MX" sz="3100" kern="1200" dirty="0" smtClean="0"/>
+            <a:t>1</a:t>
+          </a:r>
+          <a:endParaRPr lang="es-MX" sz="3100" kern="1200" dirty="0"/>
+        </a:p>
+      </dsp:txBody>
+      <dsp:txXfrm rot="-5400000">
+        <a:off x="1" y="572988"/>
+        <a:ext cx="1140127" cy="488627"/>
+      </dsp:txXfrm>
+    </dsp:sp>
+    <dsp:sp modelId="{2F234A5A-6ACA-4FEF-9B57-D1213649BED0}">
+      <dsp:nvSpPr>
+        <dsp:cNvPr id="0" name=""/>
+        <dsp:cNvSpPr/>
+      </dsp:nvSpPr>
+      <dsp:spPr>
+        <a:xfrm rot="5400000">
+          <a:off x="4802894" y="-3659842"/>
+          <a:ext cx="1058690" cy="8384224"/>
+        </a:xfrm>
+        <a:prstGeom prst="round2SameRect">
+          <a:avLst/>
+        </a:prstGeom>
+        <a:solidFill>
+          <a:schemeClr val="lt1">
+            <a:alpha val="90000"/>
+            <a:hueOff val="0"/>
+            <a:satOff val="0"/>
+            <a:lumOff val="0"/>
+            <a:alphaOff val="0"/>
+          </a:schemeClr>
+        </a:solidFill>
+        <a:ln w="15875" cap="rnd" cmpd="sng" algn="ctr">
+          <a:solidFill>
+            <a:schemeClr val="accent1">
+              <a:hueOff val="0"/>
+              <a:satOff val="0"/>
+              <a:lumOff val="0"/>
+              <a:alphaOff val="0"/>
+            </a:schemeClr>
+          </a:solidFill>
+          <a:prstDash val="solid"/>
+        </a:ln>
+        <a:effectLst/>
+      </dsp:spPr>
+      <dsp:style>
+        <a:lnRef idx="2">
+          <a:scrgbClr r="0" g="0" b="0"/>
+        </a:lnRef>
+        <a:fillRef idx="1">
+          <a:scrgbClr r="0" g="0" b="0"/>
+        </a:fillRef>
+        <a:effectRef idx="0">
+          <a:scrgbClr r="0" g="0" b="0"/>
+        </a:effectRef>
+        <a:fontRef idx="minor"/>
+      </dsp:style>
+      <dsp:txBody>
+        <a:bodyPr spcFirstLastPara="0" vert="horz" wrap="square" lIns="128016" tIns="11430" rIns="11430" bIns="11430" numCol="1" spcCol="1270" anchor="ctr" anchorCtr="0">
+          <a:noAutofit/>
+        </a:bodyPr>
+        <a:lstStyle/>
+        <a:p>
+          <a:pPr marL="171450" lvl="1" indent="-171450" algn="l" defTabSz="800100">
+            <a:lnSpc>
+              <a:spcPct val="90000"/>
+            </a:lnSpc>
+            <a:spcBef>
+              <a:spcPct val="0"/>
+            </a:spcBef>
+            <a:spcAft>
+              <a:spcPct val="15000"/>
+            </a:spcAft>
+            <a:buChar char="••"/>
+          </a:pPr>
+          <a:r>
+            <a:rPr lang="es-MX" altLang="en-US" sz="1800" kern="1200" dirty="0" smtClean="0">
+              <a:solidFill>
+                <a:schemeClr val="tx1">
+                  <a:lumMod val="75000"/>
+                  <a:lumOff val="25000"/>
+                </a:schemeClr>
+              </a:solidFill>
+            </a:rPr>
+            <a:t>Investigar los diferentes perfiles alares más usuales en el mercado para los SWT, y los materiales para su fabricación.</a:t>
+          </a:r>
+          <a:endParaRPr lang="es-MX" sz="1800" kern="1200" dirty="0"/>
+        </a:p>
+      </dsp:txBody>
+      <dsp:txXfrm rot="-5400000">
+        <a:off x="1140128" y="54605"/>
+        <a:ext cx="8332543" cy="955328"/>
+      </dsp:txXfrm>
+    </dsp:sp>
+    <dsp:sp modelId="{CB6402E7-4407-40F1-9F38-0228A82C2393}">
+      <dsp:nvSpPr>
+        <dsp:cNvPr id="0" name=""/>
+        <dsp:cNvSpPr/>
+      </dsp:nvSpPr>
+      <dsp:spPr>
+        <a:xfrm rot="5400000">
+          <a:off x="-244313" y="1682435"/>
+          <a:ext cx="1628754" cy="1140127"/>
+        </a:xfrm>
+        <a:prstGeom prst="chevron">
+          <a:avLst/>
+        </a:prstGeom>
+        <a:solidFill>
+          <a:schemeClr val="accent1">
+            <a:hueOff val="0"/>
+            <a:satOff val="0"/>
+            <a:lumOff val="0"/>
+            <a:alphaOff val="0"/>
+          </a:schemeClr>
+        </a:solidFill>
+        <a:ln w="15875" cap="rnd" cmpd="sng" algn="ctr">
+          <a:solidFill>
+            <a:schemeClr val="accent1">
+              <a:hueOff val="0"/>
+              <a:satOff val="0"/>
+              <a:lumOff val="0"/>
+              <a:alphaOff val="0"/>
+            </a:schemeClr>
+          </a:solidFill>
+          <a:prstDash val="solid"/>
+        </a:ln>
+        <a:effectLst/>
+      </dsp:spPr>
+      <dsp:style>
+        <a:lnRef idx="2">
+          <a:scrgbClr r="0" g="0" b="0"/>
+        </a:lnRef>
+        <a:fillRef idx="1">
+          <a:scrgbClr r="0" g="0" b="0"/>
+        </a:fillRef>
+        <a:effectRef idx="0">
+          <a:scrgbClr r="0" g="0" b="0"/>
+        </a:effectRef>
+        <a:fontRef idx="minor">
+          <a:schemeClr val="lt1"/>
+        </a:fontRef>
+      </dsp:style>
+      <dsp:txBody>
+        <a:bodyPr spcFirstLastPara="0" vert="horz" wrap="square" lIns="19685" tIns="19685" rIns="19685" bIns="19685" numCol="1" spcCol="1270" anchor="ctr" anchorCtr="0">
+          <a:noAutofit/>
+        </a:bodyPr>
+        <a:lstStyle/>
+        <a:p>
+          <a:pPr lvl="0" algn="ctr" defTabSz="1377950">
+            <a:lnSpc>
+              <a:spcPct val="90000"/>
+            </a:lnSpc>
+            <a:spcBef>
+              <a:spcPct val="0"/>
+            </a:spcBef>
+            <a:spcAft>
+              <a:spcPct val="35000"/>
+            </a:spcAft>
+          </a:pPr>
+          <a:r>
+            <a:rPr lang="es-MX" sz="3100" kern="1200" dirty="0" smtClean="0"/>
+            <a:t>2</a:t>
+          </a:r>
+          <a:endParaRPr lang="es-MX" sz="3100" kern="1200" dirty="0"/>
+        </a:p>
+      </dsp:txBody>
+      <dsp:txXfrm rot="-5400000">
+        <a:off x="1" y="2008186"/>
+        <a:ext cx="1140127" cy="488627"/>
+      </dsp:txXfrm>
+    </dsp:sp>
+    <dsp:sp modelId="{83432707-518E-40FF-AE01-D74C3AB2F9EC}">
+      <dsp:nvSpPr>
+        <dsp:cNvPr id="0" name=""/>
+        <dsp:cNvSpPr/>
+      </dsp:nvSpPr>
+      <dsp:spPr>
+        <a:xfrm rot="5400000">
+          <a:off x="4864500" y="-2224645"/>
+          <a:ext cx="935479" cy="8384224"/>
+        </a:xfrm>
+        <a:prstGeom prst="round2SameRect">
+          <a:avLst/>
+        </a:prstGeom>
+        <a:solidFill>
+          <a:schemeClr val="lt1">
+            <a:alpha val="90000"/>
+            <a:hueOff val="0"/>
+            <a:satOff val="0"/>
+            <a:lumOff val="0"/>
+            <a:alphaOff val="0"/>
+          </a:schemeClr>
+        </a:solidFill>
+        <a:ln w="15875" cap="rnd" cmpd="sng" algn="ctr">
+          <a:solidFill>
+            <a:schemeClr val="accent1">
+              <a:hueOff val="0"/>
+              <a:satOff val="0"/>
+              <a:lumOff val="0"/>
+              <a:alphaOff val="0"/>
+            </a:schemeClr>
+          </a:solidFill>
+          <a:prstDash val="solid"/>
+        </a:ln>
+        <a:effectLst/>
+      </dsp:spPr>
+      <dsp:style>
+        <a:lnRef idx="2">
+          <a:scrgbClr r="0" g="0" b="0"/>
+        </a:lnRef>
+        <a:fillRef idx="1">
+          <a:scrgbClr r="0" g="0" b="0"/>
+        </a:fillRef>
+        <a:effectRef idx="0">
+          <a:scrgbClr r="0" g="0" b="0"/>
+        </a:effectRef>
+        <a:fontRef idx="minor"/>
+      </dsp:style>
+      <dsp:txBody>
+        <a:bodyPr spcFirstLastPara="0" vert="horz" wrap="square" lIns="128016" tIns="11430" rIns="11430" bIns="11430" numCol="1" spcCol="1270" anchor="ctr" anchorCtr="0">
+          <a:noAutofit/>
+        </a:bodyPr>
+        <a:lstStyle/>
+        <a:p>
+          <a:pPr marL="171450" lvl="1" indent="-171450" algn="l" defTabSz="800100">
+            <a:lnSpc>
+              <a:spcPct val="90000"/>
+            </a:lnSpc>
+            <a:spcBef>
+              <a:spcPct val="0"/>
+            </a:spcBef>
+            <a:spcAft>
+              <a:spcPct val="15000"/>
+            </a:spcAft>
+            <a:buChar char="••"/>
+          </a:pPr>
+          <a:r>
+            <a:rPr lang="es-MX" altLang="en-US" sz="1800" kern="1200" dirty="0" smtClean="0">
+              <a:solidFill>
+                <a:schemeClr val="tx1">
+                  <a:lumMod val="75000"/>
+                  <a:lumOff val="25000"/>
+                </a:schemeClr>
+              </a:solidFill>
+            </a:rPr>
+            <a:t>Seleccionar los perfiles alares y materiales con los cuales se hará el análisis teórico y construcción del prototipo</a:t>
+          </a:r>
+          <a:endParaRPr lang="es-MX" sz="1800" kern="1200" dirty="0"/>
+        </a:p>
+      </dsp:txBody>
+      <dsp:txXfrm rot="-5400000">
+        <a:off x="1140128" y="1545393"/>
+        <a:ext cx="8338558" cy="844147"/>
+      </dsp:txXfrm>
+    </dsp:sp>
+    <dsp:sp modelId="{43D8957A-E9FB-4ECB-A1AA-7FD9EB27A764}">
+      <dsp:nvSpPr>
+        <dsp:cNvPr id="0" name=""/>
+        <dsp:cNvSpPr/>
+      </dsp:nvSpPr>
+      <dsp:spPr>
+        <a:xfrm rot="5400000">
+          <a:off x="-244313" y="3120321"/>
+          <a:ext cx="1628754" cy="1140127"/>
+        </a:xfrm>
+        <a:prstGeom prst="chevron">
+          <a:avLst/>
+        </a:prstGeom>
+        <a:solidFill>
+          <a:schemeClr val="accent1">
+            <a:hueOff val="0"/>
+            <a:satOff val="0"/>
+            <a:lumOff val="0"/>
+            <a:alphaOff val="0"/>
+          </a:schemeClr>
+        </a:solidFill>
+        <a:ln w="15875" cap="rnd" cmpd="sng" algn="ctr">
+          <a:solidFill>
+            <a:schemeClr val="accent1">
+              <a:hueOff val="0"/>
+              <a:satOff val="0"/>
+              <a:lumOff val="0"/>
+              <a:alphaOff val="0"/>
+            </a:schemeClr>
+          </a:solidFill>
+          <a:prstDash val="solid"/>
+        </a:ln>
+        <a:effectLst/>
+      </dsp:spPr>
+      <dsp:style>
+        <a:lnRef idx="2">
+          <a:scrgbClr r="0" g="0" b="0"/>
+        </a:lnRef>
+        <a:fillRef idx="1">
+          <a:scrgbClr r="0" g="0" b="0"/>
+        </a:fillRef>
+        <a:effectRef idx="0">
+          <a:scrgbClr r="0" g="0" b="0"/>
+        </a:effectRef>
+        <a:fontRef idx="minor">
+          <a:schemeClr val="lt1"/>
+        </a:fontRef>
+      </dsp:style>
+      <dsp:txBody>
+        <a:bodyPr spcFirstLastPara="0" vert="horz" wrap="square" lIns="19685" tIns="19685" rIns="19685" bIns="19685" numCol="1" spcCol="1270" anchor="ctr" anchorCtr="0">
+          <a:noAutofit/>
+        </a:bodyPr>
+        <a:lstStyle/>
+        <a:p>
+          <a:pPr lvl="0" algn="ctr" defTabSz="1377950">
+            <a:lnSpc>
+              <a:spcPct val="90000"/>
+            </a:lnSpc>
+            <a:spcBef>
+              <a:spcPct val="0"/>
+            </a:spcBef>
+            <a:spcAft>
+              <a:spcPct val="35000"/>
+            </a:spcAft>
+          </a:pPr>
+          <a:r>
+            <a:rPr lang="es-MX" sz="3100" kern="1200" dirty="0" smtClean="0"/>
+            <a:t>3</a:t>
+          </a:r>
+          <a:endParaRPr lang="es-MX" sz="3100" kern="1200" dirty="0"/>
+        </a:p>
+      </dsp:txBody>
+      <dsp:txXfrm rot="-5400000">
+        <a:off x="1" y="3446072"/>
+        <a:ext cx="1140127" cy="488627"/>
+      </dsp:txXfrm>
+    </dsp:sp>
+    <dsp:sp modelId="{9A79D5C2-1108-4459-8143-1C6AD5D9CF26}">
+      <dsp:nvSpPr>
+        <dsp:cNvPr id="0" name=""/>
+        <dsp:cNvSpPr/>
+      </dsp:nvSpPr>
+      <dsp:spPr>
+        <a:xfrm rot="5400000">
+          <a:off x="4800205" y="-778553"/>
+          <a:ext cx="1064068" cy="8384224"/>
+        </a:xfrm>
+        <a:prstGeom prst="round2SameRect">
+          <a:avLst/>
+        </a:prstGeom>
+        <a:solidFill>
+          <a:schemeClr val="lt1">
+            <a:alpha val="90000"/>
+            <a:hueOff val="0"/>
+            <a:satOff val="0"/>
+            <a:lumOff val="0"/>
+            <a:alphaOff val="0"/>
+          </a:schemeClr>
+        </a:solidFill>
+        <a:ln w="15875" cap="rnd" cmpd="sng" algn="ctr">
+          <a:solidFill>
+            <a:schemeClr val="accent1">
+              <a:hueOff val="0"/>
+              <a:satOff val="0"/>
+              <a:lumOff val="0"/>
+              <a:alphaOff val="0"/>
+            </a:schemeClr>
+          </a:solidFill>
+          <a:prstDash val="solid"/>
+        </a:ln>
+        <a:effectLst/>
+      </dsp:spPr>
+      <dsp:style>
+        <a:lnRef idx="2">
+          <a:scrgbClr r="0" g="0" b="0"/>
+        </a:lnRef>
+        <a:fillRef idx="1">
+          <a:scrgbClr r="0" g="0" b="0"/>
+        </a:fillRef>
+        <a:effectRef idx="0">
+          <a:scrgbClr r="0" g="0" b="0"/>
+        </a:effectRef>
+        <a:fontRef idx="minor"/>
+      </dsp:style>
+      <dsp:txBody>
+        <a:bodyPr spcFirstLastPara="0" vert="horz" wrap="square" lIns="128016" tIns="11430" rIns="11430" bIns="11430" numCol="1" spcCol="1270" anchor="ctr" anchorCtr="0">
+          <a:noAutofit/>
+        </a:bodyPr>
+        <a:lstStyle/>
+        <a:p>
+          <a:pPr marL="171450" lvl="1" indent="-171450" algn="l" defTabSz="800100">
+            <a:lnSpc>
+              <a:spcPct val="90000"/>
+            </a:lnSpc>
+            <a:spcBef>
+              <a:spcPct val="0"/>
+            </a:spcBef>
+            <a:spcAft>
+              <a:spcPct val="15000"/>
+            </a:spcAft>
+            <a:buChar char="••"/>
+          </a:pPr>
+          <a:r>
+            <a:rPr lang="es-MX" altLang="en-US" sz="1800" kern="1200" dirty="0" smtClean="0"/>
+            <a:t>Diseñar un álabe geométricamente optimizado</a:t>
+          </a:r>
+          <a:endParaRPr lang="es-MX" sz="2300" kern="1200" dirty="0"/>
+        </a:p>
+      </dsp:txBody>
+      <dsp:txXfrm rot="-5400000">
+        <a:off x="1140127" y="2933469"/>
+        <a:ext cx="8332280" cy="960180"/>
+      </dsp:txXfrm>
+    </dsp:sp>
   </dsp:spTree>
 </dsp:drawing>
 </file>
@@ -6691,6 +7167,468 @@
       <dsp:cNvGrpSpPr/>
     </dsp:nvGrpSpPr>
     <dsp:grpSpPr/>
+    <dsp:sp modelId="{36034257-E5EC-4803-B516-FACB4A32AE66}">
+      <dsp:nvSpPr>
+        <dsp:cNvPr id="0" name=""/>
+        <dsp:cNvSpPr/>
+      </dsp:nvSpPr>
+      <dsp:spPr>
+        <a:xfrm rot="5400000">
+          <a:off x="-219531" y="221019"/>
+          <a:ext cx="1463543" cy="1024480"/>
+        </a:xfrm>
+        <a:prstGeom prst="chevron">
+          <a:avLst/>
+        </a:prstGeom>
+        <a:solidFill>
+          <a:schemeClr val="accent1">
+            <a:hueOff val="0"/>
+            <a:satOff val="0"/>
+            <a:lumOff val="0"/>
+            <a:alphaOff val="0"/>
+          </a:schemeClr>
+        </a:solidFill>
+        <a:ln w="15875" cap="rnd" cmpd="sng" algn="ctr">
+          <a:solidFill>
+            <a:schemeClr val="accent1">
+              <a:hueOff val="0"/>
+              <a:satOff val="0"/>
+              <a:lumOff val="0"/>
+              <a:alphaOff val="0"/>
+            </a:schemeClr>
+          </a:solidFill>
+          <a:prstDash val="solid"/>
+        </a:ln>
+        <a:effectLst/>
+      </dsp:spPr>
+      <dsp:style>
+        <a:lnRef idx="2">
+          <a:scrgbClr r="0" g="0" b="0"/>
+        </a:lnRef>
+        <a:fillRef idx="1">
+          <a:scrgbClr r="0" g="0" b="0"/>
+        </a:fillRef>
+        <a:effectRef idx="0">
+          <a:scrgbClr r="0" g="0" b="0"/>
+        </a:effectRef>
+        <a:fontRef idx="minor">
+          <a:schemeClr val="lt1"/>
+        </a:fontRef>
+      </dsp:style>
+      <dsp:txBody>
+        <a:bodyPr spcFirstLastPara="0" vert="horz" wrap="square" lIns="17780" tIns="17780" rIns="17780" bIns="17780" numCol="1" spcCol="1270" anchor="ctr" anchorCtr="0">
+          <a:noAutofit/>
+        </a:bodyPr>
+        <a:lstStyle/>
+        <a:p>
+          <a:pPr lvl="0" algn="ctr" defTabSz="1244600">
+            <a:lnSpc>
+              <a:spcPct val="90000"/>
+            </a:lnSpc>
+            <a:spcBef>
+              <a:spcPct val="0"/>
+            </a:spcBef>
+            <a:spcAft>
+              <a:spcPct val="35000"/>
+            </a:spcAft>
+          </a:pPr>
+          <a:r>
+            <a:rPr lang="es-MX" sz="2800" kern="1200" dirty="0" smtClean="0"/>
+            <a:t>4</a:t>
+          </a:r>
+          <a:endParaRPr lang="es-MX" sz="2800" kern="1200" dirty="0"/>
+        </a:p>
+      </dsp:txBody>
+      <dsp:txXfrm rot="-5400000">
+        <a:off x="1" y="513727"/>
+        <a:ext cx="1024480" cy="439063"/>
+      </dsp:txXfrm>
+    </dsp:sp>
+    <dsp:sp modelId="{076B4EED-C3F9-4854-9C32-6CBC85529E50}">
+      <dsp:nvSpPr>
+        <dsp:cNvPr id="0" name=""/>
+        <dsp:cNvSpPr/>
+      </dsp:nvSpPr>
+      <dsp:spPr>
+        <a:xfrm rot="5400000">
+          <a:off x="4893260" y="-3867501"/>
+          <a:ext cx="951303" cy="8688863"/>
+        </a:xfrm>
+        <a:prstGeom prst="round2SameRect">
+          <a:avLst/>
+        </a:prstGeom>
+        <a:solidFill>
+          <a:schemeClr val="lt1">
+            <a:alpha val="90000"/>
+            <a:hueOff val="0"/>
+            <a:satOff val="0"/>
+            <a:lumOff val="0"/>
+            <a:alphaOff val="0"/>
+          </a:schemeClr>
+        </a:solidFill>
+        <a:ln w="15875" cap="rnd" cmpd="sng" algn="ctr">
+          <a:solidFill>
+            <a:schemeClr val="accent1">
+              <a:hueOff val="0"/>
+              <a:satOff val="0"/>
+              <a:lumOff val="0"/>
+              <a:alphaOff val="0"/>
+            </a:schemeClr>
+          </a:solidFill>
+          <a:prstDash val="solid"/>
+        </a:ln>
+        <a:effectLst/>
+      </dsp:spPr>
+      <dsp:style>
+        <a:lnRef idx="2">
+          <a:scrgbClr r="0" g="0" b="0"/>
+        </a:lnRef>
+        <a:fillRef idx="1">
+          <a:scrgbClr r="0" g="0" b="0"/>
+        </a:fillRef>
+        <a:effectRef idx="0">
+          <a:scrgbClr r="0" g="0" b="0"/>
+        </a:effectRef>
+        <a:fontRef idx="minor"/>
+      </dsp:style>
+      <dsp:txBody>
+        <a:bodyPr spcFirstLastPara="0" vert="horz" wrap="square" lIns="206248" tIns="18415" rIns="18415" bIns="18415" numCol="1" spcCol="1270" anchor="ctr" anchorCtr="0">
+          <a:noAutofit/>
+        </a:bodyPr>
+        <a:lstStyle/>
+        <a:p>
+          <a:pPr marL="285750" lvl="1" indent="-285750" algn="l" defTabSz="1289050">
+            <a:lnSpc>
+              <a:spcPct val="90000"/>
+            </a:lnSpc>
+            <a:spcBef>
+              <a:spcPct val="0"/>
+            </a:spcBef>
+            <a:spcAft>
+              <a:spcPct val="15000"/>
+            </a:spcAft>
+            <a:buChar char="••"/>
+          </a:pPr>
+          <a:r>
+            <a:rPr lang="es-MX" altLang="en-US" sz="2900" kern="1200" dirty="0" smtClean="0"/>
+            <a:t>Realizar un diseño estructural del álabe con materiales compuesto.</a:t>
+          </a:r>
+          <a:endParaRPr lang="es-MX" sz="2900" kern="1200" dirty="0"/>
+        </a:p>
+      </dsp:txBody>
+      <dsp:txXfrm rot="-5400000">
+        <a:off x="1024481" y="47717"/>
+        <a:ext cx="8642424" cy="858425"/>
+      </dsp:txXfrm>
+    </dsp:sp>
+    <dsp:sp modelId="{72067CB2-C061-4540-8AF3-4978AD2A50E9}">
+      <dsp:nvSpPr>
+        <dsp:cNvPr id="0" name=""/>
+        <dsp:cNvSpPr/>
+      </dsp:nvSpPr>
+      <dsp:spPr>
+        <a:xfrm rot="5400000">
+          <a:off x="-219531" y="1488652"/>
+          <a:ext cx="1463543" cy="1024480"/>
+        </a:xfrm>
+        <a:prstGeom prst="chevron">
+          <a:avLst/>
+        </a:prstGeom>
+        <a:solidFill>
+          <a:schemeClr val="accent1">
+            <a:hueOff val="0"/>
+            <a:satOff val="0"/>
+            <a:lumOff val="0"/>
+            <a:alphaOff val="0"/>
+          </a:schemeClr>
+        </a:solidFill>
+        <a:ln w="15875" cap="rnd" cmpd="sng" algn="ctr">
+          <a:solidFill>
+            <a:schemeClr val="accent1">
+              <a:hueOff val="0"/>
+              <a:satOff val="0"/>
+              <a:lumOff val="0"/>
+              <a:alphaOff val="0"/>
+            </a:schemeClr>
+          </a:solidFill>
+          <a:prstDash val="solid"/>
+        </a:ln>
+        <a:effectLst/>
+      </dsp:spPr>
+      <dsp:style>
+        <a:lnRef idx="2">
+          <a:scrgbClr r="0" g="0" b="0"/>
+        </a:lnRef>
+        <a:fillRef idx="1">
+          <a:scrgbClr r="0" g="0" b="0"/>
+        </a:fillRef>
+        <a:effectRef idx="0">
+          <a:scrgbClr r="0" g="0" b="0"/>
+        </a:effectRef>
+        <a:fontRef idx="minor">
+          <a:schemeClr val="lt1"/>
+        </a:fontRef>
+      </dsp:style>
+      <dsp:txBody>
+        <a:bodyPr spcFirstLastPara="0" vert="horz" wrap="square" lIns="17780" tIns="17780" rIns="17780" bIns="17780" numCol="1" spcCol="1270" anchor="ctr" anchorCtr="0">
+          <a:noAutofit/>
+        </a:bodyPr>
+        <a:lstStyle/>
+        <a:p>
+          <a:pPr lvl="0" algn="ctr" defTabSz="1244600">
+            <a:lnSpc>
+              <a:spcPct val="90000"/>
+            </a:lnSpc>
+            <a:spcBef>
+              <a:spcPct val="0"/>
+            </a:spcBef>
+            <a:spcAft>
+              <a:spcPct val="35000"/>
+            </a:spcAft>
+          </a:pPr>
+          <a:r>
+            <a:rPr lang="es-MX" sz="2800" kern="1200" dirty="0" smtClean="0"/>
+            <a:t>5</a:t>
+          </a:r>
+          <a:endParaRPr lang="es-MX" sz="2800" kern="1200" dirty="0"/>
+        </a:p>
+      </dsp:txBody>
+      <dsp:txXfrm rot="-5400000">
+        <a:off x="1" y="1781360"/>
+        <a:ext cx="1024480" cy="439063"/>
+      </dsp:txXfrm>
+    </dsp:sp>
+    <dsp:sp modelId="{B0FE9870-9BA7-4509-9C38-0A0602BBA958}">
+      <dsp:nvSpPr>
+        <dsp:cNvPr id="0" name=""/>
+        <dsp:cNvSpPr/>
+      </dsp:nvSpPr>
+      <dsp:spPr>
+        <a:xfrm rot="5400000">
+          <a:off x="4893260" y="-2599659"/>
+          <a:ext cx="951303" cy="8688863"/>
+        </a:xfrm>
+        <a:prstGeom prst="round2SameRect">
+          <a:avLst/>
+        </a:prstGeom>
+        <a:solidFill>
+          <a:schemeClr val="lt1">
+            <a:alpha val="90000"/>
+            <a:hueOff val="0"/>
+            <a:satOff val="0"/>
+            <a:lumOff val="0"/>
+            <a:alphaOff val="0"/>
+          </a:schemeClr>
+        </a:solidFill>
+        <a:ln w="15875" cap="rnd" cmpd="sng" algn="ctr">
+          <a:solidFill>
+            <a:schemeClr val="accent1">
+              <a:hueOff val="0"/>
+              <a:satOff val="0"/>
+              <a:lumOff val="0"/>
+              <a:alphaOff val="0"/>
+            </a:schemeClr>
+          </a:solidFill>
+          <a:prstDash val="solid"/>
+        </a:ln>
+        <a:effectLst/>
+      </dsp:spPr>
+      <dsp:style>
+        <a:lnRef idx="2">
+          <a:scrgbClr r="0" g="0" b="0"/>
+        </a:lnRef>
+        <a:fillRef idx="1">
+          <a:scrgbClr r="0" g="0" b="0"/>
+        </a:fillRef>
+        <a:effectRef idx="0">
+          <a:scrgbClr r="0" g="0" b="0"/>
+        </a:effectRef>
+        <a:fontRef idx="minor"/>
+      </dsp:style>
+      <dsp:txBody>
+        <a:bodyPr spcFirstLastPara="0" vert="horz" wrap="square" lIns="206248" tIns="18415" rIns="18415" bIns="18415" numCol="1" spcCol="1270" anchor="ctr" anchorCtr="0">
+          <a:noAutofit/>
+        </a:bodyPr>
+        <a:lstStyle/>
+        <a:p>
+          <a:pPr marL="285750" lvl="1" indent="-285750" algn="l" defTabSz="1289050">
+            <a:lnSpc>
+              <a:spcPct val="90000"/>
+            </a:lnSpc>
+            <a:spcBef>
+              <a:spcPct val="0"/>
+            </a:spcBef>
+            <a:spcAft>
+              <a:spcPct val="15000"/>
+            </a:spcAft>
+            <a:buChar char="••"/>
+          </a:pPr>
+          <a:r>
+            <a:rPr lang="es-MX" sz="2900" kern="1200" dirty="0" smtClean="0"/>
+            <a:t>Análisis Estructural por elemento finito</a:t>
+          </a:r>
+          <a:endParaRPr lang="es-MX" sz="2900" kern="1200" dirty="0"/>
+        </a:p>
+      </dsp:txBody>
+      <dsp:txXfrm rot="-5400000">
+        <a:off x="1024481" y="1315559"/>
+        <a:ext cx="8642424" cy="858425"/>
+      </dsp:txXfrm>
+    </dsp:sp>
+    <dsp:sp modelId="{60E1C40C-300E-479A-B816-859A79CACF56}">
+      <dsp:nvSpPr>
+        <dsp:cNvPr id="0" name=""/>
+        <dsp:cNvSpPr/>
+      </dsp:nvSpPr>
+      <dsp:spPr>
+        <a:xfrm rot="5400000">
+          <a:off x="-219531" y="2756285"/>
+          <a:ext cx="1463543" cy="1024480"/>
+        </a:xfrm>
+        <a:prstGeom prst="chevron">
+          <a:avLst/>
+        </a:prstGeom>
+        <a:solidFill>
+          <a:schemeClr val="accent1">
+            <a:hueOff val="0"/>
+            <a:satOff val="0"/>
+            <a:lumOff val="0"/>
+            <a:alphaOff val="0"/>
+          </a:schemeClr>
+        </a:solidFill>
+        <a:ln w="15875" cap="rnd" cmpd="sng" algn="ctr">
+          <a:solidFill>
+            <a:schemeClr val="accent1">
+              <a:hueOff val="0"/>
+              <a:satOff val="0"/>
+              <a:lumOff val="0"/>
+              <a:alphaOff val="0"/>
+            </a:schemeClr>
+          </a:solidFill>
+          <a:prstDash val="solid"/>
+        </a:ln>
+        <a:effectLst/>
+      </dsp:spPr>
+      <dsp:style>
+        <a:lnRef idx="2">
+          <a:scrgbClr r="0" g="0" b="0"/>
+        </a:lnRef>
+        <a:fillRef idx="1">
+          <a:scrgbClr r="0" g="0" b="0"/>
+        </a:fillRef>
+        <a:effectRef idx="0">
+          <a:scrgbClr r="0" g="0" b="0"/>
+        </a:effectRef>
+        <a:fontRef idx="minor">
+          <a:schemeClr val="lt1"/>
+        </a:fontRef>
+      </dsp:style>
+      <dsp:txBody>
+        <a:bodyPr spcFirstLastPara="0" vert="horz" wrap="square" lIns="17780" tIns="17780" rIns="17780" bIns="17780" numCol="1" spcCol="1270" anchor="ctr" anchorCtr="0">
+          <a:noAutofit/>
+        </a:bodyPr>
+        <a:lstStyle/>
+        <a:p>
+          <a:pPr lvl="0" algn="ctr" defTabSz="1244600">
+            <a:lnSpc>
+              <a:spcPct val="90000"/>
+            </a:lnSpc>
+            <a:spcBef>
+              <a:spcPct val="0"/>
+            </a:spcBef>
+            <a:spcAft>
+              <a:spcPct val="35000"/>
+            </a:spcAft>
+          </a:pPr>
+          <a:r>
+            <a:rPr lang="es-MX" sz="2800" kern="1200" dirty="0" smtClean="0"/>
+            <a:t>6</a:t>
+          </a:r>
+          <a:endParaRPr lang="es-MX" sz="2800" kern="1200" dirty="0"/>
+        </a:p>
+      </dsp:txBody>
+      <dsp:txXfrm rot="-5400000">
+        <a:off x="1" y="3048993"/>
+        <a:ext cx="1024480" cy="439063"/>
+      </dsp:txXfrm>
+    </dsp:sp>
+    <dsp:sp modelId="{77EABCFA-863B-4269-A252-5A773D466998}">
+      <dsp:nvSpPr>
+        <dsp:cNvPr id="0" name=""/>
+        <dsp:cNvSpPr/>
+      </dsp:nvSpPr>
+      <dsp:spPr>
+        <a:xfrm rot="5400000">
+          <a:off x="4893260" y="-1332026"/>
+          <a:ext cx="951303" cy="8688863"/>
+        </a:xfrm>
+        <a:prstGeom prst="round2SameRect">
+          <a:avLst/>
+        </a:prstGeom>
+        <a:solidFill>
+          <a:schemeClr val="lt1">
+            <a:alpha val="90000"/>
+            <a:hueOff val="0"/>
+            <a:satOff val="0"/>
+            <a:lumOff val="0"/>
+            <a:alphaOff val="0"/>
+          </a:schemeClr>
+        </a:solidFill>
+        <a:ln w="15875" cap="rnd" cmpd="sng" algn="ctr">
+          <a:solidFill>
+            <a:schemeClr val="accent1">
+              <a:hueOff val="0"/>
+              <a:satOff val="0"/>
+              <a:lumOff val="0"/>
+              <a:alphaOff val="0"/>
+            </a:schemeClr>
+          </a:solidFill>
+          <a:prstDash val="solid"/>
+        </a:ln>
+        <a:effectLst/>
+      </dsp:spPr>
+      <dsp:style>
+        <a:lnRef idx="2">
+          <a:scrgbClr r="0" g="0" b="0"/>
+        </a:lnRef>
+        <a:fillRef idx="1">
+          <a:scrgbClr r="0" g="0" b="0"/>
+        </a:fillRef>
+        <a:effectRef idx="0">
+          <a:scrgbClr r="0" g="0" b="0"/>
+        </a:effectRef>
+        <a:fontRef idx="minor"/>
+      </dsp:style>
+      <dsp:txBody>
+        <a:bodyPr spcFirstLastPara="0" vert="horz" wrap="square" lIns="206248" tIns="18415" rIns="18415" bIns="18415" numCol="1" spcCol="1270" anchor="ctr" anchorCtr="0">
+          <a:noAutofit/>
+        </a:bodyPr>
+        <a:lstStyle/>
+        <a:p>
+          <a:pPr marL="285750" lvl="1" indent="-285750" algn="l" defTabSz="1289050">
+            <a:lnSpc>
+              <a:spcPct val="90000"/>
+            </a:lnSpc>
+            <a:spcBef>
+              <a:spcPct val="0"/>
+            </a:spcBef>
+            <a:spcAft>
+              <a:spcPct val="15000"/>
+            </a:spcAft>
+            <a:buChar char="••"/>
+          </a:pPr>
+          <a:r>
+            <a:rPr lang="es-MX" altLang="en-US" sz="2900" kern="1200" dirty="0" smtClean="0"/>
+            <a:t>Análisis Energético </a:t>
+          </a:r>
+          <a:endParaRPr lang="es-MX" sz="2900" kern="1200" dirty="0"/>
+        </a:p>
+      </dsp:txBody>
+      <dsp:txXfrm rot="-5400000">
+        <a:off x="1024481" y="2583192"/>
+        <a:ext cx="8642424" cy="858425"/>
+      </dsp:txXfrm>
+    </dsp:sp>
   </dsp:spTree>
 </dsp:drawing>
 </file>
@@ -34808,11 +35746,7 @@
             </a:r>
             <a:r>
               <a:rPr lang="es-MX" sz="2800" dirty="0" smtClean="0"/>
-              <a:t>Análisis </a:t>
-            </a:r>
-            <a:r>
-              <a:rPr lang="es-MX" sz="2800" dirty="0" smtClean="0"/>
-              <a:t>Estructural</a:t>
+              <a:t>Análisis Estructural</a:t>
             </a:r>
             <a:endParaRPr lang="en-US" sz="2800" dirty="0"/>
           </a:p>
@@ -35249,11 +36183,7 @@
             </a:r>
             <a:r>
               <a:rPr lang="es-MX" sz="2800" dirty="0" smtClean="0"/>
-              <a:t>Análisis </a:t>
-            </a:r>
-            <a:r>
-              <a:rPr lang="es-MX" sz="2800" dirty="0" smtClean="0"/>
-              <a:t>Estructural</a:t>
+              <a:t>Análisis Estructural</a:t>
             </a:r>
             <a:endParaRPr lang="en-US" sz="2800" dirty="0"/>
           </a:p>
@@ -35621,6 +36551,30 @@
           <a:chExt cx="0" cy="0"/>
         </a:xfrm>
       </p:grpSpPr>
+      <p:pic>
+        <p:nvPicPr>
+          <p:cNvPr id="5" name="Picture 4"/>
+          <p:cNvPicPr>
+            <a:picLocks noChangeAspect="1"/>
+          </p:cNvPicPr>
+          <p:nvPr/>
+        </p:nvPicPr>
+        <p:blipFill>
+          <a:blip r:embed="rId2"/>
+          <a:stretch>
+            <a:fillRect/>
+          </a:stretch>
+        </p:blipFill>
+        <p:spPr>
+          <a:xfrm>
+            <a:off x="1584338" y="1857076"/>
+            <a:ext cx="8567754" cy="4495021"/>
+          </a:xfrm>
+          <a:prstGeom prst="rect">
+            <a:avLst/>
+          </a:prstGeom>
+        </p:spPr>
+      </p:pic>
       <p:sp>
         <p:nvSpPr>
           <p:cNvPr id="2" name="Title 1"/>
@@ -35649,11 +36603,7 @@
             </a:r>
             <a:r>
               <a:rPr lang="es-MX" sz="2800" dirty="0" smtClean="0"/>
-              <a:t>Análisis </a:t>
-            </a:r>
-            <a:r>
-              <a:rPr lang="es-MX" sz="2800" dirty="0" smtClean="0"/>
-              <a:t>Energético</a:t>
+              <a:t>Análisis Energético</a:t>
             </a:r>
             <a:endParaRPr lang="en-US" sz="2800" dirty="0"/>
           </a:p>
@@ -35920,8 +36870,8 @@
         </p:nvSpPr>
         <p:spPr>
           <a:xfrm>
-            <a:off x="1288005" y="5192163"/>
-            <a:ext cx="10055060" cy="338554"/>
+            <a:off x="1584338" y="6352097"/>
+            <a:ext cx="8567754" cy="338554"/>
           </a:xfrm>
           <a:prstGeom prst="rect">
             <a:avLst/>
@@ -35967,10 +36917,105 @@
           </a:p>
         </p:txBody>
       </p:sp>
+      <p:sp>
+        <p:nvSpPr>
+          <p:cNvPr id="7" name="Rectangular Callout 6"/>
+          <p:cNvSpPr/>
+          <p:nvPr/>
+        </p:nvSpPr>
+        <p:spPr>
+          <a:xfrm>
+            <a:off x="10261476" y="4734004"/>
+            <a:ext cx="1778124" cy="820130"/>
+          </a:xfrm>
+          <a:prstGeom prst="wedgeRectCallout">
+            <a:avLst>
+              <a:gd name="adj1" fmla="val -88507"/>
+              <a:gd name="adj2" fmla="val -2176"/>
+            </a:avLst>
+          </a:prstGeom>
+        </p:spPr>
+        <p:style>
+          <a:lnRef idx="1">
+            <a:schemeClr val="dk1"/>
+          </a:lnRef>
+          <a:fillRef idx="2">
+            <a:schemeClr val="dk1"/>
+          </a:fillRef>
+          <a:effectRef idx="1">
+            <a:schemeClr val="dk1"/>
+          </a:effectRef>
+          <a:fontRef idx="minor">
+            <a:schemeClr val="dk1"/>
+          </a:fontRef>
+        </p:style>
+        <p:txBody>
+          <a:bodyPr rtlCol="0" anchor="ctr"/>
+          <a:lstStyle/>
+          <a:p>
+            <a:pPr algn="ctr"/>
+            <a:r>
+              <a:rPr lang="en-US" dirty="0" smtClean="0"/>
+              <a:t>2474kW </a:t>
+            </a:r>
+            <a:r>
+              <a:rPr lang="en-US" dirty="0" err="1" smtClean="0"/>
+              <a:t>Anual</a:t>
+            </a:r>
+            <a:endParaRPr lang="en-US" dirty="0"/>
+          </a:p>
+        </p:txBody>
+      </p:sp>
+      <p:sp>
+        <p:nvSpPr>
+          <p:cNvPr id="6" name="Rectangle 5"/>
+          <p:cNvSpPr/>
+          <p:nvPr/>
+        </p:nvSpPr>
+        <p:spPr>
+          <a:xfrm>
+            <a:off x="5689600" y="2768600"/>
+            <a:ext cx="262467" cy="3234267"/>
+          </a:xfrm>
+          <a:prstGeom prst="rect">
+            <a:avLst/>
+          </a:prstGeom>
+          <a:noFill/>
+          <a:ln>
+            <a:solidFill>
+              <a:schemeClr val="bg1"/>
+            </a:solidFill>
+          </a:ln>
+        </p:spPr>
+        <p:style>
+          <a:lnRef idx="2">
+            <a:schemeClr val="accent1">
+              <a:shade val="50000"/>
+            </a:schemeClr>
+          </a:lnRef>
+          <a:fillRef idx="1">
+            <a:schemeClr val="accent1"/>
+          </a:fillRef>
+          <a:effectRef idx="0">
+            <a:schemeClr val="accent1"/>
+          </a:effectRef>
+          <a:fontRef idx="minor">
+            <a:schemeClr val="lt1"/>
+          </a:fontRef>
+        </p:style>
+        <p:txBody>
+          <a:bodyPr rtlCol="0" anchor="ctr"/>
+          <a:lstStyle/>
+          <a:p>
+            <a:pPr algn="ctr"/>
+            <a:endParaRPr lang="es-MX"/>
+          </a:p>
+        </p:txBody>
+      </p:sp>
     </p:spTree>
     <p:extLst>
       <p:ext uri="{BB962C8B-B14F-4D97-AF65-F5344CB8AC3E}">
-        <p14:creationId xmlns:p14="http://schemas.microsoft.com/office/powerpoint/2010/main" val="3621068624"/>
+        <p14:creationId xmlns:p14="http://schemas.microsoft.com/office/powerpoint/2010/main" val="3539230796"/>
       </p:ext>
     </p:extLst>
   </p:cSld>
@@ -35997,6 +37042,30 @@
           <a:chExt cx="0" cy="0"/>
         </a:xfrm>
       </p:grpSpPr>
+      <p:pic>
+        <p:nvPicPr>
+          <p:cNvPr id="6" name="Picture 5"/>
+          <p:cNvPicPr>
+            <a:picLocks noChangeAspect="1"/>
+          </p:cNvPicPr>
+          <p:nvPr/>
+        </p:nvPicPr>
+        <p:blipFill>
+          <a:blip r:embed="rId2"/>
+          <a:stretch>
+            <a:fillRect/>
+          </a:stretch>
+        </p:blipFill>
+        <p:spPr>
+          <a:xfrm>
+            <a:off x="1584338" y="1759212"/>
+            <a:ext cx="8597424" cy="4592885"/>
+          </a:xfrm>
+          <a:prstGeom prst="rect">
+            <a:avLst/>
+          </a:prstGeom>
+        </p:spPr>
+      </p:pic>
       <p:sp>
         <p:nvSpPr>
           <p:cNvPr id="2" name="Title 1"/>
@@ -36025,11 +37094,7 @@
             </a:r>
             <a:r>
               <a:rPr lang="es-MX" sz="2800" dirty="0" smtClean="0"/>
-              <a:t>Análisis </a:t>
-            </a:r>
-            <a:r>
-              <a:rPr lang="es-MX" sz="2800" dirty="0" smtClean="0"/>
-              <a:t>Energético</a:t>
+              <a:t>Análisis Energético</a:t>
             </a:r>
             <a:endParaRPr lang="en-US" sz="2800" dirty="0"/>
           </a:p>
@@ -36296,8 +37361,8 @@
         </p:nvSpPr>
         <p:spPr>
           <a:xfrm>
-            <a:off x="1288005" y="5192163"/>
-            <a:ext cx="10055060" cy="338554"/>
+            <a:off x="1584338" y="6352097"/>
+            <a:ext cx="8597424" cy="338554"/>
           </a:xfrm>
           <a:prstGeom prst="rect">
             <a:avLst/>
@@ -36343,10 +37408,206 @@
           </a:p>
         </p:txBody>
       </p:sp>
+      <p:sp>
+        <p:nvSpPr>
+          <p:cNvPr id="9" name="Rectangular Callout 8"/>
+          <p:cNvSpPr/>
+          <p:nvPr/>
+        </p:nvSpPr>
+        <p:spPr>
+          <a:xfrm>
+            <a:off x="6620810" y="3454376"/>
+            <a:ext cx="1778124" cy="820130"/>
+          </a:xfrm>
+          <a:prstGeom prst="wedgeRectCallout">
+            <a:avLst>
+              <a:gd name="adj1" fmla="val -127076"/>
+              <a:gd name="adj2" fmla="val 28795"/>
+            </a:avLst>
+          </a:prstGeom>
+        </p:spPr>
+        <p:style>
+          <a:lnRef idx="1">
+            <a:schemeClr val="dk1"/>
+          </a:lnRef>
+          <a:fillRef idx="2">
+            <a:schemeClr val="dk1"/>
+          </a:fillRef>
+          <a:effectRef idx="1">
+            <a:schemeClr val="dk1"/>
+          </a:effectRef>
+          <a:fontRef idx="minor">
+            <a:schemeClr val="dk1"/>
+          </a:fontRef>
+        </p:style>
+        <p:txBody>
+          <a:bodyPr rtlCol="0" anchor="ctr"/>
+          <a:lstStyle/>
+          <a:p>
+            <a:pPr algn="ctr"/>
+            <a:r>
+              <a:rPr lang="en-US" smtClean="0"/>
+              <a:t>4.454kW</a:t>
+            </a:r>
+            <a:endParaRPr lang="en-US" dirty="0"/>
+          </a:p>
+        </p:txBody>
+      </p:sp>
+      <p:sp>
+        <p:nvSpPr>
+          <p:cNvPr id="10" name="Rectangular Callout 9"/>
+          <p:cNvSpPr/>
+          <p:nvPr/>
+        </p:nvSpPr>
+        <p:spPr>
+          <a:xfrm>
+            <a:off x="6620810" y="2447230"/>
+            <a:ext cx="1778124" cy="820130"/>
+          </a:xfrm>
+          <a:prstGeom prst="wedgeRectCallout">
+            <a:avLst>
+              <a:gd name="adj1" fmla="val -126600"/>
+              <a:gd name="adj2" fmla="val -96120"/>
+            </a:avLst>
+          </a:prstGeom>
+        </p:spPr>
+        <p:style>
+          <a:lnRef idx="1">
+            <a:schemeClr val="dk1"/>
+          </a:lnRef>
+          <a:fillRef idx="2">
+            <a:schemeClr val="dk1"/>
+          </a:fillRef>
+          <a:effectRef idx="1">
+            <a:schemeClr val="dk1"/>
+          </a:effectRef>
+          <a:fontRef idx="minor">
+            <a:schemeClr val="dk1"/>
+          </a:fontRef>
+        </p:style>
+        <p:txBody>
+          <a:bodyPr rtlCol="0" anchor="ctr"/>
+          <a:lstStyle/>
+          <a:p>
+            <a:pPr algn="ctr"/>
+            <a:r>
+              <a:rPr lang="en-US" dirty="0" smtClean="0"/>
+              <a:t>13.97 m/s</a:t>
+            </a:r>
+            <a:endParaRPr lang="en-US" dirty="0"/>
+          </a:p>
+        </p:txBody>
+      </p:sp>
+      <p:sp>
+        <p:nvSpPr>
+          <p:cNvPr id="12" name="Rectangular Callout 11"/>
+          <p:cNvSpPr/>
+          <p:nvPr/>
+        </p:nvSpPr>
+        <p:spPr>
+          <a:xfrm>
+            <a:off x="6620810" y="4399664"/>
+            <a:ext cx="1778124" cy="820130"/>
+          </a:xfrm>
+          <a:prstGeom prst="wedgeRectCallout">
+            <a:avLst>
+              <a:gd name="adj1" fmla="val -42796"/>
+              <a:gd name="adj2" fmla="val -5273"/>
+            </a:avLst>
+          </a:prstGeom>
+        </p:spPr>
+        <p:style>
+          <a:lnRef idx="1">
+            <a:schemeClr val="dk1"/>
+          </a:lnRef>
+          <a:fillRef idx="2">
+            <a:schemeClr val="dk1"/>
+          </a:fillRef>
+          <a:effectRef idx="1">
+            <a:schemeClr val="dk1"/>
+          </a:effectRef>
+          <a:fontRef idx="minor">
+            <a:schemeClr val="dk1"/>
+          </a:fontRef>
+        </p:style>
+        <p:txBody>
+          <a:bodyPr rtlCol="0" anchor="ctr"/>
+          <a:lstStyle/>
+          <a:p>
+            <a:pPr algn="ctr"/>
+            <a:r>
+              <a:rPr lang="es-MX" dirty="0"/>
+              <a:t> </a:t>
+            </a:r>
+            <a:r>
+              <a:rPr lang="es-MX" dirty="0" smtClean="0"/>
+              <a:t>5.338</a:t>
+            </a:r>
+            <a:r>
+              <a:rPr lang="en-US" dirty="0" smtClean="0"/>
+              <a:t>kW</a:t>
+            </a:r>
+            <a:endParaRPr lang="en-US" dirty="0"/>
+          </a:p>
+        </p:txBody>
+      </p:sp>
+      <p:sp>
+        <p:nvSpPr>
+          <p:cNvPr id="13" name="Rectangular Callout 12"/>
+          <p:cNvSpPr/>
+          <p:nvPr/>
+        </p:nvSpPr>
+        <p:spPr>
+          <a:xfrm>
+            <a:off x="6620810" y="5291179"/>
+            <a:ext cx="1778124" cy="820130"/>
+          </a:xfrm>
+          <a:prstGeom prst="wedgeRectCallout">
+            <a:avLst>
+              <a:gd name="adj1" fmla="val -42796"/>
+              <a:gd name="adj2" fmla="val -5273"/>
+            </a:avLst>
+          </a:prstGeom>
+        </p:spPr>
+        <p:style>
+          <a:lnRef idx="1">
+            <a:schemeClr val="dk1"/>
+          </a:lnRef>
+          <a:fillRef idx="2">
+            <a:schemeClr val="dk1"/>
+          </a:fillRef>
+          <a:effectRef idx="1">
+            <a:schemeClr val="dk1"/>
+          </a:effectRef>
+          <a:fontRef idx="minor">
+            <a:schemeClr val="dk1"/>
+          </a:fontRef>
+        </p:style>
+        <p:txBody>
+          <a:bodyPr rtlCol="0" anchor="ctr"/>
+          <a:lstStyle/>
+          <a:p>
+            <a:pPr algn="ctr"/>
+            <a:r>
+              <a:rPr lang="es-MX" dirty="0"/>
+              <a:t> </a:t>
+            </a:r>
+            <a:r>
+              <a:rPr lang="en-US" dirty="0"/>
+              <a:t>CP = </a:t>
+            </a:r>
+            <a:r>
+              <a:rPr lang="en-US" dirty="0" smtClean="0"/>
+              <a:t>0.4947</a:t>
+            </a:r>
+            <a:endParaRPr lang="en-US" dirty="0"/>
+          </a:p>
+        </p:txBody>
+      </p:sp>
     </p:spTree>
     <p:extLst>
       <p:ext uri="{BB962C8B-B14F-4D97-AF65-F5344CB8AC3E}">
-        <p14:creationId xmlns:p14="http://schemas.microsoft.com/office/powerpoint/2010/main" val="1644894796"/>
+        <p14:creationId xmlns:p14="http://schemas.microsoft.com/office/powerpoint/2010/main" val="382292469"/>
       </p:ext>
     </p:extLst>
   </p:cSld>
@@ -39012,7 +40273,7 @@
           <a:p>
             <a:pPr lvl="0"/>
             <a:r>
-              <a:rPr lang="es-MX" sz="1400" dirty="0" smtClean="0"/>
+              <a:rPr lang="es-MX" sz="1400" dirty="0"/>
               <a:t>[1] WWEA </a:t>
             </a:r>
             <a:r>
@@ -39090,7 +40351,7 @@
           </a:p>
           <a:p>
             <a:r>
-              <a:rPr lang="en-US" sz="1400" dirty="0" smtClean="0"/>
+              <a:rPr lang="en-US" sz="1400" dirty="0"/>
               <a:t>[2] </a:t>
             </a:r>
             <a:r>
@@ -39123,17 +40384,12 @@
             </a:r>
             <a:r>
               <a:rPr lang="en-US" sz="1400" dirty="0"/>
-              <a:t>, Current state of wind energy in Mexico, achievements and perspectives, In Renewable and Sustainable Energy Reviews, Volume 15, Issue 8, 2011, Pages 3552-3557, ISSN 1364-0321</a:t>
+              <a:t>, Current state of wind energy in Mexico, achievements and perspectives, In Renewable and Sustainable Energy Reviews, Volume 15, Issue 8, 2011, Pages 3552-3557, ISSN 1364-0321.</a:t>
             </a:r>
-            <a:r>
-              <a:rPr lang="en-US" sz="1400" dirty="0" smtClean="0"/>
-              <a:t>.</a:t>
-            </a:r>
-            <a:endParaRPr lang="en-US" sz="1400" dirty="0"/>
           </a:p>
           <a:p>
             <a:r>
-              <a:rPr lang="en" sz="1400" dirty="0" smtClean="0"/>
+              <a:rPr lang="en" sz="1400" dirty="0"/>
               <a:t>[3] </a:t>
             </a:r>
             <a:r>
@@ -39234,21 +40490,13 @@
             </a:r>
             <a:r>
               <a:rPr lang="es-MX" sz="1400" dirty="0"/>
-              <a:t> 890-914, ISSN 1364-0321</a:t>
-            </a:r>
-            <a:r>
-              <a:rPr lang="es-MX" sz="1400" dirty="0" smtClean="0"/>
-              <a:t>.</a:t>
+              <a:t> 890-914, ISSN 1364-0321.</a:t>
             </a:r>
           </a:p>
           <a:p>
             <a:r>
-              <a:rPr lang="es-MX" sz="1400" dirty="0" smtClean="0"/>
-              <a:t>[4]Energía</a:t>
-            </a:r>
-            <a:r>
               <a:rPr lang="es-MX" sz="1400" dirty="0"/>
-              <a:t>, S. (2018). </a:t>
+              <a:t>[4]Energía, S. (2018). </a:t>
             </a:r>
             <a:r>
               <a:rPr lang="es-MX" sz="1400" b="1" dirty="0"/>
@@ -39278,20 +40526,209 @@
               <a:rPr lang="es-MX" sz="1400" u="sng" dirty="0">
                 <a:hlinkClick r:id="rId2"/>
               </a:rPr>
-              <a:t>https://</a:t>
+              <a:t>https://www.gob.mx/sener/acciones-y-programas/programa-de-desarrollo-del-sistema-electrico-nacional-33462</a:t>
+            </a:r>
+            <a:endParaRPr lang="es-MX" sz="1400" u="sng" dirty="0"/>
+          </a:p>
+          <a:p>
+            <a:r>
+              <a:rPr lang="es-MX" sz="1400" dirty="0"/>
+              <a:t>[5]</a:t>
             </a:r>
             <a:r>
-              <a:rPr lang="es-MX" sz="1400" u="sng" dirty="0" smtClean="0">
-                <a:hlinkClick r:id="rId2"/>
-              </a:rPr>
-              <a:t>www.gob.mx/sener/acciones-y-programas/programa-de-desarrollo-del-sistema-electrico-nacional-33462</a:t>
+              <a:rPr lang="es-MX" sz="1400" dirty="0" err="1"/>
+              <a:t>Bukala</a:t>
+            </a:r>
+            <a:r>
+              <a:rPr lang="es-MX" sz="1400" dirty="0"/>
+              <a:t>, J., </a:t>
+            </a:r>
+            <a:r>
+              <a:rPr lang="es-MX" sz="1400" dirty="0" err="1"/>
+              <a:t>Damaziak</a:t>
+            </a:r>
+            <a:r>
+              <a:rPr lang="es-MX" sz="1400" dirty="0"/>
+              <a:t>, K., </a:t>
+            </a:r>
+            <a:r>
+              <a:rPr lang="es-MX" sz="1400" dirty="0" err="1"/>
+              <a:t>Kroszczynski</a:t>
+            </a:r>
+            <a:r>
+              <a:rPr lang="es-MX" sz="1400" dirty="0"/>
+              <a:t>, K., </a:t>
+            </a:r>
+            <a:r>
+              <a:rPr lang="es-MX" sz="1400" dirty="0" err="1"/>
+              <a:t>Malachowski</a:t>
+            </a:r>
+            <a:r>
+              <a:rPr lang="es-MX" sz="1400" dirty="0"/>
+              <a:t>, J., </a:t>
+            </a:r>
+            <a:r>
+              <a:rPr lang="es-MX" sz="1400" dirty="0" err="1"/>
+              <a:t>Szafranski</a:t>
+            </a:r>
+            <a:r>
+              <a:rPr lang="es-MX" sz="1400" dirty="0"/>
+              <a:t>, T., </a:t>
+            </a:r>
+            <a:r>
+              <a:rPr lang="es-MX" sz="1400" dirty="0" err="1"/>
+              <a:t>Tomaszewski</a:t>
+            </a:r>
+            <a:r>
+              <a:rPr lang="es-MX" sz="1400" dirty="0"/>
+              <a:t>, M., </a:t>
+            </a:r>
+            <a:r>
+              <a:rPr lang="es-MX" sz="1400" dirty="0" err="1"/>
+              <a:t>Karimi</a:t>
+            </a:r>
+            <a:r>
+              <a:rPr lang="es-MX" sz="1400" dirty="0"/>
+              <a:t>, H., </a:t>
+            </a:r>
+            <a:r>
+              <a:rPr lang="es-MX" sz="1400" dirty="0" err="1"/>
+              <a:t>Jozwik</a:t>
+            </a:r>
+            <a:r>
+              <a:rPr lang="es-MX" sz="1400" dirty="0"/>
+              <a:t>, K., </a:t>
+            </a:r>
+            <a:r>
+              <a:rPr lang="es-MX" sz="1400" dirty="0" err="1"/>
+              <a:t>Karczewski</a:t>
+            </a:r>
+            <a:r>
+              <a:rPr lang="es-MX" sz="1400" dirty="0"/>
+              <a:t>, .M &amp; </a:t>
+            </a:r>
+            <a:r>
+              <a:rPr lang="es-MX" sz="1400" dirty="0" err="1"/>
+              <a:t>Sobczak</a:t>
+            </a:r>
+            <a:r>
+              <a:rPr lang="es-MX" sz="1400" dirty="0"/>
+              <a:t>, K.. (2016). Small </a:t>
+            </a:r>
+            <a:r>
+              <a:rPr lang="es-MX" sz="1400" dirty="0" err="1"/>
+              <a:t>Wind</a:t>
+            </a:r>
+            <a:r>
+              <a:rPr lang="es-MX" sz="1400" dirty="0"/>
+              <a:t> Turbines: </a:t>
+            </a:r>
+            <a:r>
+              <a:rPr lang="es-MX" sz="1400" dirty="0" err="1"/>
+              <a:t>Specification</a:t>
+            </a:r>
+            <a:r>
+              <a:rPr lang="es-MX" sz="1400" dirty="0"/>
+              <a:t>, </a:t>
+            </a:r>
+            <a:r>
+              <a:rPr lang="es-MX" sz="1400" dirty="0" err="1"/>
+              <a:t>Design</a:t>
+            </a:r>
+            <a:r>
+              <a:rPr lang="es-MX" sz="1400" dirty="0"/>
+              <a:t>, and </a:t>
+            </a:r>
+            <a:r>
+              <a:rPr lang="es-MX" sz="1400" dirty="0" err="1"/>
+              <a:t>Economic</a:t>
+            </a:r>
+            <a:r>
+              <a:rPr lang="es-MX" sz="1400" dirty="0"/>
+              <a:t> </a:t>
+            </a:r>
+            <a:r>
+              <a:rPr lang="es-MX" sz="1400" dirty="0" err="1"/>
+              <a:t>Evaluation</a:t>
+            </a:r>
+            <a:r>
+              <a:rPr lang="es-MX" sz="1400" dirty="0"/>
+              <a:t>. En </a:t>
+            </a:r>
+            <a:r>
+              <a:rPr lang="es-MX" sz="1400" dirty="0" err="1"/>
+              <a:t>Wind</a:t>
+            </a:r>
+            <a:r>
+              <a:rPr lang="es-MX" sz="1400" dirty="0"/>
+              <a:t> Turbines(</a:t>
+            </a:r>
+            <a:r>
+              <a:rPr lang="es-MX" sz="1400" dirty="0" err="1"/>
+              <a:t>Chapter</a:t>
+            </a:r>
+            <a:r>
+              <a:rPr lang="es-MX" sz="1400" dirty="0"/>
+              <a:t> 4). </a:t>
+            </a:r>
+            <a:r>
+              <a:rPr lang="es-MX" sz="1400" dirty="0" err="1"/>
+              <a:t>Rijeka</a:t>
+            </a:r>
+            <a:r>
+              <a:rPr lang="es-MX" sz="1400" dirty="0"/>
+              <a:t>: </a:t>
+            </a:r>
+            <a:r>
+              <a:rPr lang="es-MX" sz="1400" dirty="0" err="1"/>
+              <a:t>IntechOpen</a:t>
+            </a:r>
+            <a:r>
+              <a:rPr lang="es-MX" sz="1400" dirty="0"/>
+              <a:t>. </a:t>
+            </a:r>
+          </a:p>
+          <a:p>
+            <a:r>
+              <a:rPr lang="es-MX" sz="1400" dirty="0"/>
+              <a:t>[6] </a:t>
+            </a:r>
+            <a:r>
+              <a:rPr lang="es-MX" sz="1400" dirty="0" err="1"/>
+              <a:t>Probst</a:t>
+            </a:r>
+            <a:r>
+              <a:rPr lang="es-MX" sz="1400" dirty="0"/>
+              <a:t>, Oliver &amp; Martínez, Jaime &amp; Elizondo, Jorge &amp; Monroy, Oswaldo. (2011). Small </a:t>
+            </a:r>
+            <a:r>
+              <a:rPr lang="es-MX" sz="1400" dirty="0" err="1"/>
+              <a:t>Wind</a:t>
+            </a:r>
+            <a:r>
+              <a:rPr lang="es-MX" sz="1400" dirty="0"/>
+              <a:t> Turbine </a:t>
+            </a:r>
+            <a:r>
+              <a:rPr lang="es-MX" sz="1400" dirty="0" err="1"/>
+              <a:t>Technology</a:t>
+            </a:r>
+            <a:r>
+              <a:rPr lang="es-MX" sz="1400" dirty="0"/>
+              <a:t>. 10.5772/15861.  </a:t>
+            </a:r>
+          </a:p>
+          <a:p>
+            <a:r>
+              <a:rPr lang="es-MX" sz="1400" dirty="0"/>
+              <a:t>[7] http://airfoiltools.com/</a:t>
             </a:r>
             <a:endParaRPr lang="en" sz="1400" dirty="0"/>
           </a:p>
           <a:p>
             <a:r>
-              <a:rPr lang="es-MX" sz="1400" dirty="0" smtClean="0"/>
-              <a:t>[5] </a:t>
+              <a:rPr lang="es-MX" sz="1400" dirty="0"/>
+              <a:t>[8] </a:t>
             </a:r>
             <a:r>
               <a:rPr lang="en-US" sz="1400" dirty="0" err="1"/>
@@ -39299,13 +40736,12 @@
             </a:r>
             <a:r>
               <a:rPr lang="en-US" sz="1400" dirty="0"/>
-              <a:t>, E.. (2006). Wind Turbines: Fundamentals, Technologies, Economics. New York: </a:t>
+              <a:t>, E.. (2006). Wind Turbines: Fundamentals, Technologies, Economics. </a:t>
             </a:r>
             <a:r>
-              <a:rPr lang="en-US" sz="1400" dirty="0" smtClean="0"/>
-              <a:t>Springer.</a:t>
+              <a:rPr lang="en-US" sz="1400"/>
+              <a:t>New York: Springer.</a:t>
             </a:r>
-            <a:endParaRPr lang="en-US" sz="1400" dirty="0"/>
           </a:p>
           <a:p>
             <a:endParaRPr lang="en-US" sz="1400" dirty="0"/>
@@ -39717,7 +41153,9 @@
           </a:xfrm>
         </p:spPr>
         <p:txBody>
-          <a:bodyPr/>
+          <a:bodyPr>
+            <a:normAutofit fontScale="92500" lnSpcReduction="10000"/>
+          </a:bodyPr>
           <a:lstStyle/>
           <a:p>
             <a:pPr marL="0" indent="0">
@@ -39747,6 +41185,36 @@
               <a:rPr lang="es-MX" dirty="0" smtClean="0"/>
               <a:t>.</a:t>
             </a:r>
+          </a:p>
+          <a:p>
+            <a:pPr marL="0" indent="0">
+              <a:buNone/>
+            </a:pPr>
+            <a:r>
+              <a:rPr lang="es-MX" dirty="0"/>
+              <a:t>Bajo rendimiento aerodinámico por bajo número de Reynolds (&lt;100,000) causa directa de bajo coeficiente de potencia (</a:t>
+            </a:r>
+            <a:r>
+              <a:rPr lang="es-MX" dirty="0" err="1"/>
+              <a:t>Cp</a:t>
+            </a:r>
+            <a:r>
+              <a:rPr lang="es-MX" dirty="0"/>
+              <a:t>&lt;0.46-0.48) comparado con los grandes aerogeneradores (</a:t>
+            </a:r>
+            <a:r>
+              <a:rPr lang="es-MX" dirty="0" err="1"/>
+              <a:t>Cp</a:t>
+            </a:r>
+            <a:r>
+              <a:rPr lang="es-MX" dirty="0"/>
+              <a:t> &gt; 0.50</a:t>
+            </a:r>
+            <a:r>
+              <a:rPr lang="es-MX" dirty="0" smtClean="0"/>
+              <a:t>)</a:t>
+            </a:r>
+            <a:endParaRPr lang="es-MX" dirty="0" smtClean="0"/>
           </a:p>
           <a:p>
             <a:pPr marL="0" indent="0">
